--- a/Lesson7/R_ggplot.pptx
+++ b/Lesson7/R_ggplot.pptx
@@ -6,7 +6,7 @@
     <p:sldMasterId id="2147483660" r:id="rId2"/>
   </p:sldMasterIdLst>
   <p:notesMasterIdLst>
-    <p:notesMasterId r:id="rId44"/>
+    <p:notesMasterId r:id="rId45"/>
   </p:notesMasterIdLst>
   <p:sldIdLst>
     <p:sldId id="256" r:id="rId3"/>
@@ -31,25 +31,26 @@
     <p:sldId id="283" r:id="rId22"/>
     <p:sldId id="292" r:id="rId23"/>
     <p:sldId id="282" r:id="rId24"/>
-    <p:sldId id="269" r:id="rId25"/>
-    <p:sldId id="295" r:id="rId26"/>
-    <p:sldId id="270" r:id="rId27"/>
-    <p:sldId id="300" r:id="rId28"/>
-    <p:sldId id="259" r:id="rId29"/>
-    <p:sldId id="298" r:id="rId30"/>
-    <p:sldId id="284" r:id="rId31"/>
-    <p:sldId id="299" r:id="rId32"/>
-    <p:sldId id="297" r:id="rId33"/>
-    <p:sldId id="296" r:id="rId34"/>
-    <p:sldId id="301" r:id="rId35"/>
-    <p:sldId id="302" r:id="rId36"/>
-    <p:sldId id="287" r:id="rId37"/>
-    <p:sldId id="267" r:id="rId38"/>
-    <p:sldId id="266" r:id="rId39"/>
-    <p:sldId id="271" r:id="rId40"/>
-    <p:sldId id="272" r:id="rId41"/>
-    <p:sldId id="286" r:id="rId42"/>
-    <p:sldId id="294" r:id="rId43"/>
+    <p:sldId id="270" r:id="rId25"/>
+    <p:sldId id="269" r:id="rId26"/>
+    <p:sldId id="295" r:id="rId27"/>
+    <p:sldId id="303" r:id="rId28"/>
+    <p:sldId id="300" r:id="rId29"/>
+    <p:sldId id="259" r:id="rId30"/>
+    <p:sldId id="298" r:id="rId31"/>
+    <p:sldId id="284" r:id="rId32"/>
+    <p:sldId id="299" r:id="rId33"/>
+    <p:sldId id="297" r:id="rId34"/>
+    <p:sldId id="296" r:id="rId35"/>
+    <p:sldId id="301" r:id="rId36"/>
+    <p:sldId id="302" r:id="rId37"/>
+    <p:sldId id="287" r:id="rId38"/>
+    <p:sldId id="267" r:id="rId39"/>
+    <p:sldId id="266" r:id="rId40"/>
+    <p:sldId id="271" r:id="rId41"/>
+    <p:sldId id="272" r:id="rId42"/>
+    <p:sldId id="286" r:id="rId43"/>
+    <p:sldId id="294" r:id="rId44"/>
   </p:sldIdLst>
   <p:sldSz cx="12192000" cy="6858000"/>
   <p:notesSz cx="6858000" cy="9144000"/>
@@ -1193,430 +1194,6 @@
           <a:bodyPr/>
           <a:lstStyle/>
           <a:p>
-            <a:r>
-              <a:rPr lang="en-US" altLang="zh-TW" dirty="0" smtClean="0"/>
-              <a:t>Correlation</a:t>
-            </a:r>
-          </a:p>
-          <a:p>
-            <a:r>
-              <a:rPr lang="zh-CN" altLang="en-US" sz="1200" b="0" i="0" kern="1200" dirty="0" smtClean="0">
-                <a:solidFill>
-                  <a:schemeClr val="tx1"/>
-                </a:solidFill>
-                <a:effectLst/>
-                <a:latin typeface="+mn-lt"/>
-                <a:ea typeface="+mn-ea"/>
-                <a:cs typeface="+mn-cs"/>
-              </a:rPr>
-              <a:t>散点图用来表征两个（如果多个就分面，如上图）</a:t>
-            </a:r>
-            <a:r>
-              <a:rPr lang="zh-CN" altLang="en-US" sz="1200" b="1" i="0" kern="1200" dirty="0" smtClean="0">
-                <a:solidFill>
-                  <a:schemeClr val="tx1"/>
-                </a:solidFill>
-                <a:effectLst/>
-                <a:latin typeface="+mn-lt"/>
-                <a:ea typeface="+mn-ea"/>
-                <a:cs typeface="+mn-cs"/>
-              </a:rPr>
-              <a:t>数值型变量</a:t>
-            </a:r>
-            <a:r>
-              <a:rPr lang="zh-CN" altLang="en-US" sz="1200" b="0" i="0" kern="1200" dirty="0" smtClean="0">
-                <a:solidFill>
-                  <a:schemeClr val="tx1"/>
-                </a:solidFill>
-                <a:effectLst/>
-                <a:latin typeface="+mn-lt"/>
-                <a:ea typeface="+mn-ea"/>
-                <a:cs typeface="+mn-cs"/>
-              </a:rPr>
-              <a:t>间的关系，每个点的位置（即</a:t>
-            </a:r>
-            <a:r>
-              <a:rPr lang="en-US" altLang="zh-CN" sz="1200" b="0" i="0" kern="1200" dirty="0" smtClean="0">
-                <a:solidFill>
-                  <a:schemeClr val="tx1"/>
-                </a:solidFill>
-                <a:effectLst/>
-                <a:latin typeface="+mn-lt"/>
-                <a:ea typeface="+mn-ea"/>
-                <a:cs typeface="+mn-cs"/>
-              </a:rPr>
-              <a:t>x</a:t>
-            </a:r>
-            <a:r>
-              <a:rPr lang="zh-CN" altLang="en-US" sz="1200" b="0" i="0" kern="1200" dirty="0" smtClean="0">
-                <a:solidFill>
-                  <a:schemeClr val="tx1"/>
-                </a:solidFill>
-                <a:effectLst/>
-                <a:latin typeface="+mn-lt"/>
-                <a:ea typeface="+mn-ea"/>
-                <a:cs typeface="+mn-cs"/>
-              </a:rPr>
-              <a:t>轴和</a:t>
-            </a:r>
-            <a:r>
-              <a:rPr lang="en-US" altLang="zh-CN" sz="1200" b="0" i="0" kern="1200" dirty="0" smtClean="0">
-                <a:solidFill>
-                  <a:schemeClr val="tx1"/>
-                </a:solidFill>
-                <a:effectLst/>
-                <a:latin typeface="+mn-lt"/>
-                <a:ea typeface="+mn-ea"/>
-                <a:cs typeface="+mn-cs"/>
-              </a:rPr>
-              <a:t>y</a:t>
-            </a:r>
-            <a:r>
-              <a:rPr lang="zh-CN" altLang="en-US" sz="1200" b="0" i="0" kern="1200" dirty="0" smtClean="0">
-                <a:solidFill>
-                  <a:schemeClr val="tx1"/>
-                </a:solidFill>
-                <a:effectLst/>
-                <a:latin typeface="+mn-lt"/>
-                <a:ea typeface="+mn-ea"/>
-                <a:cs typeface="+mn-cs"/>
-              </a:rPr>
-              <a:t>轴坐标）映射着两个变量的值。</a:t>
-            </a:r>
-            <a:endParaRPr lang="en-US" altLang="zh-CN" sz="1200" b="0" i="0" kern="1200" dirty="0" smtClean="0">
-              <a:solidFill>
-                <a:schemeClr val="tx1"/>
-              </a:solidFill>
-              <a:effectLst/>
-              <a:latin typeface="+mn-lt"/>
-              <a:ea typeface="+mn-ea"/>
-              <a:cs typeface="+mn-cs"/>
-            </a:endParaRPr>
-          </a:p>
-          <a:p>
-            <a:r>
-              <a:rPr lang="en-US" altLang="zh-CN" sz="1200" b="0" i="0" kern="1200" dirty="0" err="1" smtClean="0">
-                <a:solidFill>
-                  <a:schemeClr val="tx1"/>
-                </a:solidFill>
-                <a:effectLst/>
-                <a:latin typeface="+mn-lt"/>
-                <a:ea typeface="+mn-ea"/>
-                <a:cs typeface="+mn-cs"/>
-              </a:rPr>
-              <a:t>geom_smooth</a:t>
-            </a:r>
-            <a:r>
-              <a:rPr lang="en-US" altLang="zh-CN" sz="1200" b="0" i="0" kern="1200" dirty="0" smtClean="0">
-                <a:solidFill>
-                  <a:schemeClr val="tx1"/>
-                </a:solidFill>
-                <a:effectLst/>
-                <a:latin typeface="+mn-lt"/>
-                <a:ea typeface="+mn-ea"/>
-                <a:cs typeface="+mn-cs"/>
-              </a:rPr>
-              <a:t>()</a:t>
-            </a:r>
-            <a:r>
-              <a:rPr lang="zh-CN" altLang="en-US" sz="1200" b="0" i="0" kern="1200" dirty="0" smtClean="0">
-                <a:solidFill>
-                  <a:schemeClr val="tx1"/>
-                </a:solidFill>
-                <a:effectLst/>
-                <a:latin typeface="+mn-lt"/>
-                <a:ea typeface="+mn-ea"/>
-                <a:cs typeface="+mn-cs"/>
-              </a:rPr>
-              <a:t>：这个函数就是为散点图添加一条平滑的曲线（包含直线），</a:t>
-            </a:r>
-            <a:r>
-              <a:rPr lang="en-US" altLang="zh-CN" sz="1200" b="0" i="0" kern="1200" dirty="0" smtClean="0">
-                <a:solidFill>
-                  <a:schemeClr val="tx1"/>
-                </a:solidFill>
-                <a:effectLst/>
-                <a:latin typeface="+mn-lt"/>
-                <a:ea typeface="+mn-ea"/>
-                <a:cs typeface="+mn-cs"/>
-              </a:rPr>
-              <a:t>method</a:t>
-            </a:r>
-            <a:r>
-              <a:rPr lang="zh-CN" altLang="en-US" sz="1200" b="0" i="0" kern="1200" dirty="0" smtClean="0">
-                <a:solidFill>
-                  <a:schemeClr val="tx1"/>
-                </a:solidFill>
-                <a:effectLst/>
-                <a:latin typeface="+mn-lt"/>
-                <a:ea typeface="+mn-ea"/>
-                <a:cs typeface="+mn-cs"/>
-              </a:rPr>
-              <a:t>中的类型常见的有</a:t>
-            </a:r>
-            <a:r>
-              <a:rPr lang="en-US" altLang="zh-CN" sz="1200" b="0" i="0" kern="1200" dirty="0" smtClean="0">
-                <a:solidFill>
-                  <a:schemeClr val="tx1"/>
-                </a:solidFill>
-                <a:effectLst/>
-                <a:latin typeface="+mn-lt"/>
-                <a:ea typeface="+mn-ea"/>
-                <a:cs typeface="+mn-cs"/>
-              </a:rPr>
-              <a:t>lm\</a:t>
-            </a:r>
-            <a:r>
-              <a:rPr lang="en-US" altLang="zh-CN" sz="1200" b="0" i="0" kern="1200" dirty="0" err="1" smtClean="0">
-                <a:solidFill>
-                  <a:schemeClr val="tx1"/>
-                </a:solidFill>
-                <a:effectLst/>
-                <a:latin typeface="+mn-lt"/>
-                <a:ea typeface="+mn-ea"/>
-                <a:cs typeface="+mn-cs"/>
-              </a:rPr>
-              <a:t>glm</a:t>
-            </a:r>
-            <a:r>
-              <a:rPr lang="en-US" altLang="zh-CN" sz="1200" b="0" i="0" kern="1200" dirty="0" smtClean="0">
-                <a:solidFill>
-                  <a:schemeClr val="tx1"/>
-                </a:solidFill>
-                <a:effectLst/>
-                <a:latin typeface="+mn-lt"/>
-                <a:ea typeface="+mn-ea"/>
-                <a:cs typeface="+mn-cs"/>
-              </a:rPr>
-              <a:t>\gam\loess\</a:t>
-            </a:r>
-            <a:r>
-              <a:rPr lang="en-US" altLang="zh-CN" sz="1200" b="0" i="0" kern="1200" dirty="0" err="1" smtClean="0">
-                <a:solidFill>
-                  <a:schemeClr val="tx1"/>
-                </a:solidFill>
-                <a:effectLst/>
-                <a:latin typeface="+mn-lt"/>
-                <a:ea typeface="+mn-ea"/>
-                <a:cs typeface="+mn-cs"/>
-              </a:rPr>
-              <a:t>rlm</a:t>
-            </a:r>
-            <a:r>
-              <a:rPr lang="zh-CN" altLang="en-US" sz="1200" b="0" i="0" kern="1200" dirty="0" smtClean="0">
-                <a:solidFill>
-                  <a:schemeClr val="tx1"/>
-                </a:solidFill>
-                <a:effectLst/>
-                <a:latin typeface="+mn-lt"/>
-                <a:ea typeface="+mn-ea"/>
-                <a:cs typeface="+mn-cs"/>
-              </a:rPr>
-              <a:t>等</a:t>
-            </a:r>
-            <a:r>
-              <a:rPr lang="en-US" altLang="zh-CN" sz="1200" b="0" i="0" kern="1200" dirty="0" smtClean="0">
-                <a:solidFill>
-                  <a:schemeClr val="tx1"/>
-                </a:solidFill>
-                <a:effectLst/>
-                <a:latin typeface="+mn-lt"/>
-                <a:ea typeface="+mn-ea"/>
-                <a:cs typeface="+mn-cs"/>
-              </a:rPr>
-              <a:t>,</a:t>
-            </a:r>
-            <a:r>
-              <a:rPr lang="zh-CN" altLang="en-US" sz="1200" b="0" i="0" kern="1200" dirty="0" smtClean="0">
-                <a:solidFill>
-                  <a:schemeClr val="tx1"/>
-                </a:solidFill>
-                <a:effectLst/>
-                <a:latin typeface="+mn-lt"/>
-                <a:ea typeface="+mn-ea"/>
-                <a:cs typeface="+mn-cs"/>
-              </a:rPr>
-              <a:t>当数据集记录小于</a:t>
-            </a:r>
-            <a:r>
-              <a:rPr lang="en-US" altLang="zh-CN" sz="1200" b="0" i="0" kern="1200" dirty="0" smtClean="0">
-                <a:solidFill>
-                  <a:schemeClr val="tx1"/>
-                </a:solidFill>
-                <a:effectLst/>
-                <a:latin typeface="+mn-lt"/>
-                <a:ea typeface="+mn-ea"/>
-                <a:cs typeface="+mn-cs"/>
-              </a:rPr>
-              <a:t>1000</a:t>
-            </a:r>
-            <a:r>
-              <a:rPr lang="zh-CN" altLang="en-US" sz="1200" b="0" i="0" kern="1200" dirty="0" smtClean="0">
-                <a:solidFill>
-                  <a:schemeClr val="tx1"/>
-                </a:solidFill>
-                <a:effectLst/>
-                <a:latin typeface="+mn-lt"/>
-                <a:ea typeface="+mn-ea"/>
-                <a:cs typeface="+mn-cs"/>
-              </a:rPr>
-              <a:t>时</a:t>
-            </a:r>
-            <a:r>
-              <a:rPr lang="en-US" altLang="zh-CN" sz="1200" b="0" i="0" kern="1200" dirty="0" smtClean="0">
-                <a:solidFill>
-                  <a:schemeClr val="tx1"/>
-                </a:solidFill>
-                <a:effectLst/>
-                <a:latin typeface="+mn-lt"/>
-                <a:ea typeface="+mn-ea"/>
-                <a:cs typeface="+mn-cs"/>
-              </a:rPr>
-              <a:t>,method</a:t>
-            </a:r>
-            <a:r>
-              <a:rPr lang="zh-CN" altLang="en-US" sz="1200" b="0" i="0" kern="1200" dirty="0" smtClean="0">
-                <a:solidFill>
-                  <a:schemeClr val="tx1"/>
-                </a:solidFill>
-                <a:effectLst/>
-                <a:latin typeface="+mn-lt"/>
-                <a:ea typeface="+mn-ea"/>
-                <a:cs typeface="+mn-cs"/>
-              </a:rPr>
-              <a:t>的默认参数即为</a:t>
-            </a:r>
-            <a:r>
-              <a:rPr lang="en-US" altLang="zh-CN" sz="1200" b="0" i="0" kern="1200" dirty="0" smtClean="0">
-                <a:solidFill>
-                  <a:schemeClr val="tx1"/>
-                </a:solidFill>
-                <a:effectLst/>
-                <a:latin typeface="+mn-lt"/>
-                <a:ea typeface="+mn-ea"/>
-                <a:cs typeface="+mn-cs"/>
-              </a:rPr>
-              <a:t>loess,</a:t>
-            </a:r>
-            <a:r>
-              <a:rPr lang="zh-CN" altLang="en-US" sz="1200" b="0" i="0" kern="1200" dirty="0" smtClean="0">
-                <a:solidFill>
-                  <a:schemeClr val="tx1"/>
-                </a:solidFill>
-                <a:effectLst/>
-                <a:latin typeface="+mn-lt"/>
-                <a:ea typeface="+mn-ea"/>
-                <a:cs typeface="+mn-cs"/>
-              </a:rPr>
-              <a:t>大于</a:t>
-            </a:r>
-            <a:r>
-              <a:rPr lang="en-US" altLang="zh-CN" sz="1200" b="0" i="0" kern="1200" dirty="0" smtClean="0">
-                <a:solidFill>
-                  <a:schemeClr val="tx1"/>
-                </a:solidFill>
-                <a:effectLst/>
-                <a:latin typeface="+mn-lt"/>
-                <a:ea typeface="+mn-ea"/>
-                <a:cs typeface="+mn-cs"/>
-              </a:rPr>
-              <a:t>1000</a:t>
-            </a:r>
-            <a:r>
-              <a:rPr lang="zh-CN" altLang="en-US" sz="1200" b="0" i="0" kern="1200" dirty="0" smtClean="0">
-                <a:solidFill>
-                  <a:schemeClr val="tx1"/>
-                </a:solidFill>
-                <a:effectLst/>
-                <a:latin typeface="+mn-lt"/>
-                <a:ea typeface="+mn-ea"/>
-                <a:cs typeface="+mn-cs"/>
-              </a:rPr>
-              <a:t>时则为</a:t>
-            </a:r>
-            <a:r>
-              <a:rPr lang="en-US" altLang="zh-CN" sz="1200" b="0" i="0" kern="1200" dirty="0" smtClean="0">
-                <a:solidFill>
-                  <a:schemeClr val="tx1"/>
-                </a:solidFill>
-                <a:effectLst/>
-                <a:latin typeface="+mn-lt"/>
-                <a:ea typeface="+mn-ea"/>
-                <a:cs typeface="+mn-cs"/>
-              </a:rPr>
-              <a:t>gam</a:t>
-            </a:r>
-            <a:r>
-              <a:rPr lang="zh-CN" altLang="en-US" sz="1200" b="0" i="0" kern="1200" dirty="0" smtClean="0">
-                <a:solidFill>
-                  <a:schemeClr val="tx1"/>
-                </a:solidFill>
-                <a:effectLst/>
-                <a:latin typeface="+mn-lt"/>
-                <a:ea typeface="+mn-ea"/>
-                <a:cs typeface="+mn-cs"/>
-              </a:rPr>
-              <a:t>。</a:t>
-            </a:r>
-            <a:endParaRPr lang="en-US" altLang="zh-CN" sz="1200" b="0" i="0" kern="1200" dirty="0" smtClean="0">
-              <a:solidFill>
-                <a:schemeClr val="tx1"/>
-              </a:solidFill>
-              <a:effectLst/>
-              <a:latin typeface="+mn-lt"/>
-              <a:ea typeface="+mn-ea"/>
-              <a:cs typeface="+mn-cs"/>
-            </a:endParaRPr>
-          </a:p>
-          <a:p>
-            <a:r>
-              <a:rPr lang="zh-TW" altLang="en-US" sz="1200" b="0" i="0" kern="1200" dirty="0" smtClean="0">
-                <a:solidFill>
-                  <a:schemeClr val="tx1"/>
-                </a:solidFill>
-                <a:effectLst/>
-                <a:latin typeface="+mn-lt"/>
-                <a:ea typeface="+mn-ea"/>
-                <a:cs typeface="+mn-cs"/>
-              </a:rPr>
-              <a:t>用來做趨勢的擬合，</a:t>
-            </a:r>
-            <a:r>
-              <a:rPr lang="zh-CN" altLang="en-US" sz="1200" b="0" i="0" kern="1200" dirty="0" smtClean="0">
-                <a:solidFill>
-                  <a:schemeClr val="tx1"/>
-                </a:solidFill>
-                <a:effectLst/>
-                <a:latin typeface="+mn-lt"/>
-                <a:ea typeface="+mn-ea"/>
-                <a:cs typeface="+mn-cs"/>
-              </a:rPr>
-              <a:t>误差范围的颜色带是可以通过</a:t>
-            </a:r>
-            <a:r>
-              <a:rPr lang="en-US" altLang="zh-CN" sz="1200" b="0" i="0" kern="1200" dirty="0" smtClean="0">
-                <a:solidFill>
-                  <a:schemeClr val="tx1"/>
-                </a:solidFill>
-                <a:effectLst/>
-                <a:latin typeface="+mn-lt"/>
-                <a:ea typeface="+mn-ea"/>
-                <a:cs typeface="+mn-cs"/>
-              </a:rPr>
-              <a:t>se</a:t>
-            </a:r>
-            <a:r>
-              <a:rPr lang="zh-CN" altLang="en-US" sz="1200" b="0" i="0" kern="1200" dirty="0" smtClean="0">
-                <a:solidFill>
-                  <a:schemeClr val="tx1"/>
-                </a:solidFill>
-                <a:effectLst/>
-                <a:latin typeface="+mn-lt"/>
-                <a:ea typeface="+mn-ea"/>
-                <a:cs typeface="+mn-cs"/>
-              </a:rPr>
-              <a:t>参数进行控制的</a:t>
-            </a:r>
             <a:endParaRPr lang="zh-TW" altLang="en-US" dirty="0"/>
           </a:p>
         </p:txBody>
@@ -1647,7 +1224,7 @@
     </p:spTree>
     <p:extLst>
       <p:ext uri="{BB962C8B-B14F-4D97-AF65-F5344CB8AC3E}">
-        <p14:creationId xmlns:p14="http://schemas.microsoft.com/office/powerpoint/2010/main" val="1124183589"/>
+        <p14:creationId xmlns:p14="http://schemas.microsoft.com/office/powerpoint/2010/main" val="2021010839"/>
       </p:ext>
     </p:extLst>
   </p:cSld>
@@ -1701,6 +1278,430 @@
           <a:bodyPr/>
           <a:lstStyle/>
           <a:p>
+            <a:r>
+              <a:rPr lang="en-US" altLang="zh-TW" dirty="0" smtClean="0"/>
+              <a:t>Correlation</a:t>
+            </a:r>
+          </a:p>
+          <a:p>
+            <a:r>
+              <a:rPr lang="zh-CN" altLang="en-US" sz="1200" b="0" i="0" kern="1200" dirty="0" smtClean="0">
+                <a:solidFill>
+                  <a:schemeClr val="tx1"/>
+                </a:solidFill>
+                <a:effectLst/>
+                <a:latin typeface="+mn-lt"/>
+                <a:ea typeface="+mn-ea"/>
+                <a:cs typeface="+mn-cs"/>
+              </a:rPr>
+              <a:t>散点图用来表征两个（如果多个就分面，如上图）</a:t>
+            </a:r>
+            <a:r>
+              <a:rPr lang="zh-CN" altLang="en-US" sz="1200" b="1" i="0" kern="1200" dirty="0" smtClean="0">
+                <a:solidFill>
+                  <a:schemeClr val="tx1"/>
+                </a:solidFill>
+                <a:effectLst/>
+                <a:latin typeface="+mn-lt"/>
+                <a:ea typeface="+mn-ea"/>
+                <a:cs typeface="+mn-cs"/>
+              </a:rPr>
+              <a:t>数值型变量</a:t>
+            </a:r>
+            <a:r>
+              <a:rPr lang="zh-CN" altLang="en-US" sz="1200" b="0" i="0" kern="1200" dirty="0" smtClean="0">
+                <a:solidFill>
+                  <a:schemeClr val="tx1"/>
+                </a:solidFill>
+                <a:effectLst/>
+                <a:latin typeface="+mn-lt"/>
+                <a:ea typeface="+mn-ea"/>
+                <a:cs typeface="+mn-cs"/>
+              </a:rPr>
+              <a:t>间的关系，每个点的位置（即</a:t>
+            </a:r>
+            <a:r>
+              <a:rPr lang="en-US" altLang="zh-CN" sz="1200" b="0" i="0" kern="1200" dirty="0" smtClean="0">
+                <a:solidFill>
+                  <a:schemeClr val="tx1"/>
+                </a:solidFill>
+                <a:effectLst/>
+                <a:latin typeface="+mn-lt"/>
+                <a:ea typeface="+mn-ea"/>
+                <a:cs typeface="+mn-cs"/>
+              </a:rPr>
+              <a:t>x</a:t>
+            </a:r>
+            <a:r>
+              <a:rPr lang="zh-CN" altLang="en-US" sz="1200" b="0" i="0" kern="1200" dirty="0" smtClean="0">
+                <a:solidFill>
+                  <a:schemeClr val="tx1"/>
+                </a:solidFill>
+                <a:effectLst/>
+                <a:latin typeface="+mn-lt"/>
+                <a:ea typeface="+mn-ea"/>
+                <a:cs typeface="+mn-cs"/>
+              </a:rPr>
+              <a:t>轴和</a:t>
+            </a:r>
+            <a:r>
+              <a:rPr lang="en-US" altLang="zh-CN" sz="1200" b="0" i="0" kern="1200" dirty="0" smtClean="0">
+                <a:solidFill>
+                  <a:schemeClr val="tx1"/>
+                </a:solidFill>
+                <a:effectLst/>
+                <a:latin typeface="+mn-lt"/>
+                <a:ea typeface="+mn-ea"/>
+                <a:cs typeface="+mn-cs"/>
+              </a:rPr>
+              <a:t>y</a:t>
+            </a:r>
+            <a:r>
+              <a:rPr lang="zh-CN" altLang="en-US" sz="1200" b="0" i="0" kern="1200" dirty="0" smtClean="0">
+                <a:solidFill>
+                  <a:schemeClr val="tx1"/>
+                </a:solidFill>
+                <a:effectLst/>
+                <a:latin typeface="+mn-lt"/>
+                <a:ea typeface="+mn-ea"/>
+                <a:cs typeface="+mn-cs"/>
+              </a:rPr>
+              <a:t>轴坐标）映射着两个变量的值。</a:t>
+            </a:r>
+            <a:endParaRPr lang="en-US" altLang="zh-CN" sz="1200" b="0" i="0" kern="1200" dirty="0" smtClean="0">
+              <a:solidFill>
+                <a:schemeClr val="tx1"/>
+              </a:solidFill>
+              <a:effectLst/>
+              <a:latin typeface="+mn-lt"/>
+              <a:ea typeface="+mn-ea"/>
+              <a:cs typeface="+mn-cs"/>
+            </a:endParaRPr>
+          </a:p>
+          <a:p>
+            <a:r>
+              <a:rPr lang="en-US" altLang="zh-CN" sz="1200" b="0" i="0" kern="1200" dirty="0" err="1" smtClean="0">
+                <a:solidFill>
+                  <a:schemeClr val="tx1"/>
+                </a:solidFill>
+                <a:effectLst/>
+                <a:latin typeface="+mn-lt"/>
+                <a:ea typeface="+mn-ea"/>
+                <a:cs typeface="+mn-cs"/>
+              </a:rPr>
+              <a:t>geom_smooth</a:t>
+            </a:r>
+            <a:r>
+              <a:rPr lang="en-US" altLang="zh-CN" sz="1200" b="0" i="0" kern="1200" dirty="0" smtClean="0">
+                <a:solidFill>
+                  <a:schemeClr val="tx1"/>
+                </a:solidFill>
+                <a:effectLst/>
+                <a:latin typeface="+mn-lt"/>
+                <a:ea typeface="+mn-ea"/>
+                <a:cs typeface="+mn-cs"/>
+              </a:rPr>
+              <a:t>()</a:t>
+            </a:r>
+            <a:r>
+              <a:rPr lang="zh-CN" altLang="en-US" sz="1200" b="0" i="0" kern="1200" dirty="0" smtClean="0">
+                <a:solidFill>
+                  <a:schemeClr val="tx1"/>
+                </a:solidFill>
+                <a:effectLst/>
+                <a:latin typeface="+mn-lt"/>
+                <a:ea typeface="+mn-ea"/>
+                <a:cs typeface="+mn-cs"/>
+              </a:rPr>
+              <a:t>：这个函数就是为散点图添加一条平滑的曲线（包含直线），</a:t>
+            </a:r>
+            <a:r>
+              <a:rPr lang="en-US" altLang="zh-CN" sz="1200" b="0" i="0" kern="1200" dirty="0" smtClean="0">
+                <a:solidFill>
+                  <a:schemeClr val="tx1"/>
+                </a:solidFill>
+                <a:effectLst/>
+                <a:latin typeface="+mn-lt"/>
+                <a:ea typeface="+mn-ea"/>
+                <a:cs typeface="+mn-cs"/>
+              </a:rPr>
+              <a:t>method</a:t>
+            </a:r>
+            <a:r>
+              <a:rPr lang="zh-CN" altLang="en-US" sz="1200" b="0" i="0" kern="1200" dirty="0" smtClean="0">
+                <a:solidFill>
+                  <a:schemeClr val="tx1"/>
+                </a:solidFill>
+                <a:effectLst/>
+                <a:latin typeface="+mn-lt"/>
+                <a:ea typeface="+mn-ea"/>
+                <a:cs typeface="+mn-cs"/>
+              </a:rPr>
+              <a:t>中的类型常见的有</a:t>
+            </a:r>
+            <a:r>
+              <a:rPr lang="en-US" altLang="zh-CN" sz="1200" b="0" i="0" kern="1200" dirty="0" smtClean="0">
+                <a:solidFill>
+                  <a:schemeClr val="tx1"/>
+                </a:solidFill>
+                <a:effectLst/>
+                <a:latin typeface="+mn-lt"/>
+                <a:ea typeface="+mn-ea"/>
+                <a:cs typeface="+mn-cs"/>
+              </a:rPr>
+              <a:t>lm\</a:t>
+            </a:r>
+            <a:r>
+              <a:rPr lang="en-US" altLang="zh-CN" sz="1200" b="0" i="0" kern="1200" dirty="0" err="1" smtClean="0">
+                <a:solidFill>
+                  <a:schemeClr val="tx1"/>
+                </a:solidFill>
+                <a:effectLst/>
+                <a:latin typeface="+mn-lt"/>
+                <a:ea typeface="+mn-ea"/>
+                <a:cs typeface="+mn-cs"/>
+              </a:rPr>
+              <a:t>glm</a:t>
+            </a:r>
+            <a:r>
+              <a:rPr lang="en-US" altLang="zh-CN" sz="1200" b="0" i="0" kern="1200" dirty="0" smtClean="0">
+                <a:solidFill>
+                  <a:schemeClr val="tx1"/>
+                </a:solidFill>
+                <a:effectLst/>
+                <a:latin typeface="+mn-lt"/>
+                <a:ea typeface="+mn-ea"/>
+                <a:cs typeface="+mn-cs"/>
+              </a:rPr>
+              <a:t>\gam\loess\</a:t>
+            </a:r>
+            <a:r>
+              <a:rPr lang="en-US" altLang="zh-CN" sz="1200" b="0" i="0" kern="1200" dirty="0" err="1" smtClean="0">
+                <a:solidFill>
+                  <a:schemeClr val="tx1"/>
+                </a:solidFill>
+                <a:effectLst/>
+                <a:latin typeface="+mn-lt"/>
+                <a:ea typeface="+mn-ea"/>
+                <a:cs typeface="+mn-cs"/>
+              </a:rPr>
+              <a:t>rlm</a:t>
+            </a:r>
+            <a:r>
+              <a:rPr lang="zh-CN" altLang="en-US" sz="1200" b="0" i="0" kern="1200" dirty="0" smtClean="0">
+                <a:solidFill>
+                  <a:schemeClr val="tx1"/>
+                </a:solidFill>
+                <a:effectLst/>
+                <a:latin typeface="+mn-lt"/>
+                <a:ea typeface="+mn-ea"/>
+                <a:cs typeface="+mn-cs"/>
+              </a:rPr>
+              <a:t>等</a:t>
+            </a:r>
+            <a:r>
+              <a:rPr lang="en-US" altLang="zh-CN" sz="1200" b="0" i="0" kern="1200" dirty="0" smtClean="0">
+                <a:solidFill>
+                  <a:schemeClr val="tx1"/>
+                </a:solidFill>
+                <a:effectLst/>
+                <a:latin typeface="+mn-lt"/>
+                <a:ea typeface="+mn-ea"/>
+                <a:cs typeface="+mn-cs"/>
+              </a:rPr>
+              <a:t>,</a:t>
+            </a:r>
+            <a:r>
+              <a:rPr lang="zh-CN" altLang="en-US" sz="1200" b="0" i="0" kern="1200" dirty="0" smtClean="0">
+                <a:solidFill>
+                  <a:schemeClr val="tx1"/>
+                </a:solidFill>
+                <a:effectLst/>
+                <a:latin typeface="+mn-lt"/>
+                <a:ea typeface="+mn-ea"/>
+                <a:cs typeface="+mn-cs"/>
+              </a:rPr>
+              <a:t>当数据集记录小于</a:t>
+            </a:r>
+            <a:r>
+              <a:rPr lang="en-US" altLang="zh-CN" sz="1200" b="0" i="0" kern="1200" dirty="0" smtClean="0">
+                <a:solidFill>
+                  <a:schemeClr val="tx1"/>
+                </a:solidFill>
+                <a:effectLst/>
+                <a:latin typeface="+mn-lt"/>
+                <a:ea typeface="+mn-ea"/>
+                <a:cs typeface="+mn-cs"/>
+              </a:rPr>
+              <a:t>1000</a:t>
+            </a:r>
+            <a:r>
+              <a:rPr lang="zh-CN" altLang="en-US" sz="1200" b="0" i="0" kern="1200" dirty="0" smtClean="0">
+                <a:solidFill>
+                  <a:schemeClr val="tx1"/>
+                </a:solidFill>
+                <a:effectLst/>
+                <a:latin typeface="+mn-lt"/>
+                <a:ea typeface="+mn-ea"/>
+                <a:cs typeface="+mn-cs"/>
+              </a:rPr>
+              <a:t>时</a:t>
+            </a:r>
+            <a:r>
+              <a:rPr lang="en-US" altLang="zh-CN" sz="1200" b="0" i="0" kern="1200" dirty="0" smtClean="0">
+                <a:solidFill>
+                  <a:schemeClr val="tx1"/>
+                </a:solidFill>
+                <a:effectLst/>
+                <a:latin typeface="+mn-lt"/>
+                <a:ea typeface="+mn-ea"/>
+                <a:cs typeface="+mn-cs"/>
+              </a:rPr>
+              <a:t>,method</a:t>
+            </a:r>
+            <a:r>
+              <a:rPr lang="zh-CN" altLang="en-US" sz="1200" b="0" i="0" kern="1200" dirty="0" smtClean="0">
+                <a:solidFill>
+                  <a:schemeClr val="tx1"/>
+                </a:solidFill>
+                <a:effectLst/>
+                <a:latin typeface="+mn-lt"/>
+                <a:ea typeface="+mn-ea"/>
+                <a:cs typeface="+mn-cs"/>
+              </a:rPr>
+              <a:t>的默认参数即为</a:t>
+            </a:r>
+            <a:r>
+              <a:rPr lang="en-US" altLang="zh-CN" sz="1200" b="0" i="0" kern="1200" dirty="0" smtClean="0">
+                <a:solidFill>
+                  <a:schemeClr val="tx1"/>
+                </a:solidFill>
+                <a:effectLst/>
+                <a:latin typeface="+mn-lt"/>
+                <a:ea typeface="+mn-ea"/>
+                <a:cs typeface="+mn-cs"/>
+              </a:rPr>
+              <a:t>loess,</a:t>
+            </a:r>
+            <a:r>
+              <a:rPr lang="zh-CN" altLang="en-US" sz="1200" b="0" i="0" kern="1200" dirty="0" smtClean="0">
+                <a:solidFill>
+                  <a:schemeClr val="tx1"/>
+                </a:solidFill>
+                <a:effectLst/>
+                <a:latin typeface="+mn-lt"/>
+                <a:ea typeface="+mn-ea"/>
+                <a:cs typeface="+mn-cs"/>
+              </a:rPr>
+              <a:t>大于</a:t>
+            </a:r>
+            <a:r>
+              <a:rPr lang="en-US" altLang="zh-CN" sz="1200" b="0" i="0" kern="1200" dirty="0" smtClean="0">
+                <a:solidFill>
+                  <a:schemeClr val="tx1"/>
+                </a:solidFill>
+                <a:effectLst/>
+                <a:latin typeface="+mn-lt"/>
+                <a:ea typeface="+mn-ea"/>
+                <a:cs typeface="+mn-cs"/>
+              </a:rPr>
+              <a:t>1000</a:t>
+            </a:r>
+            <a:r>
+              <a:rPr lang="zh-CN" altLang="en-US" sz="1200" b="0" i="0" kern="1200" dirty="0" smtClean="0">
+                <a:solidFill>
+                  <a:schemeClr val="tx1"/>
+                </a:solidFill>
+                <a:effectLst/>
+                <a:latin typeface="+mn-lt"/>
+                <a:ea typeface="+mn-ea"/>
+                <a:cs typeface="+mn-cs"/>
+              </a:rPr>
+              <a:t>时则为</a:t>
+            </a:r>
+            <a:r>
+              <a:rPr lang="en-US" altLang="zh-CN" sz="1200" b="0" i="0" kern="1200" dirty="0" smtClean="0">
+                <a:solidFill>
+                  <a:schemeClr val="tx1"/>
+                </a:solidFill>
+                <a:effectLst/>
+                <a:latin typeface="+mn-lt"/>
+                <a:ea typeface="+mn-ea"/>
+                <a:cs typeface="+mn-cs"/>
+              </a:rPr>
+              <a:t>gam</a:t>
+            </a:r>
+            <a:r>
+              <a:rPr lang="zh-CN" altLang="en-US" sz="1200" b="0" i="0" kern="1200" dirty="0" smtClean="0">
+                <a:solidFill>
+                  <a:schemeClr val="tx1"/>
+                </a:solidFill>
+                <a:effectLst/>
+                <a:latin typeface="+mn-lt"/>
+                <a:ea typeface="+mn-ea"/>
+                <a:cs typeface="+mn-cs"/>
+              </a:rPr>
+              <a:t>。</a:t>
+            </a:r>
+            <a:endParaRPr lang="en-US" altLang="zh-CN" sz="1200" b="0" i="0" kern="1200" dirty="0" smtClean="0">
+              <a:solidFill>
+                <a:schemeClr val="tx1"/>
+              </a:solidFill>
+              <a:effectLst/>
+              <a:latin typeface="+mn-lt"/>
+              <a:ea typeface="+mn-ea"/>
+              <a:cs typeface="+mn-cs"/>
+            </a:endParaRPr>
+          </a:p>
+          <a:p>
+            <a:r>
+              <a:rPr lang="zh-TW" altLang="en-US" sz="1200" b="0" i="0" kern="1200" dirty="0" smtClean="0">
+                <a:solidFill>
+                  <a:schemeClr val="tx1"/>
+                </a:solidFill>
+                <a:effectLst/>
+                <a:latin typeface="+mn-lt"/>
+                <a:ea typeface="+mn-ea"/>
+                <a:cs typeface="+mn-cs"/>
+              </a:rPr>
+              <a:t>用來做趨勢的擬合，</a:t>
+            </a:r>
+            <a:r>
+              <a:rPr lang="zh-CN" altLang="en-US" sz="1200" b="0" i="0" kern="1200" dirty="0" smtClean="0">
+                <a:solidFill>
+                  <a:schemeClr val="tx1"/>
+                </a:solidFill>
+                <a:effectLst/>
+                <a:latin typeface="+mn-lt"/>
+                <a:ea typeface="+mn-ea"/>
+                <a:cs typeface="+mn-cs"/>
+              </a:rPr>
+              <a:t>误差范围的颜色带是可以通过</a:t>
+            </a:r>
+            <a:r>
+              <a:rPr lang="en-US" altLang="zh-CN" sz="1200" b="0" i="0" kern="1200" dirty="0" smtClean="0">
+                <a:solidFill>
+                  <a:schemeClr val="tx1"/>
+                </a:solidFill>
+                <a:effectLst/>
+                <a:latin typeface="+mn-lt"/>
+                <a:ea typeface="+mn-ea"/>
+                <a:cs typeface="+mn-cs"/>
+              </a:rPr>
+              <a:t>se</a:t>
+            </a:r>
+            <a:r>
+              <a:rPr lang="zh-CN" altLang="en-US" sz="1200" b="0" i="0" kern="1200" dirty="0" smtClean="0">
+                <a:solidFill>
+                  <a:schemeClr val="tx1"/>
+                </a:solidFill>
+                <a:effectLst/>
+                <a:latin typeface="+mn-lt"/>
+                <a:ea typeface="+mn-ea"/>
+                <a:cs typeface="+mn-cs"/>
+              </a:rPr>
+              <a:t>参数进行控制的</a:t>
+            </a:r>
             <a:endParaRPr lang="zh-TW" altLang="en-US" dirty="0"/>
           </a:p>
         </p:txBody>
@@ -1722,7 +1723,7 @@
           <a:p>
             <a:fld id="{C9270111-2709-4607-9EA1-4C80C49F3690}" type="slidenum">
               <a:rPr lang="zh-TW" altLang="en-US" smtClean="0"/>
-              <a:t>25</a:t>
+              <a:t>24</a:t>
             </a:fld>
             <a:endParaRPr lang="zh-TW" altLang="en-US"/>
           </a:p>
@@ -1731,7 +1732,7 @@
     </p:spTree>
     <p:extLst>
       <p:ext uri="{BB962C8B-B14F-4D97-AF65-F5344CB8AC3E}">
-        <p14:creationId xmlns:p14="http://schemas.microsoft.com/office/powerpoint/2010/main" val="2021010839"/>
+        <p14:creationId xmlns:p14="http://schemas.microsoft.com/office/powerpoint/2010/main" val="1124183589"/>
       </p:ext>
     </p:extLst>
   </p:cSld>
@@ -1785,86 +1786,6 @@
           <a:bodyPr/>
           <a:lstStyle/>
           <a:p>
-            <a:r>
-              <a:rPr lang="en-US" altLang="zh-TW" dirty="0" smtClean="0"/>
-              <a:t>http://www.sthda.com/english/wiki/ggcorrplot-visualization-of-a-correlation-matrix-using-ggplot2</a:t>
-            </a:r>
-          </a:p>
-          <a:p>
-            <a:r>
-              <a:rPr lang="zh-TW" altLang="en-US" sz="1200" b="0" i="0" kern="1200" dirty="0" smtClean="0">
-                <a:solidFill>
-                  <a:schemeClr val="tx1"/>
-                </a:solidFill>
-                <a:effectLst/>
-                <a:latin typeface="+mn-lt"/>
-                <a:ea typeface="+mn-ea"/>
-                <a:cs typeface="+mn-cs"/>
-              </a:rPr>
-              <a:t>熱圖使你能夠以兩個維度為軸，顏色的強度為第三個維度來進行探索性的數據分析。然而，你需要將數據集轉化成矩陣形式。</a:t>
-            </a:r>
-            <a:endParaRPr lang="en-US" altLang="zh-TW" sz="1200" b="0" i="0" kern="1200" dirty="0" smtClean="0">
-              <a:solidFill>
-                <a:schemeClr val="tx1"/>
-              </a:solidFill>
-              <a:effectLst/>
-              <a:latin typeface="+mn-lt"/>
-              <a:ea typeface="+mn-ea"/>
-              <a:cs typeface="+mn-cs"/>
-            </a:endParaRPr>
-          </a:p>
-          <a:p>
-            <a:r>
-              <a:rPr lang="zh-CN" altLang="en-US" sz="1200" b="0" i="0" kern="1200" dirty="0" smtClean="0">
-                <a:solidFill>
-                  <a:schemeClr val="tx1"/>
-                </a:solidFill>
-                <a:effectLst/>
-                <a:latin typeface="+mn-lt"/>
-                <a:ea typeface="+mn-ea"/>
-                <a:cs typeface="+mn-cs"/>
-              </a:rPr>
-              <a:t>热力图一般以颜色来映射密度或者其他数值变量，一般来说，颜色最深的地方表示数据最集中。</a:t>
-            </a:r>
-            <a:r>
-              <a:rPr lang="zh-TW" altLang="en-US" dirty="0" smtClean="0"/>
-              <a:t/>
-            </a:r>
-            <a:br>
-              <a:rPr lang="zh-TW" altLang="en-US" dirty="0" smtClean="0"/>
-            </a:br>
-            <a:r>
-              <a:rPr lang="zh-TW" altLang="en-US" dirty="0" smtClean="0"/>
-              <a:t/>
-            </a:r>
-            <a:br>
-              <a:rPr lang="zh-TW" altLang="en-US" dirty="0" smtClean="0"/>
-            </a:br>
-            <a:r>
-              <a:rPr lang="zh-TW" altLang="en-US" sz="1200" b="0" i="0" kern="1200" dirty="0" smtClean="0">
-                <a:solidFill>
-                  <a:schemeClr val="tx1"/>
-                </a:solidFill>
-                <a:effectLst/>
-                <a:latin typeface="+mn-lt"/>
-                <a:ea typeface="+mn-ea"/>
-                <a:cs typeface="+mn-cs"/>
-              </a:rPr>
-              <a:t>原文網址：</a:t>
-            </a:r>
-            <a:r>
-              <a:rPr lang="en-US" altLang="zh-TW" sz="1200" b="0" i="0" u="none" strike="noStrike" kern="1200" dirty="0" smtClean="0">
-                <a:solidFill>
-                  <a:schemeClr val="tx1"/>
-                </a:solidFill>
-                <a:effectLst/>
-                <a:latin typeface="+mn-lt"/>
-                <a:ea typeface="+mn-ea"/>
-                <a:cs typeface="+mn-cs"/>
-                <a:hlinkClick r:id="rId3"/>
-              </a:rPr>
-              <a:t>https://read01.com/5n3oja.html</a:t>
-            </a:r>
             <a:endParaRPr lang="zh-TW" altLang="en-US" dirty="0"/>
           </a:p>
         </p:txBody>
@@ -1895,7 +1816,7 @@
     </p:spTree>
     <p:extLst>
       <p:ext uri="{BB962C8B-B14F-4D97-AF65-F5344CB8AC3E}">
-        <p14:creationId xmlns:p14="http://schemas.microsoft.com/office/powerpoint/2010/main" val="3287058190"/>
+        <p14:creationId xmlns:p14="http://schemas.microsoft.com/office/powerpoint/2010/main" val="2021010839"/>
       </p:ext>
     </p:extLst>
   </p:cSld>
@@ -2114,8 +2035,84 @@
           <a:lstStyle/>
           <a:p>
             <a:r>
+              <a:rPr lang="en-US" altLang="zh-TW" dirty="0" smtClean="0"/>
+              <a:t>http://www.sthda.com/english/wiki/ggcorrplot-visualization-of-a-correlation-matrix-using-ggplot2</a:t>
+            </a:r>
+          </a:p>
+          <a:p>
+            <a:r>
+              <a:rPr lang="zh-TW" altLang="en-US" sz="1200" b="0" i="0" kern="1200" dirty="0" smtClean="0">
+                <a:solidFill>
+                  <a:schemeClr val="tx1"/>
+                </a:solidFill>
+                <a:effectLst/>
+                <a:latin typeface="+mn-lt"/>
+                <a:ea typeface="+mn-ea"/>
+                <a:cs typeface="+mn-cs"/>
+              </a:rPr>
+              <a:t>熱圖使你能夠以兩個維度為軸，顏色的強度為第三個維度來進行探索性的數據分析。然而，你需要將數據集轉化成矩陣形式。</a:t>
+            </a:r>
+            <a:endParaRPr lang="en-US" altLang="zh-TW" sz="1200" b="0" i="0" kern="1200" dirty="0" smtClean="0">
+              <a:solidFill>
+                <a:schemeClr val="tx1"/>
+              </a:solidFill>
+              <a:effectLst/>
+              <a:latin typeface="+mn-lt"/>
+              <a:ea typeface="+mn-ea"/>
+              <a:cs typeface="+mn-cs"/>
+            </a:endParaRPr>
+          </a:p>
+          <a:p>
+            <a:r>
+              <a:rPr lang="zh-CN" altLang="en-US" sz="1200" b="0" i="0" kern="1200" dirty="0" smtClean="0">
+                <a:solidFill>
+                  <a:schemeClr val="tx1"/>
+                </a:solidFill>
+                <a:effectLst/>
+                <a:latin typeface="+mn-lt"/>
+                <a:ea typeface="+mn-ea"/>
+                <a:cs typeface="+mn-cs"/>
+              </a:rPr>
+              <a:t>热力图一般以颜色来映射密度或者其他数值变量，一般来说，颜色最深的地方表示数据最集中。</a:t>
+            </a:r>
+            <a:r>
               <a:rPr lang="zh-TW" altLang="en-US" dirty="0" smtClean="0"/>
-              <a:t>中文說明</a:t>
+              <a:t/>
+            </a:r>
+            <a:br>
+              <a:rPr lang="zh-TW" altLang="en-US" dirty="0" smtClean="0"/>
+            </a:br>
+            <a:r>
+              <a:rPr lang="zh-TW" altLang="en-US" dirty="0" smtClean="0"/>
+              <a:t/>
+            </a:r>
+            <a:br>
+              <a:rPr lang="zh-TW" altLang="en-US" dirty="0" smtClean="0"/>
+            </a:br>
+            <a:r>
+              <a:rPr lang="zh-TW" altLang="en-US" sz="1200" b="0" i="0" kern="1200" dirty="0" smtClean="0">
+                <a:solidFill>
+                  <a:schemeClr val="tx1"/>
+                </a:solidFill>
+                <a:effectLst/>
+                <a:latin typeface="+mn-lt"/>
+                <a:ea typeface="+mn-ea"/>
+                <a:cs typeface="+mn-cs"/>
+              </a:rPr>
+              <a:t>原文網址：</a:t>
+            </a:r>
+            <a:r>
+              <a:rPr lang="en-US" altLang="zh-TW" sz="1200" b="0" i="0" u="none" strike="noStrike" kern="1200" dirty="0" smtClean="0">
+                <a:solidFill>
+                  <a:schemeClr val="tx1"/>
+                </a:solidFill>
+                <a:effectLst/>
+                <a:latin typeface="+mn-lt"/>
+                <a:ea typeface="+mn-ea"/>
+                <a:cs typeface="+mn-cs"/>
+                <a:hlinkClick r:id="rId3"/>
+              </a:rPr>
+              <a:t>https://read01.com/5n3oja.html</a:t>
             </a:r>
             <a:endParaRPr lang="zh-TW" altLang="en-US" dirty="0"/>
           </a:p>
@@ -2147,7 +2144,7 @@
     </p:spTree>
     <p:extLst>
       <p:ext uri="{BB962C8B-B14F-4D97-AF65-F5344CB8AC3E}">
-        <p14:creationId xmlns:p14="http://schemas.microsoft.com/office/powerpoint/2010/main" val="91587890"/>
+        <p14:creationId xmlns:p14="http://schemas.microsoft.com/office/powerpoint/2010/main" val="3287058190"/>
       </p:ext>
     </p:extLst>
   </p:cSld>
@@ -2202,55 +2199,8 @@
           <a:lstStyle/>
           <a:p>
             <a:r>
-              <a:rPr lang="zh-TW" altLang="en-US" sz="1200" b="0" i="0" kern="1200" dirty="0" smtClean="0">
-                <a:solidFill>
-                  <a:schemeClr val="tx1"/>
-                </a:solidFill>
-                <a:effectLst/>
-                <a:latin typeface="+mn-lt"/>
-                <a:ea typeface="+mn-ea"/>
-                <a:cs typeface="+mn-cs"/>
-              </a:rPr>
-              <a:t>馬賽克拼圖可以通過數據所占據的面積大小來有效地顯示分類數據的相對比例。</a:t>
-            </a:r>
-            <a:r>
               <a:rPr lang="zh-TW" altLang="en-US" dirty="0" smtClean="0"/>
-              <a:t/>
-            </a:r>
-            <a:br>
-              <a:rPr lang="zh-TW" altLang="en-US" dirty="0" smtClean="0"/>
-            </a:br>
-            <a:r>
-              <a:rPr lang="zh-TW" altLang="en-US" dirty="0" smtClean="0"/>
-              <a:t/>
-            </a:r>
-            <a:br>
-              <a:rPr lang="zh-TW" altLang="en-US" dirty="0" smtClean="0"/>
-            </a:br>
-            <a:r>
-              <a:rPr lang="zh-TW" altLang="en-US" sz="1200" b="0" i="0" kern="1200" dirty="0" smtClean="0">
-                <a:solidFill>
-                  <a:schemeClr val="tx1"/>
-                </a:solidFill>
-                <a:effectLst/>
-                <a:latin typeface="+mn-lt"/>
-                <a:ea typeface="+mn-ea"/>
-                <a:cs typeface="+mn-cs"/>
-              </a:rPr>
-              <a:t>原文網址：</a:t>
-            </a:r>
-            <a:r>
-              <a:rPr lang="en-US" altLang="zh-TW" sz="1200" b="0" i="0" u="none" strike="noStrike" kern="1200" dirty="0" smtClean="0">
-                <a:solidFill>
-                  <a:schemeClr val="tx1"/>
-                </a:solidFill>
-                <a:effectLst/>
-                <a:latin typeface="+mn-lt"/>
-                <a:ea typeface="+mn-ea"/>
-                <a:cs typeface="+mn-cs"/>
-                <a:hlinkClick r:id="rId3"/>
-              </a:rPr>
-              <a:t>https://read01.com/5n3oja.html</a:t>
+              <a:t>中文說明</a:t>
             </a:r>
             <a:endParaRPr lang="zh-TW" altLang="en-US" dirty="0"/>
           </a:p>
@@ -2282,7 +2232,7 @@
     </p:spTree>
     <p:extLst>
       <p:ext uri="{BB962C8B-B14F-4D97-AF65-F5344CB8AC3E}">
-        <p14:creationId xmlns:p14="http://schemas.microsoft.com/office/powerpoint/2010/main" val="3910596661"/>
+        <p14:creationId xmlns:p14="http://schemas.microsoft.com/office/powerpoint/2010/main" val="91587890"/>
       </p:ext>
     </p:extLst>
   </p:cSld>
@@ -3076,7 +3026,7 @@
           <a:lstStyle/>
           <a:p>
             <a:r>
-              <a:rPr lang="en-US" altLang="zh-TW" sz="1200" b="0" i="0" kern="1200" dirty="0" smtClean="0">
+              <a:rPr lang="zh-TW" altLang="en-US" sz="1200" b="0" i="0" kern="1200" dirty="0" smtClean="0">
                 <a:solidFill>
                   <a:schemeClr val="tx1"/>
                 </a:solidFill>
@@ -3085,12 +3035,24 @@
                 <a:ea typeface="+mn-ea"/>
                 <a:cs typeface="+mn-cs"/>
               </a:rPr>
-              <a:t>A mosaic plot is a visual representation of the association between two variables.</a:t>
-            </a:r>
-          </a:p>
-          <a:p>
-            <a:r>
-              <a:rPr lang="en-US" altLang="zh-TW" sz="1200" b="0" i="0" kern="1200" dirty="0" smtClean="0">
+              <a:t>馬賽克拼圖可以通過數據所占據的面積大小來有效地顯示分類數據的相對比例。</a:t>
+            </a:r>
+            <a:r>
+              <a:rPr lang="zh-TW" altLang="en-US" dirty="0" smtClean="0"/>
+              <a:t/>
+            </a:r>
+            <a:br>
+              <a:rPr lang="zh-TW" altLang="en-US" dirty="0" smtClean="0"/>
+            </a:br>
+            <a:r>
+              <a:rPr lang="zh-TW" altLang="en-US" dirty="0" smtClean="0"/>
+              <a:t/>
+            </a:r>
+            <a:br>
+              <a:rPr lang="zh-TW" altLang="en-US" dirty="0" smtClean="0"/>
+            </a:br>
+            <a:r>
+              <a:rPr lang="zh-TW" altLang="en-US" sz="1200" b="0" i="0" kern="1200" dirty="0" smtClean="0">
                 <a:solidFill>
                   <a:schemeClr val="tx1"/>
                 </a:solidFill>
@@ -3099,36 +3061,10 @@
                 <a:ea typeface="+mn-ea"/>
                 <a:cs typeface="+mn-cs"/>
               </a:rPr>
-              <a:t> Red tiles indicate significant negative residuals, where the frequency is less than expected. Blue tiles indicate significant positive residuals, where the frequency is greater than expected. The intensity of the color represents the magnitude of the residual.</a:t>
-            </a:r>
-            <a:r>
-              <a:rPr lang="en-US" altLang="zh-TW" dirty="0" smtClean="0"/>
-              <a:t/>
-            </a:r>
-            <a:br>
-              <a:rPr lang="en-US" altLang="zh-TW" dirty="0" smtClean="0"/>
-            </a:br>
-            <a:r>
-              <a:rPr lang="en-US" altLang="zh-TW" dirty="0" smtClean="0"/>
-              <a:t>Based on Pearson’</a:t>
-            </a:r>
-            <a:r>
-              <a:rPr lang="zh-TW" altLang="en-US" dirty="0" smtClean="0"/>
-              <a:t>卡方檢定，視其是否獨立</a:t>
-            </a:r>
-            <a:r>
-              <a:rPr lang="en-US" altLang="zh-TW" dirty="0" smtClean="0"/>
-              <a:t>(null)</a:t>
-            </a:r>
-            <a:r>
-              <a:rPr lang="zh-TW" altLang="en-US" dirty="0" smtClean="0"/>
-              <a:t>或相依</a:t>
-            </a:r>
-            <a:endParaRPr lang="en-US" altLang="zh-TW" dirty="0" smtClean="0"/>
-          </a:p>
-          <a:p>
-            <a:r>
-              <a:rPr lang="en-US" altLang="zh-TW" sz="1200" b="0" i="0" kern="1200" dirty="0" smtClean="0">
+              <a:t>原文網址：</a:t>
+            </a:r>
+            <a:r>
+              <a:rPr lang="en-US" altLang="zh-TW" sz="1200" b="0" i="0" u="none" strike="noStrike" kern="1200" dirty="0" smtClean="0">
                 <a:solidFill>
                   <a:schemeClr val="tx1"/>
                 </a:solidFill>
@@ -3136,32 +3072,11 @@
                 <a:latin typeface="+mn-lt"/>
                 <a:ea typeface="+mn-ea"/>
                 <a:cs typeface="+mn-cs"/>
-              </a:rPr>
-              <a:t>https://blog.csdn.net/tobeyourlover/article/details/52704333</a:t>
-            </a:r>
-          </a:p>
-          <a:p>
-            <a:r>
-              <a:rPr lang="zh-TW" altLang="en-US" sz="1200" b="0" i="0" kern="1200" dirty="0" smtClean="0">
-                <a:solidFill>
-                  <a:schemeClr val="tx1"/>
-                </a:solidFill>
-                <a:effectLst/>
-                <a:latin typeface="+mn-lt"/>
-                <a:ea typeface="+mn-ea"/>
-                <a:cs typeface="+mn-cs"/>
-              </a:rPr>
-              <a:t>擴展的馬賽克圖添加了顏色和陰影來表示擬合模型的殘差值。</a:t>
-            </a:r>
-            <a:endParaRPr lang="en-US" altLang="zh-TW" sz="1200" b="0" i="0" kern="1200" dirty="0" smtClean="0">
-              <a:solidFill>
-                <a:schemeClr val="tx1"/>
-              </a:solidFill>
-              <a:effectLst/>
-              <a:latin typeface="+mn-lt"/>
-              <a:ea typeface="+mn-ea"/>
-              <a:cs typeface="+mn-cs"/>
-            </a:endParaRPr>
+                <a:hlinkClick r:id="rId3"/>
+              </a:rPr>
+              <a:t>https://read01.com/5n3oja.html</a:t>
+            </a:r>
+            <a:endParaRPr lang="zh-TW" altLang="en-US" dirty="0"/>
           </a:p>
         </p:txBody>
       </p:sp>
@@ -3246,78 +3161,92 @@
           <a:lstStyle/>
           <a:p>
             <a:r>
+              <a:rPr lang="en-US" altLang="zh-TW" sz="1200" b="0" i="0" kern="1200" dirty="0" smtClean="0">
+                <a:solidFill>
+                  <a:schemeClr val="tx1"/>
+                </a:solidFill>
+                <a:effectLst/>
+                <a:latin typeface="+mn-lt"/>
+                <a:ea typeface="+mn-ea"/>
+                <a:cs typeface="+mn-cs"/>
+              </a:rPr>
+              <a:t>A mosaic plot is a visual representation of the association between two variables.</a:t>
+            </a:r>
+          </a:p>
+          <a:p>
+            <a:r>
+              <a:rPr lang="en-US" altLang="zh-TW" sz="1200" b="0" i="0" kern="1200" dirty="0" smtClean="0">
+                <a:solidFill>
+                  <a:schemeClr val="tx1"/>
+                </a:solidFill>
+                <a:effectLst/>
+                <a:latin typeface="+mn-lt"/>
+                <a:ea typeface="+mn-ea"/>
+                <a:cs typeface="+mn-cs"/>
+              </a:rPr>
+              <a:t> Red tiles indicate significant negative residuals, where the frequency is less than expected. Blue tiles indicate significant positive residuals, where the frequency is greater than expected. The intensity of the color represents the magnitude of the residual.</a:t>
+            </a:r>
+            <a:r>
               <a:rPr lang="en-US" altLang="zh-TW" dirty="0" smtClean="0"/>
-              <a:t>1.</a:t>
+              <a:t/>
+            </a:r>
+            <a:br>
+              <a:rPr lang="en-US" altLang="zh-TW" dirty="0" smtClean="0"/>
+            </a:br>
+            <a:r>
+              <a:rPr lang="en-US" altLang="zh-TW" dirty="0" smtClean="0"/>
+              <a:t>Based on Pearson’</a:t>
             </a:r>
             <a:r>
               <a:rPr lang="zh-TW" altLang="en-US" dirty="0" smtClean="0"/>
-              <a:t>給定資料集下</a:t>
+              <a:t>卡方檢定，視其是否獨立</a:t>
             </a:r>
             <a:r>
               <a:rPr lang="en-US" altLang="zh-TW" dirty="0" smtClean="0"/>
-              <a:t>,</a:t>
+              <a:t>(null)</a:t>
             </a:r>
             <a:r>
               <a:rPr lang="zh-TW" altLang="en-US" dirty="0" smtClean="0"/>
-              <a:t>練習</a:t>
-            </a:r>
-            <a:r>
-              <a:rPr lang="en-US" altLang="zh-TW" dirty="0" err="1" smtClean="0"/>
-              <a:t>case_when</a:t>
-            </a:r>
-            <a:r>
-              <a:rPr lang="zh-TW" altLang="en-US" dirty="0" smtClean="0"/>
-              <a:t>、</a:t>
-            </a:r>
-            <a:r>
-              <a:rPr lang="en-US" altLang="zh-TW" dirty="0" smtClean="0"/>
-              <a:t>fill</a:t>
-            </a:r>
-            <a:r>
-              <a:rPr lang="zh-TW" altLang="en-US" dirty="0" smtClean="0"/>
-              <a:t>、改圖標題及座標軸</a:t>
+              <a:t>或相依</a:t>
             </a:r>
             <a:endParaRPr lang="en-US" altLang="zh-TW" dirty="0" smtClean="0"/>
           </a:p>
           <a:p>
-            <a:endParaRPr lang="en-US" altLang="zh-TW" dirty="0" smtClean="0"/>
-          </a:p>
-          <a:p>
-            <a:endParaRPr lang="en-US" altLang="zh-TW" dirty="0" smtClean="0"/>
-          </a:p>
-          <a:p>
-            <a:r>
-              <a:rPr lang="zh-TW" altLang="en-US" dirty="0" smtClean="0"/>
-              <a:t>回收金額</a:t>
-            </a:r>
-            <a:r>
-              <a:rPr lang="en-US" altLang="zh-TW" dirty="0" smtClean="0"/>
-              <a:t>&gt;</a:t>
-            </a:r>
-            <a:r>
-              <a:rPr lang="zh-TW" altLang="en-US" dirty="0" smtClean="0"/>
-              <a:t>委案金額</a:t>
-            </a:r>
-            <a:endParaRPr lang="en-US" altLang="zh-TW" dirty="0" smtClean="0"/>
-          </a:p>
-          <a:p>
-            <a:r>
-              <a:rPr lang="en-US" altLang="zh-TW" dirty="0" smtClean="0"/>
-              <a:t>2</a:t>
-            </a:r>
-            <a:r>
-              <a:rPr lang="zh-TW" altLang="en-US" dirty="0" smtClean="0"/>
-              <a:t>月有個帳周寫成</a:t>
-            </a:r>
-            <a:r>
-              <a:rPr lang="en-US" altLang="zh-TW" dirty="0" smtClean="0"/>
-              <a:t>1</a:t>
-            </a:r>
-            <a:r>
-              <a:rPr lang="zh-TW" altLang="en-US" dirty="0" smtClean="0"/>
-              <a:t>月的</a:t>
-            </a:r>
-            <a:endParaRPr lang="en-US" altLang="zh-TW" dirty="0" smtClean="0"/>
+            <a:r>
+              <a:rPr lang="en-US" altLang="zh-TW" sz="1200" b="0" i="0" kern="1200" dirty="0" smtClean="0">
+                <a:solidFill>
+                  <a:schemeClr val="tx1"/>
+                </a:solidFill>
+                <a:effectLst/>
+                <a:latin typeface="+mn-lt"/>
+                <a:ea typeface="+mn-ea"/>
+                <a:cs typeface="+mn-cs"/>
+              </a:rPr>
+              <a:t>https://blog.csdn.net/tobeyourlover/article/details/52704333</a:t>
+            </a:r>
+          </a:p>
+          <a:p>
+            <a:r>
+              <a:rPr lang="zh-TW" altLang="en-US" sz="1200" b="0" i="0" kern="1200" dirty="0" smtClean="0">
+                <a:solidFill>
+                  <a:schemeClr val="tx1"/>
+                </a:solidFill>
+                <a:effectLst/>
+                <a:latin typeface="+mn-lt"/>
+                <a:ea typeface="+mn-ea"/>
+                <a:cs typeface="+mn-cs"/>
+              </a:rPr>
+              <a:t>擴展的馬賽克圖添加了顏色和陰影來表示擬合模型的殘差值。</a:t>
+            </a:r>
+            <a:endParaRPr lang="en-US" altLang="zh-TW" sz="1200" b="0" i="0" kern="1200" dirty="0" smtClean="0">
+              <a:solidFill>
+                <a:schemeClr val="tx1"/>
+              </a:solidFill>
+              <a:effectLst/>
+              <a:latin typeface="+mn-lt"/>
+              <a:ea typeface="+mn-ea"/>
+              <a:cs typeface="+mn-cs"/>
+            </a:endParaRPr>
           </a:p>
         </p:txBody>
       </p:sp>
@@ -3347,7 +3276,7 @@
     </p:spTree>
     <p:extLst>
       <p:ext uri="{BB962C8B-B14F-4D97-AF65-F5344CB8AC3E}">
-        <p14:creationId xmlns:p14="http://schemas.microsoft.com/office/powerpoint/2010/main" val="1826134219"/>
+        <p14:creationId xmlns:p14="http://schemas.microsoft.com/office/powerpoint/2010/main" val="3910596661"/>
       </p:ext>
     </p:extLst>
   </p:cSld>
@@ -3401,21 +3330,7 @@
           <a:bodyPr/>
           <a:lstStyle/>
           <a:p>
-            <a:r>
-              <a:rPr lang="en-US" altLang="zh-TW" dirty="0" smtClean="0"/>
-              <a:t>https://blog.csdn.net/qq_27755195/article/details/78462972 </a:t>
-            </a:r>
-          </a:p>
-          <a:p>
-            <a:r>
-              <a:rPr lang="en-US" altLang="zh-TW" dirty="0" smtClean="0"/>
-              <a:t>Polygon</a:t>
-            </a:r>
-            <a:r>
-              <a:rPr lang="zh-TW" altLang="en-US" dirty="0" smtClean="0"/>
-              <a:t>的一個應用</a:t>
-            </a:r>
-            <a:endParaRPr lang="zh-TW" altLang="en-US" dirty="0"/>
+            <a:endParaRPr lang="en-US" altLang="zh-TW" dirty="0" smtClean="0"/>
           </a:p>
         </p:txBody>
       </p:sp>
@@ -3436,7 +3351,7 @@
           <a:p>
             <a:fld id="{C9270111-2709-4607-9EA1-4C80C49F3690}" type="slidenum">
               <a:rPr lang="zh-TW" altLang="en-US" smtClean="0"/>
-              <a:t>38</a:t>
+              <a:t>34</a:t>
             </a:fld>
             <a:endParaRPr lang="zh-TW" altLang="en-US"/>
           </a:p>
@@ -3445,7 +3360,7 @@
     </p:spTree>
     <p:extLst>
       <p:ext uri="{BB962C8B-B14F-4D97-AF65-F5344CB8AC3E}">
-        <p14:creationId xmlns:p14="http://schemas.microsoft.com/office/powerpoint/2010/main" val="2411775481"/>
+        <p14:creationId xmlns:p14="http://schemas.microsoft.com/office/powerpoint/2010/main" val="1826134219"/>
       </p:ext>
     </p:extLst>
   </p:cSld>
@@ -3501,13 +3416,17 @@
           <a:p>
             <a:r>
               <a:rPr lang="en-US" altLang="zh-TW" dirty="0" smtClean="0"/>
-              <a:t>http://r-statistics.co/Top50-Ggplot2-Visualizations-MasterList-R-Code.html</a:t>
+              <a:t>https://blog.csdn.net/qq_27755195/article/details/78462972 </a:t>
             </a:r>
           </a:p>
           <a:p>
             <a:r>
               <a:rPr lang="en-US" altLang="zh-TW" dirty="0" smtClean="0"/>
-              <a:t>https://www.jianshu.com/p/1f9db668a8c2</a:t>
+              <a:t>Polygon</a:t>
+            </a:r>
+            <a:r>
+              <a:rPr lang="zh-TW" altLang="en-US" dirty="0" smtClean="0"/>
+              <a:t>的一個應用</a:t>
             </a:r>
             <a:endParaRPr lang="zh-TW" altLang="en-US" dirty="0"/>
           </a:p>
@@ -3530,7 +3449,101 @@
           <a:p>
             <a:fld id="{C9270111-2709-4607-9EA1-4C80C49F3690}" type="slidenum">
               <a:rPr lang="zh-TW" altLang="en-US" smtClean="0"/>
-              <a:t>40</a:t>
+              <a:t>39</a:t>
+            </a:fld>
+            <a:endParaRPr lang="zh-TW" altLang="en-US"/>
+          </a:p>
+        </p:txBody>
+      </p:sp>
+    </p:spTree>
+    <p:extLst>
+      <p:ext uri="{BB962C8B-B14F-4D97-AF65-F5344CB8AC3E}">
+        <p14:creationId xmlns:p14="http://schemas.microsoft.com/office/powerpoint/2010/main" val="2411775481"/>
+      </p:ext>
+    </p:extLst>
+  </p:cSld>
+  <p:clrMapOvr>
+    <a:masterClrMapping/>
+  </p:clrMapOvr>
+</p:notes>
+</file>
+
+<file path=ppt/notesSlides/notesSlide26.xml><?xml version="1.0" encoding="utf-8"?>
+<p:notes xmlns:a="http://schemas.openxmlformats.org/drawingml/2006/main" xmlns:r="http://schemas.openxmlformats.org/officeDocument/2006/relationships" xmlns:p="http://schemas.openxmlformats.org/presentationml/2006/main">
+  <p:cSld>
+    <p:spTree>
+      <p:nvGrpSpPr>
+        <p:cNvPr id="1" name=""/>
+        <p:cNvGrpSpPr/>
+        <p:nvPr/>
+      </p:nvGrpSpPr>
+      <p:grpSpPr>
+        <a:xfrm>
+          <a:off x="0" y="0"/>
+          <a:ext cx="0" cy="0"/>
+          <a:chOff x="0" y="0"/>
+          <a:chExt cx="0" cy="0"/>
+        </a:xfrm>
+      </p:grpSpPr>
+      <p:sp>
+        <p:nvSpPr>
+          <p:cNvPr id="2" name="投影片圖像版面配置區 1"/>
+          <p:cNvSpPr>
+            <a:spLocks noGrp="1" noRot="1" noChangeAspect="1"/>
+          </p:cNvSpPr>
+          <p:nvPr>
+            <p:ph type="sldImg"/>
+          </p:nvPr>
+        </p:nvSpPr>
+        <p:spPr/>
+      </p:sp>
+      <p:sp>
+        <p:nvSpPr>
+          <p:cNvPr id="3" name="備忘稿版面配置區 2"/>
+          <p:cNvSpPr>
+            <a:spLocks noGrp="1"/>
+          </p:cNvSpPr>
+          <p:nvPr>
+            <p:ph type="body" idx="1"/>
+          </p:nvPr>
+        </p:nvSpPr>
+        <p:spPr/>
+        <p:txBody>
+          <a:bodyPr/>
+          <a:lstStyle/>
+          <a:p>
+            <a:r>
+              <a:rPr lang="en-US" altLang="zh-TW" dirty="0" smtClean="0"/>
+              <a:t>http://r-statistics.co/Top50-Ggplot2-Visualizations-MasterList-R-Code.html</a:t>
+            </a:r>
+          </a:p>
+          <a:p>
+            <a:r>
+              <a:rPr lang="en-US" altLang="zh-TW" dirty="0" smtClean="0"/>
+              <a:t>https://www.jianshu.com/p/1f9db668a8c2</a:t>
+            </a:r>
+            <a:endParaRPr lang="zh-TW" altLang="en-US" dirty="0"/>
+          </a:p>
+        </p:txBody>
+      </p:sp>
+      <p:sp>
+        <p:nvSpPr>
+          <p:cNvPr id="4" name="投影片編號版面配置區 3"/>
+          <p:cNvSpPr>
+            <a:spLocks noGrp="1"/>
+          </p:cNvSpPr>
+          <p:nvPr>
+            <p:ph type="sldNum" sz="quarter" idx="10"/>
+          </p:nvPr>
+        </p:nvSpPr>
+        <p:spPr/>
+        <p:txBody>
+          <a:bodyPr/>
+          <a:lstStyle/>
+          <a:p>
+            <a:fld id="{C9270111-2709-4607-9EA1-4C80C49F3690}" type="slidenum">
+              <a:rPr lang="zh-TW" altLang="en-US" smtClean="0"/>
+              <a:t>41</a:t>
             </a:fld>
             <a:endParaRPr lang="zh-TW" altLang="en-US"/>
           </a:p>
@@ -15106,6 +15119,3201 @@
           <a:chExt cx="0" cy="0"/>
         </a:xfrm>
       </p:grpSpPr>
+      <p:sp>
+        <p:nvSpPr>
+          <p:cNvPr id="4" name="矩形 3"/>
+          <p:cNvSpPr/>
+          <p:nvPr/>
+        </p:nvSpPr>
+        <p:spPr>
+          <a:xfrm>
+            <a:off x="6056045" y="32151"/>
+            <a:ext cx="6096000" cy="1446550"/>
+          </a:xfrm>
+          <a:prstGeom prst="rect">
+            <a:avLst/>
+          </a:prstGeom>
+        </p:spPr>
+        <p:txBody>
+          <a:bodyPr>
+            <a:spAutoFit/>
+          </a:bodyPr>
+          <a:lstStyle/>
+          <a:p>
+            <a:pPr algn="r"/>
+            <a:r>
+              <a:rPr lang="en-US" altLang="zh-TW" sz="4800" b="1" dirty="0" smtClean="0">
+                <a:solidFill>
+                  <a:srgbClr val="444444"/>
+                </a:solidFill>
+                <a:latin typeface="微軟正黑體" panose="020B0604030504040204" pitchFamily="34" charset="-120"/>
+                <a:ea typeface="微軟正黑體" panose="020B0604030504040204" pitchFamily="34" charset="-120"/>
+              </a:rPr>
+              <a:t>Correlation (</a:t>
+            </a:r>
+            <a:r>
+              <a:rPr lang="zh-TW" altLang="en-US" sz="4800" b="1" dirty="0">
+                <a:solidFill>
+                  <a:srgbClr val="444444"/>
+                </a:solidFill>
+                <a:latin typeface="微軟正黑體" panose="020B0604030504040204" pitchFamily="34" charset="-120"/>
+                <a:ea typeface="微軟正黑體" panose="020B0604030504040204" pitchFamily="34" charset="-120"/>
+              </a:rPr>
+              <a:t>關聯</a:t>
+            </a:r>
+            <a:r>
+              <a:rPr lang="en-US" altLang="zh-TW" sz="4800" b="1" dirty="0" smtClean="0">
+                <a:solidFill>
+                  <a:srgbClr val="444444"/>
+                </a:solidFill>
+                <a:latin typeface="微軟正黑體" panose="020B0604030504040204" pitchFamily="34" charset="-120"/>
+                <a:ea typeface="微軟正黑體" panose="020B0604030504040204" pitchFamily="34" charset="-120"/>
+              </a:rPr>
+              <a:t>)</a:t>
+            </a:r>
+          </a:p>
+          <a:p>
+            <a:pPr algn="r"/>
+            <a:r>
+              <a:rPr lang="zh-TW" altLang="en-US" sz="4000" b="1" dirty="0" smtClean="0">
+                <a:solidFill>
+                  <a:srgbClr val="FF0000"/>
+                </a:solidFill>
+                <a:latin typeface="微軟正黑體" panose="020B0604030504040204" pitchFamily="34" charset="-120"/>
+                <a:ea typeface="微軟正黑體" panose="020B0604030504040204" pitchFamily="34" charset="-120"/>
+              </a:rPr>
+              <a:t>相關程度</a:t>
+            </a:r>
+            <a:endParaRPr lang="en-US" altLang="zh-TW" sz="4000" b="1" dirty="0">
+              <a:solidFill>
+                <a:srgbClr val="FF0000"/>
+              </a:solidFill>
+              <a:latin typeface="微軟正黑體" panose="020B0604030504040204" pitchFamily="34" charset="-120"/>
+              <a:ea typeface="微軟正黑體" panose="020B0604030504040204" pitchFamily="34" charset="-120"/>
+            </a:endParaRPr>
+          </a:p>
+        </p:txBody>
+      </p:sp>
+      <p:graphicFrame>
+        <p:nvGraphicFramePr>
+          <p:cNvPr id="12" name="內容版面配置區 7"/>
+          <p:cNvGraphicFramePr>
+            <a:graphicFrameLocks noGrp="1"/>
+          </p:cNvGraphicFramePr>
+          <p:nvPr>
+            <p:extLst>
+              <p:ext uri="{D42A27DB-BD31-4B8C-83A1-F6EECF244321}">
+                <p14:modId xmlns:p14="http://schemas.microsoft.com/office/powerpoint/2010/main" val="1160705073"/>
+              </p:ext>
+            </p:extLst>
+          </p:nvPr>
+        </p:nvGraphicFramePr>
+        <p:xfrm>
+          <a:off x="428265" y="165982"/>
+          <a:ext cx="3384000" cy="3346847"/>
+        </p:xfrm>
+        <a:graphic>
+          <a:graphicData uri="http://schemas.openxmlformats.org/drawingml/2006/table">
+            <a:tbl>
+              <a:tblPr/>
+              <a:tblGrid>
+                <a:gridCol w="1692000"/>
+                <a:gridCol w="1692000"/>
+              </a:tblGrid>
+              <a:tr h="375047">
+                <a:tc>
+                  <a:txBody>
+                    <a:bodyPr/>
+                    <a:lstStyle/>
+                    <a:p>
+                      <a:pPr marL="342900" marR="0" lvl="0" indent="-342900" algn="ctr" defTabSz="914400" rtl="0" eaLnBrk="1" fontAlgn="base" latinLnBrk="0" hangingPunct="1">
+                        <a:lnSpc>
+                          <a:spcPct val="100000"/>
+                        </a:lnSpc>
+                        <a:spcBef>
+                          <a:spcPct val="0"/>
+                        </a:spcBef>
+                        <a:spcAft>
+                          <a:spcPct val="0"/>
+                        </a:spcAft>
+                        <a:buClrTx/>
+                        <a:buSzTx/>
+                        <a:buFontTx/>
+                        <a:buNone/>
+                        <a:tabLst/>
+                      </a:pPr>
+                      <a:r>
+                        <a:rPr kumimoji="1" lang="zh-TW" altLang="en-US" sz="1500" b="0" i="0" u="none" strike="noStrike" cap="none" normalizeH="0" baseline="0" dirty="0" smtClean="0">
+                          <a:ln>
+                            <a:noFill/>
+                          </a:ln>
+                          <a:solidFill>
+                            <a:srgbClr val="000000"/>
+                          </a:solidFill>
+                          <a:effectLst/>
+                          <a:latin typeface="Times New Roman" pitchFamily="18" charset="0"/>
+                          <a:ea typeface="標楷體" pitchFamily="65" charset="-120"/>
+                          <a:cs typeface="Times New Roman" pitchFamily="18" charset="0"/>
+                        </a:rPr>
+                        <a:t>廣告費用 </a:t>
+                      </a:r>
+                      <a:r>
+                        <a:rPr kumimoji="1" lang="en-US" altLang="zh-TW" sz="1500" b="0" i="1" u="none" strike="noStrike" cap="none" normalizeH="0" baseline="0" dirty="0" smtClean="0">
+                          <a:ln>
+                            <a:noFill/>
+                          </a:ln>
+                          <a:solidFill>
+                            <a:srgbClr val="000000"/>
+                          </a:solidFill>
+                          <a:effectLst/>
+                          <a:latin typeface="Times New Roman" pitchFamily="18" charset="0"/>
+                          <a:ea typeface="標楷體" pitchFamily="65" charset="-120"/>
+                          <a:cs typeface="Times New Roman" pitchFamily="18" charset="0"/>
+                        </a:rPr>
+                        <a:t>x</a:t>
+                      </a:r>
+                      <a:r>
+                        <a:rPr kumimoji="1" lang="en-US" altLang="zh-TW" sz="1500" b="0" i="0" u="none" strike="noStrike" cap="none" normalizeH="0" baseline="0" dirty="0" smtClean="0">
+                          <a:ln>
+                            <a:noFill/>
+                          </a:ln>
+                          <a:solidFill>
+                            <a:srgbClr val="000000"/>
+                          </a:solidFill>
+                          <a:effectLst/>
+                          <a:latin typeface="Times New Roman" pitchFamily="18" charset="0"/>
+                          <a:ea typeface="標楷體" pitchFamily="65" charset="-120"/>
+                          <a:cs typeface="Times New Roman" pitchFamily="18" charset="0"/>
+                        </a:rPr>
+                        <a:t> (</a:t>
+                      </a:r>
+                      <a:r>
+                        <a:rPr kumimoji="1" lang="zh-TW" altLang="en-US" sz="1500" b="0" i="0" u="none" strike="noStrike" cap="none" normalizeH="0" baseline="0" dirty="0" smtClean="0">
+                          <a:ln>
+                            <a:noFill/>
+                          </a:ln>
+                          <a:solidFill>
+                            <a:srgbClr val="000000"/>
+                          </a:solidFill>
+                          <a:effectLst/>
+                          <a:latin typeface="Times New Roman" pitchFamily="18" charset="0"/>
+                          <a:ea typeface="標楷體" pitchFamily="65" charset="-120"/>
+                          <a:cs typeface="Times New Roman" pitchFamily="18" charset="0"/>
+                        </a:rPr>
+                        <a:t>萬元</a:t>
+                      </a:r>
+                      <a:r>
+                        <a:rPr kumimoji="1" lang="en-US" altLang="zh-TW" sz="1500" b="0" i="0" u="none" strike="noStrike" cap="none" normalizeH="0" baseline="0" dirty="0" smtClean="0">
+                          <a:ln>
+                            <a:noFill/>
+                          </a:ln>
+                          <a:solidFill>
+                            <a:srgbClr val="000000"/>
+                          </a:solidFill>
+                          <a:effectLst/>
+                          <a:latin typeface="Times New Roman" pitchFamily="18" charset="0"/>
+                          <a:ea typeface="標楷體" pitchFamily="65" charset="-120"/>
+                          <a:cs typeface="Times New Roman" pitchFamily="18" charset="0"/>
+                        </a:rPr>
+                        <a:t>)</a:t>
+                      </a:r>
+                      <a:endParaRPr kumimoji="1" lang="en-US" altLang="zh-TW" sz="1500" b="0" i="0" u="none" strike="noStrike" cap="none" normalizeH="0" baseline="0" dirty="0" smtClean="0">
+                        <a:ln>
+                          <a:noFill/>
+                        </a:ln>
+                        <a:solidFill>
+                          <a:schemeClr val="tx1"/>
+                        </a:solidFill>
+                        <a:effectLst/>
+                        <a:latin typeface="Times New Roman" pitchFamily="18" charset="0"/>
+                        <a:ea typeface="標楷體" pitchFamily="65" charset="-120"/>
+                        <a:cs typeface="Times New Roman" pitchFamily="18" charset="0"/>
+                      </a:endParaRPr>
+                    </a:p>
+                  </a:txBody>
+                  <a:tcPr marT="34290" marB="34290" anchor="ctr" horzOverflow="overflow">
+                    <a:lnL w="12700" cap="flat" cmpd="sng" algn="ctr">
+                      <a:solidFill>
+                        <a:schemeClr val="bg1"/>
+                      </a:solidFill>
+                      <a:prstDash val="solid"/>
+                      <a:round/>
+                      <a:headEnd type="none" w="med" len="med"/>
+                      <a:tailEnd type="none" w="med" len="med"/>
+                    </a:lnL>
+                    <a:lnR w="12700" cap="flat" cmpd="sng" algn="ctr">
+                      <a:solidFill>
+                        <a:schemeClr val="bg1"/>
+                      </a:solidFill>
+                      <a:prstDash val="solid"/>
+                      <a:round/>
+                      <a:headEnd type="none" w="med" len="med"/>
+                      <a:tailEnd type="none" w="med" len="med"/>
+                    </a:lnR>
+                    <a:lnT w="12700" cap="flat" cmpd="sng" algn="ctr">
+                      <a:solidFill>
+                        <a:schemeClr val="bg1"/>
+                      </a:solidFill>
+                      <a:prstDash val="solid"/>
+                      <a:round/>
+                      <a:headEnd type="none" w="med" len="med"/>
+                      <a:tailEnd type="none" w="med" len="med"/>
+                    </a:lnT>
+                    <a:lnB w="38100" cap="flat" cmpd="sng" algn="ctr">
+                      <a:solidFill>
+                        <a:schemeClr val="bg1"/>
+                      </a:solidFill>
+                      <a:prstDash val="solid"/>
+                      <a:round/>
+                      <a:headEnd type="none" w="med" len="med"/>
+                      <a:tailEnd type="none" w="med" len="med"/>
+                    </a:lnB>
+                    <a:lnTlToBr>
+                      <a:noFill/>
+                    </a:lnTlToBr>
+                    <a:lnBlToTr>
+                      <a:noFill/>
+                    </a:lnBlToTr>
+                    <a:solidFill>
+                      <a:schemeClr val="accent1"/>
+                    </a:solidFill>
+                  </a:tcPr>
+                </a:tc>
+                <a:tc>
+                  <a:txBody>
+                    <a:bodyPr/>
+                    <a:lstStyle/>
+                    <a:p>
+                      <a:pPr marL="342900" marR="0" lvl="0" indent="-342900" algn="ctr" defTabSz="914400" rtl="0" eaLnBrk="1" fontAlgn="base" latinLnBrk="0" hangingPunct="1">
+                        <a:lnSpc>
+                          <a:spcPct val="100000"/>
+                        </a:lnSpc>
+                        <a:spcBef>
+                          <a:spcPct val="0"/>
+                        </a:spcBef>
+                        <a:spcAft>
+                          <a:spcPct val="0"/>
+                        </a:spcAft>
+                        <a:buClrTx/>
+                        <a:buSzTx/>
+                        <a:buFontTx/>
+                        <a:buNone/>
+                        <a:tabLst/>
+                      </a:pPr>
+                      <a:r>
+                        <a:rPr kumimoji="1" lang="zh-TW" altLang="en-US" sz="1500" b="0" i="0" u="none" strike="noStrike" cap="none" normalizeH="0" baseline="0" dirty="0" smtClean="0">
+                          <a:ln>
+                            <a:noFill/>
+                          </a:ln>
+                          <a:solidFill>
+                            <a:srgbClr val="000000"/>
+                          </a:solidFill>
+                          <a:effectLst/>
+                          <a:latin typeface="Times New Roman" pitchFamily="18" charset="0"/>
+                          <a:ea typeface="標楷體" pitchFamily="65" charset="-120"/>
+                          <a:cs typeface="Times New Roman" pitchFamily="18" charset="0"/>
+                        </a:rPr>
+                        <a:t>銷售量 </a:t>
+                      </a:r>
+                      <a:r>
+                        <a:rPr kumimoji="0" lang="en-US" altLang="zh-TW" sz="1500" b="0" i="1" u="none" strike="noStrike" cap="none" normalizeH="0" baseline="0" dirty="0" smtClean="0">
+                          <a:ln>
+                            <a:noFill/>
+                          </a:ln>
+                          <a:solidFill>
+                            <a:schemeClr val="tx1"/>
+                          </a:solidFill>
+                          <a:effectLst/>
+                          <a:latin typeface="Times New Roman" pitchFamily="18" charset="0"/>
+                          <a:ea typeface="標楷體" pitchFamily="65" charset="-120"/>
+                          <a:cs typeface="Times New Roman" pitchFamily="18" charset="0"/>
+                        </a:rPr>
+                        <a:t>y</a:t>
+                      </a:r>
+                      <a:r>
+                        <a:rPr kumimoji="1" lang="en-US" altLang="zh-TW" sz="1500" b="0" i="0" u="none" strike="noStrike" cap="none" normalizeH="0" baseline="0" dirty="0" smtClean="0">
+                          <a:ln>
+                            <a:noFill/>
+                          </a:ln>
+                          <a:solidFill>
+                            <a:srgbClr val="000000"/>
+                          </a:solidFill>
+                          <a:effectLst/>
+                          <a:latin typeface="Times New Roman" pitchFamily="18" charset="0"/>
+                          <a:ea typeface="標楷體" pitchFamily="65" charset="-120"/>
+                          <a:cs typeface="Times New Roman" pitchFamily="18" charset="0"/>
+                        </a:rPr>
+                        <a:t> (</a:t>
+                      </a:r>
+                      <a:r>
+                        <a:rPr kumimoji="1" lang="zh-TW" altLang="en-US" sz="1500" b="0" i="0" u="none" strike="noStrike" cap="none" normalizeH="0" baseline="0" dirty="0" smtClean="0">
+                          <a:ln>
+                            <a:noFill/>
+                          </a:ln>
+                          <a:solidFill>
+                            <a:srgbClr val="000000"/>
+                          </a:solidFill>
+                          <a:effectLst/>
+                          <a:latin typeface="Times New Roman" pitchFamily="18" charset="0"/>
+                          <a:ea typeface="標楷體" pitchFamily="65" charset="-120"/>
+                          <a:cs typeface="Times New Roman" pitchFamily="18" charset="0"/>
+                        </a:rPr>
+                        <a:t>輛</a:t>
+                      </a:r>
+                      <a:r>
+                        <a:rPr kumimoji="1" lang="en-US" altLang="zh-TW" sz="1500" b="0" i="0" u="none" strike="noStrike" cap="none" normalizeH="0" baseline="0" dirty="0" smtClean="0">
+                          <a:ln>
+                            <a:noFill/>
+                          </a:ln>
+                          <a:solidFill>
+                            <a:srgbClr val="000000"/>
+                          </a:solidFill>
+                          <a:effectLst/>
+                          <a:latin typeface="Times New Roman" pitchFamily="18" charset="0"/>
+                          <a:ea typeface="標楷體" pitchFamily="65" charset="-120"/>
+                          <a:cs typeface="Times New Roman" pitchFamily="18" charset="0"/>
+                        </a:rPr>
+                        <a:t>)</a:t>
+                      </a:r>
+                      <a:endParaRPr kumimoji="1" lang="en-US" altLang="zh-TW" sz="1500" b="0" i="0" u="none" strike="noStrike" cap="none" normalizeH="0" baseline="0" dirty="0" smtClean="0">
+                        <a:ln>
+                          <a:noFill/>
+                        </a:ln>
+                        <a:solidFill>
+                          <a:schemeClr val="tx1"/>
+                        </a:solidFill>
+                        <a:effectLst/>
+                        <a:latin typeface="Times New Roman" pitchFamily="18" charset="0"/>
+                        <a:ea typeface="標楷體" pitchFamily="65" charset="-120"/>
+                        <a:cs typeface="Times New Roman" pitchFamily="18" charset="0"/>
+                      </a:endParaRPr>
+                    </a:p>
+                  </a:txBody>
+                  <a:tcPr marT="34290" marB="34290" anchor="ctr" horzOverflow="overflow">
+                    <a:lnL w="12700" cap="flat" cmpd="sng" algn="ctr">
+                      <a:solidFill>
+                        <a:schemeClr val="bg1"/>
+                      </a:solidFill>
+                      <a:prstDash val="solid"/>
+                      <a:round/>
+                      <a:headEnd type="none" w="med" len="med"/>
+                      <a:tailEnd type="none" w="med" len="med"/>
+                    </a:lnL>
+                    <a:lnR w="12700" cap="flat" cmpd="sng" algn="ctr">
+                      <a:solidFill>
+                        <a:schemeClr val="bg1"/>
+                      </a:solidFill>
+                      <a:prstDash val="solid"/>
+                      <a:round/>
+                      <a:headEnd type="none" w="med" len="med"/>
+                      <a:tailEnd type="none" w="med" len="med"/>
+                    </a:lnR>
+                    <a:lnT w="12700" cap="flat" cmpd="sng" algn="ctr">
+                      <a:solidFill>
+                        <a:schemeClr val="bg1"/>
+                      </a:solidFill>
+                      <a:prstDash val="solid"/>
+                      <a:round/>
+                      <a:headEnd type="none" w="med" len="med"/>
+                      <a:tailEnd type="none" w="med" len="med"/>
+                    </a:lnT>
+                    <a:lnB w="38100" cap="flat" cmpd="sng" algn="ctr">
+                      <a:solidFill>
+                        <a:schemeClr val="bg1"/>
+                      </a:solidFill>
+                      <a:prstDash val="solid"/>
+                      <a:round/>
+                      <a:headEnd type="none" w="med" len="med"/>
+                      <a:tailEnd type="none" w="med" len="med"/>
+                    </a:lnB>
+                    <a:lnTlToBr>
+                      <a:noFill/>
+                    </a:lnTlToBr>
+                    <a:lnBlToTr>
+                      <a:noFill/>
+                    </a:lnBlToTr>
+                    <a:solidFill>
+                      <a:schemeClr val="accent1"/>
+                    </a:solidFill>
+                  </a:tcPr>
+                </a:tc>
+              </a:tr>
+              <a:tr h="297180">
+                <a:tc>
+                  <a:txBody>
+                    <a:bodyPr/>
+                    <a:lstStyle/>
+                    <a:p>
+                      <a:pPr marL="342900" marR="0" lvl="0" indent="-342900" algn="ctr" defTabSz="914400" rtl="0" eaLnBrk="1" fontAlgn="base" latinLnBrk="0" hangingPunct="1">
+                        <a:lnSpc>
+                          <a:spcPct val="100000"/>
+                        </a:lnSpc>
+                        <a:spcBef>
+                          <a:spcPct val="0"/>
+                        </a:spcBef>
+                        <a:spcAft>
+                          <a:spcPct val="0"/>
+                        </a:spcAft>
+                        <a:buClrTx/>
+                        <a:buSzTx/>
+                        <a:buFontTx/>
+                        <a:buNone/>
+                        <a:tabLst/>
+                      </a:pPr>
+                      <a:r>
+                        <a:rPr kumimoji="1" lang="en-US" altLang="zh-TW" sz="1500" b="0" i="0" u="none" strike="noStrike" cap="none" normalizeH="0" baseline="0" dirty="0" smtClean="0">
+                          <a:ln>
+                            <a:noFill/>
+                          </a:ln>
+                          <a:solidFill>
+                            <a:srgbClr val="000000"/>
+                          </a:solidFill>
+                          <a:effectLst/>
+                          <a:latin typeface="Times New Roman" pitchFamily="18" charset="0"/>
+                          <a:ea typeface="標楷體" pitchFamily="65" charset="-120"/>
+                          <a:cs typeface="Times New Roman" pitchFamily="18" charset="0"/>
+                        </a:rPr>
+                        <a:t>400</a:t>
+                      </a:r>
+                      <a:endParaRPr kumimoji="1" lang="en-US" altLang="zh-TW" sz="1500" b="0" i="0" u="none" strike="noStrike" cap="none" normalizeH="0" baseline="0" dirty="0" smtClean="0">
+                        <a:ln>
+                          <a:noFill/>
+                        </a:ln>
+                        <a:solidFill>
+                          <a:schemeClr val="tx1"/>
+                        </a:solidFill>
+                        <a:effectLst/>
+                        <a:latin typeface="Times New Roman" pitchFamily="18" charset="0"/>
+                        <a:ea typeface="標楷體" pitchFamily="65" charset="-120"/>
+                        <a:cs typeface="Times New Roman" pitchFamily="18" charset="0"/>
+                      </a:endParaRPr>
+                    </a:p>
+                  </a:txBody>
+                  <a:tcPr marT="34290" marB="34290" anchor="ctr" horzOverflow="overflow">
+                    <a:lnL w="12700" cap="flat" cmpd="sng" algn="ctr">
+                      <a:solidFill>
+                        <a:schemeClr val="bg1"/>
+                      </a:solidFill>
+                      <a:prstDash val="solid"/>
+                      <a:round/>
+                      <a:headEnd type="none" w="med" len="med"/>
+                      <a:tailEnd type="none" w="med" len="med"/>
+                    </a:lnL>
+                    <a:lnR w="12700" cap="flat" cmpd="sng" algn="ctr">
+                      <a:solidFill>
+                        <a:schemeClr val="bg1"/>
+                      </a:solidFill>
+                      <a:prstDash val="solid"/>
+                      <a:round/>
+                      <a:headEnd type="none" w="med" len="med"/>
+                      <a:tailEnd type="none" w="med" len="med"/>
+                    </a:lnR>
+                    <a:lnT w="38100" cap="flat" cmpd="sng" algn="ctr">
+                      <a:solidFill>
+                        <a:schemeClr val="bg1"/>
+                      </a:solidFill>
+                      <a:prstDash val="solid"/>
+                      <a:round/>
+                      <a:headEnd type="none" w="med" len="med"/>
+                      <a:tailEnd type="none" w="med" len="med"/>
+                    </a:lnT>
+                    <a:lnB w="12700" cap="flat" cmpd="sng" algn="ctr">
+                      <a:solidFill>
+                        <a:schemeClr val="bg1"/>
+                      </a:solidFill>
+                      <a:prstDash val="solid"/>
+                      <a:round/>
+                      <a:headEnd type="none" w="med" len="med"/>
+                      <a:tailEnd type="none" w="med" len="med"/>
+                    </a:lnB>
+                    <a:lnTlToBr>
+                      <a:noFill/>
+                    </a:lnTlToBr>
+                    <a:lnBlToTr>
+                      <a:noFill/>
+                    </a:lnBlToTr>
+                    <a:solidFill>
+                      <a:srgbClr val="CDECEC"/>
+                    </a:solidFill>
+                  </a:tcPr>
+                </a:tc>
+                <a:tc>
+                  <a:txBody>
+                    <a:bodyPr/>
+                    <a:lstStyle/>
+                    <a:p>
+                      <a:pPr marL="342900" marR="0" lvl="0" indent="-342900" algn="ctr" defTabSz="914400" rtl="0" eaLnBrk="1" fontAlgn="base" latinLnBrk="0" hangingPunct="1">
+                        <a:lnSpc>
+                          <a:spcPct val="100000"/>
+                        </a:lnSpc>
+                        <a:spcBef>
+                          <a:spcPct val="0"/>
+                        </a:spcBef>
+                        <a:spcAft>
+                          <a:spcPct val="0"/>
+                        </a:spcAft>
+                        <a:buClrTx/>
+                        <a:buSzTx/>
+                        <a:buFontTx/>
+                        <a:buNone/>
+                        <a:tabLst/>
+                      </a:pPr>
+                      <a:r>
+                        <a:rPr kumimoji="1" lang="en-US" altLang="zh-TW" sz="1500" b="0" i="0" u="none" strike="noStrike" cap="none" normalizeH="0" baseline="0" dirty="0" smtClean="0">
+                          <a:ln>
+                            <a:noFill/>
+                          </a:ln>
+                          <a:solidFill>
+                            <a:srgbClr val="000000"/>
+                          </a:solidFill>
+                          <a:effectLst/>
+                          <a:latin typeface="Times New Roman" pitchFamily="18" charset="0"/>
+                          <a:ea typeface="標楷體" pitchFamily="65" charset="-120"/>
+                          <a:cs typeface="Times New Roman" pitchFamily="18" charset="0"/>
+                        </a:rPr>
+                        <a:t>800</a:t>
+                      </a:r>
+                      <a:endParaRPr kumimoji="1" lang="en-US" altLang="zh-TW" sz="1500" b="0" i="0" u="none" strike="noStrike" cap="none" normalizeH="0" baseline="0" dirty="0" smtClean="0">
+                        <a:ln>
+                          <a:noFill/>
+                        </a:ln>
+                        <a:solidFill>
+                          <a:schemeClr val="tx1"/>
+                        </a:solidFill>
+                        <a:effectLst/>
+                        <a:latin typeface="Times New Roman" pitchFamily="18" charset="0"/>
+                        <a:ea typeface="標楷體" pitchFamily="65" charset="-120"/>
+                        <a:cs typeface="Times New Roman" pitchFamily="18" charset="0"/>
+                      </a:endParaRPr>
+                    </a:p>
+                  </a:txBody>
+                  <a:tcPr marT="34290" marB="34290" anchor="ctr" horzOverflow="overflow">
+                    <a:lnL w="12700" cap="flat" cmpd="sng" algn="ctr">
+                      <a:solidFill>
+                        <a:schemeClr val="bg1"/>
+                      </a:solidFill>
+                      <a:prstDash val="solid"/>
+                      <a:round/>
+                      <a:headEnd type="none" w="med" len="med"/>
+                      <a:tailEnd type="none" w="med" len="med"/>
+                    </a:lnL>
+                    <a:lnR w="12700" cap="flat" cmpd="sng" algn="ctr">
+                      <a:solidFill>
+                        <a:schemeClr val="bg1"/>
+                      </a:solidFill>
+                      <a:prstDash val="solid"/>
+                      <a:round/>
+                      <a:headEnd type="none" w="med" len="med"/>
+                      <a:tailEnd type="none" w="med" len="med"/>
+                    </a:lnR>
+                    <a:lnT w="38100" cap="flat" cmpd="sng" algn="ctr">
+                      <a:solidFill>
+                        <a:schemeClr val="bg1"/>
+                      </a:solidFill>
+                      <a:prstDash val="solid"/>
+                      <a:round/>
+                      <a:headEnd type="none" w="med" len="med"/>
+                      <a:tailEnd type="none" w="med" len="med"/>
+                    </a:lnT>
+                    <a:lnB w="12700" cap="flat" cmpd="sng" algn="ctr">
+                      <a:solidFill>
+                        <a:schemeClr val="bg1"/>
+                      </a:solidFill>
+                      <a:prstDash val="solid"/>
+                      <a:round/>
+                      <a:headEnd type="none" w="med" len="med"/>
+                      <a:tailEnd type="none" w="med" len="med"/>
+                    </a:lnB>
+                    <a:lnTlToBr>
+                      <a:noFill/>
+                    </a:lnTlToBr>
+                    <a:lnBlToTr>
+                      <a:noFill/>
+                    </a:lnBlToTr>
+                    <a:solidFill>
+                      <a:srgbClr val="CDECEC"/>
+                    </a:solidFill>
+                  </a:tcPr>
+                </a:tc>
+              </a:tr>
+              <a:tr h="297180">
+                <a:tc>
+                  <a:txBody>
+                    <a:bodyPr/>
+                    <a:lstStyle/>
+                    <a:p>
+                      <a:pPr marL="342900" marR="0" lvl="0" indent="-342900" algn="ctr" defTabSz="914400" rtl="0" eaLnBrk="1" fontAlgn="base" latinLnBrk="0" hangingPunct="1">
+                        <a:lnSpc>
+                          <a:spcPct val="100000"/>
+                        </a:lnSpc>
+                        <a:spcBef>
+                          <a:spcPct val="0"/>
+                        </a:spcBef>
+                        <a:spcAft>
+                          <a:spcPct val="0"/>
+                        </a:spcAft>
+                        <a:buClrTx/>
+                        <a:buSzTx/>
+                        <a:buFontTx/>
+                        <a:buNone/>
+                        <a:tabLst/>
+                      </a:pPr>
+                      <a:r>
+                        <a:rPr kumimoji="1" lang="en-US" altLang="zh-TW" sz="1500" b="0" i="0" u="none" strike="noStrike" cap="none" normalizeH="0" baseline="0" dirty="0" smtClean="0">
+                          <a:ln>
+                            <a:noFill/>
+                          </a:ln>
+                          <a:solidFill>
+                            <a:srgbClr val="000000"/>
+                          </a:solidFill>
+                          <a:effectLst/>
+                          <a:latin typeface="Times New Roman" pitchFamily="18" charset="0"/>
+                          <a:ea typeface="標楷體" pitchFamily="65" charset="-120"/>
+                          <a:cs typeface="Times New Roman" pitchFamily="18" charset="0"/>
+                        </a:rPr>
+                        <a:t>500</a:t>
+                      </a:r>
+                      <a:endParaRPr kumimoji="1" lang="en-US" altLang="zh-TW" sz="1500" b="0" i="0" u="none" strike="noStrike" cap="none" normalizeH="0" baseline="0" dirty="0" smtClean="0">
+                        <a:ln>
+                          <a:noFill/>
+                        </a:ln>
+                        <a:solidFill>
+                          <a:schemeClr val="tx1"/>
+                        </a:solidFill>
+                        <a:effectLst/>
+                        <a:latin typeface="Times New Roman" pitchFamily="18" charset="0"/>
+                        <a:ea typeface="標楷體" pitchFamily="65" charset="-120"/>
+                        <a:cs typeface="Times New Roman" pitchFamily="18" charset="0"/>
+                      </a:endParaRPr>
+                    </a:p>
+                  </a:txBody>
+                  <a:tcPr marT="34290" marB="34290" anchor="ctr" horzOverflow="overflow">
+                    <a:lnL w="12700" cap="flat" cmpd="sng" algn="ctr">
+                      <a:solidFill>
+                        <a:schemeClr val="bg1"/>
+                      </a:solidFill>
+                      <a:prstDash val="solid"/>
+                      <a:round/>
+                      <a:headEnd type="none" w="med" len="med"/>
+                      <a:tailEnd type="none" w="med" len="med"/>
+                    </a:lnL>
+                    <a:lnR w="12700" cap="flat" cmpd="sng" algn="ctr">
+                      <a:solidFill>
+                        <a:schemeClr val="bg1"/>
+                      </a:solidFill>
+                      <a:prstDash val="solid"/>
+                      <a:round/>
+                      <a:headEnd type="none" w="med" len="med"/>
+                      <a:tailEnd type="none" w="med" len="med"/>
+                    </a:lnR>
+                    <a:lnT w="12700" cap="flat" cmpd="sng" algn="ctr">
+                      <a:solidFill>
+                        <a:schemeClr val="bg1"/>
+                      </a:solidFill>
+                      <a:prstDash val="solid"/>
+                      <a:round/>
+                      <a:headEnd type="none" w="med" len="med"/>
+                      <a:tailEnd type="none" w="med" len="med"/>
+                    </a:lnT>
+                    <a:lnB w="12700" cap="flat" cmpd="sng" algn="ctr">
+                      <a:solidFill>
+                        <a:schemeClr val="bg1"/>
+                      </a:solidFill>
+                      <a:prstDash val="solid"/>
+                      <a:round/>
+                      <a:headEnd type="none" w="med" len="med"/>
+                      <a:tailEnd type="none" w="med" len="med"/>
+                    </a:lnB>
+                    <a:lnTlToBr>
+                      <a:noFill/>
+                    </a:lnTlToBr>
+                    <a:lnBlToTr>
+                      <a:noFill/>
+                    </a:lnBlToTr>
+                    <a:solidFill>
+                      <a:srgbClr val="E8F6F6"/>
+                    </a:solidFill>
+                  </a:tcPr>
+                </a:tc>
+                <a:tc>
+                  <a:txBody>
+                    <a:bodyPr/>
+                    <a:lstStyle/>
+                    <a:p>
+                      <a:pPr marL="342900" marR="0" lvl="0" indent="-342900" algn="ctr" defTabSz="914400" rtl="0" eaLnBrk="1" fontAlgn="base" latinLnBrk="0" hangingPunct="1">
+                        <a:lnSpc>
+                          <a:spcPct val="100000"/>
+                        </a:lnSpc>
+                        <a:spcBef>
+                          <a:spcPct val="0"/>
+                        </a:spcBef>
+                        <a:spcAft>
+                          <a:spcPct val="0"/>
+                        </a:spcAft>
+                        <a:buClrTx/>
+                        <a:buSzTx/>
+                        <a:buFontTx/>
+                        <a:buNone/>
+                        <a:tabLst/>
+                      </a:pPr>
+                      <a:r>
+                        <a:rPr kumimoji="1" lang="en-US" altLang="zh-TW" sz="1500" b="0" i="0" u="none" strike="noStrike" cap="none" normalizeH="0" baseline="0" dirty="0" smtClean="0">
+                          <a:ln>
+                            <a:noFill/>
+                          </a:ln>
+                          <a:solidFill>
+                            <a:srgbClr val="000000"/>
+                          </a:solidFill>
+                          <a:effectLst/>
+                          <a:latin typeface="Times New Roman" pitchFamily="18" charset="0"/>
+                          <a:ea typeface="標楷體" pitchFamily="65" charset="-120"/>
+                          <a:cs typeface="Times New Roman" pitchFamily="18" charset="0"/>
+                        </a:rPr>
+                        <a:t>1000</a:t>
+                      </a:r>
+                      <a:endParaRPr kumimoji="1" lang="en-US" altLang="zh-TW" sz="1500" b="0" i="0" u="none" strike="noStrike" cap="none" normalizeH="0" baseline="0" dirty="0" smtClean="0">
+                        <a:ln>
+                          <a:noFill/>
+                        </a:ln>
+                        <a:solidFill>
+                          <a:schemeClr val="tx1"/>
+                        </a:solidFill>
+                        <a:effectLst/>
+                        <a:latin typeface="Times New Roman" pitchFamily="18" charset="0"/>
+                        <a:ea typeface="標楷體" pitchFamily="65" charset="-120"/>
+                        <a:cs typeface="Times New Roman" pitchFamily="18" charset="0"/>
+                      </a:endParaRPr>
+                    </a:p>
+                  </a:txBody>
+                  <a:tcPr marT="34290" marB="34290" anchor="ctr" horzOverflow="overflow">
+                    <a:lnL w="12700" cap="flat" cmpd="sng" algn="ctr">
+                      <a:solidFill>
+                        <a:schemeClr val="bg1"/>
+                      </a:solidFill>
+                      <a:prstDash val="solid"/>
+                      <a:round/>
+                      <a:headEnd type="none" w="med" len="med"/>
+                      <a:tailEnd type="none" w="med" len="med"/>
+                    </a:lnL>
+                    <a:lnR w="12700" cap="flat" cmpd="sng" algn="ctr">
+                      <a:solidFill>
+                        <a:schemeClr val="bg1"/>
+                      </a:solidFill>
+                      <a:prstDash val="solid"/>
+                      <a:round/>
+                      <a:headEnd type="none" w="med" len="med"/>
+                      <a:tailEnd type="none" w="med" len="med"/>
+                    </a:lnR>
+                    <a:lnT w="12700" cap="flat" cmpd="sng" algn="ctr">
+                      <a:solidFill>
+                        <a:schemeClr val="bg1"/>
+                      </a:solidFill>
+                      <a:prstDash val="solid"/>
+                      <a:round/>
+                      <a:headEnd type="none" w="med" len="med"/>
+                      <a:tailEnd type="none" w="med" len="med"/>
+                    </a:lnT>
+                    <a:lnB w="12700" cap="flat" cmpd="sng" algn="ctr">
+                      <a:solidFill>
+                        <a:schemeClr val="bg1"/>
+                      </a:solidFill>
+                      <a:prstDash val="solid"/>
+                      <a:round/>
+                      <a:headEnd type="none" w="med" len="med"/>
+                      <a:tailEnd type="none" w="med" len="med"/>
+                    </a:lnB>
+                    <a:lnTlToBr>
+                      <a:noFill/>
+                    </a:lnTlToBr>
+                    <a:lnBlToTr>
+                      <a:noFill/>
+                    </a:lnBlToTr>
+                    <a:solidFill>
+                      <a:srgbClr val="E8F6F6"/>
+                    </a:solidFill>
+                  </a:tcPr>
+                </a:tc>
+              </a:tr>
+              <a:tr h="297180">
+                <a:tc>
+                  <a:txBody>
+                    <a:bodyPr/>
+                    <a:lstStyle/>
+                    <a:p>
+                      <a:pPr marL="342900" marR="0" lvl="0" indent="-342900" algn="ctr" defTabSz="914400" rtl="0" eaLnBrk="1" fontAlgn="base" latinLnBrk="0" hangingPunct="1">
+                        <a:lnSpc>
+                          <a:spcPct val="100000"/>
+                        </a:lnSpc>
+                        <a:spcBef>
+                          <a:spcPct val="0"/>
+                        </a:spcBef>
+                        <a:spcAft>
+                          <a:spcPct val="0"/>
+                        </a:spcAft>
+                        <a:buClrTx/>
+                        <a:buSzTx/>
+                        <a:buFontTx/>
+                        <a:buNone/>
+                        <a:tabLst/>
+                      </a:pPr>
+                      <a:r>
+                        <a:rPr kumimoji="1" lang="en-US" altLang="zh-TW" sz="1500" b="0" i="0" u="none" strike="noStrike" cap="none" normalizeH="0" baseline="0" dirty="0" smtClean="0">
+                          <a:ln>
+                            <a:noFill/>
+                          </a:ln>
+                          <a:solidFill>
+                            <a:srgbClr val="000000"/>
+                          </a:solidFill>
+                          <a:effectLst/>
+                          <a:latin typeface="Times New Roman" pitchFamily="18" charset="0"/>
+                          <a:ea typeface="標楷體" pitchFamily="65" charset="-120"/>
+                          <a:cs typeface="Times New Roman" pitchFamily="18" charset="0"/>
+                        </a:rPr>
+                        <a:t>600</a:t>
+                      </a:r>
+                      <a:endParaRPr kumimoji="1" lang="en-US" altLang="zh-TW" sz="1500" b="0" i="0" u="none" strike="noStrike" cap="none" normalizeH="0" baseline="0" dirty="0" smtClean="0">
+                        <a:ln>
+                          <a:noFill/>
+                        </a:ln>
+                        <a:solidFill>
+                          <a:schemeClr val="tx1"/>
+                        </a:solidFill>
+                        <a:effectLst/>
+                        <a:latin typeface="Times New Roman" pitchFamily="18" charset="0"/>
+                        <a:ea typeface="標楷體" pitchFamily="65" charset="-120"/>
+                        <a:cs typeface="Times New Roman" pitchFamily="18" charset="0"/>
+                      </a:endParaRPr>
+                    </a:p>
+                  </a:txBody>
+                  <a:tcPr marT="34290" marB="34290" anchor="ctr" horzOverflow="overflow">
+                    <a:lnL w="12700" cap="flat" cmpd="sng" algn="ctr">
+                      <a:solidFill>
+                        <a:schemeClr val="bg1"/>
+                      </a:solidFill>
+                      <a:prstDash val="solid"/>
+                      <a:round/>
+                      <a:headEnd type="none" w="med" len="med"/>
+                      <a:tailEnd type="none" w="med" len="med"/>
+                    </a:lnL>
+                    <a:lnR w="12700" cap="flat" cmpd="sng" algn="ctr">
+                      <a:solidFill>
+                        <a:schemeClr val="bg1"/>
+                      </a:solidFill>
+                      <a:prstDash val="solid"/>
+                      <a:round/>
+                      <a:headEnd type="none" w="med" len="med"/>
+                      <a:tailEnd type="none" w="med" len="med"/>
+                    </a:lnR>
+                    <a:lnT w="12700" cap="flat" cmpd="sng" algn="ctr">
+                      <a:solidFill>
+                        <a:schemeClr val="bg1"/>
+                      </a:solidFill>
+                      <a:prstDash val="solid"/>
+                      <a:round/>
+                      <a:headEnd type="none" w="med" len="med"/>
+                      <a:tailEnd type="none" w="med" len="med"/>
+                    </a:lnT>
+                    <a:lnB w="12700" cap="flat" cmpd="sng" algn="ctr">
+                      <a:solidFill>
+                        <a:schemeClr val="bg1"/>
+                      </a:solidFill>
+                      <a:prstDash val="solid"/>
+                      <a:round/>
+                      <a:headEnd type="none" w="med" len="med"/>
+                      <a:tailEnd type="none" w="med" len="med"/>
+                    </a:lnB>
+                    <a:lnTlToBr>
+                      <a:noFill/>
+                    </a:lnTlToBr>
+                    <a:lnBlToTr>
+                      <a:noFill/>
+                    </a:lnBlToTr>
+                    <a:solidFill>
+                      <a:srgbClr val="CDECEC"/>
+                    </a:solidFill>
+                  </a:tcPr>
+                </a:tc>
+                <a:tc>
+                  <a:txBody>
+                    <a:bodyPr/>
+                    <a:lstStyle/>
+                    <a:p>
+                      <a:pPr marL="342900" marR="0" lvl="0" indent="-342900" algn="ctr" defTabSz="914400" rtl="0" eaLnBrk="1" fontAlgn="base" latinLnBrk="0" hangingPunct="1">
+                        <a:lnSpc>
+                          <a:spcPct val="100000"/>
+                        </a:lnSpc>
+                        <a:spcBef>
+                          <a:spcPct val="0"/>
+                        </a:spcBef>
+                        <a:spcAft>
+                          <a:spcPct val="0"/>
+                        </a:spcAft>
+                        <a:buClrTx/>
+                        <a:buSzTx/>
+                        <a:buFontTx/>
+                        <a:buNone/>
+                        <a:tabLst/>
+                      </a:pPr>
+                      <a:r>
+                        <a:rPr kumimoji="1" lang="en-US" altLang="zh-TW" sz="1500" b="0" i="0" u="none" strike="noStrike" cap="none" normalizeH="0" baseline="0" dirty="0" smtClean="0">
+                          <a:ln>
+                            <a:noFill/>
+                          </a:ln>
+                          <a:solidFill>
+                            <a:srgbClr val="000000"/>
+                          </a:solidFill>
+                          <a:effectLst/>
+                          <a:latin typeface="Times New Roman" pitchFamily="18" charset="0"/>
+                          <a:ea typeface="標楷體" pitchFamily="65" charset="-120"/>
+                          <a:cs typeface="Times New Roman" pitchFamily="18" charset="0"/>
+                        </a:rPr>
+                        <a:t>1150</a:t>
+                      </a:r>
+                      <a:endParaRPr kumimoji="1" lang="en-US" altLang="zh-TW" sz="1500" b="0" i="0" u="none" strike="noStrike" cap="none" normalizeH="0" baseline="0" dirty="0" smtClean="0">
+                        <a:ln>
+                          <a:noFill/>
+                        </a:ln>
+                        <a:solidFill>
+                          <a:schemeClr val="tx1"/>
+                        </a:solidFill>
+                        <a:effectLst/>
+                        <a:latin typeface="Times New Roman" pitchFamily="18" charset="0"/>
+                        <a:ea typeface="標楷體" pitchFamily="65" charset="-120"/>
+                        <a:cs typeface="Times New Roman" pitchFamily="18" charset="0"/>
+                      </a:endParaRPr>
+                    </a:p>
+                  </a:txBody>
+                  <a:tcPr marT="34290" marB="34290" anchor="ctr" horzOverflow="overflow">
+                    <a:lnL w="12700" cap="flat" cmpd="sng" algn="ctr">
+                      <a:solidFill>
+                        <a:schemeClr val="bg1"/>
+                      </a:solidFill>
+                      <a:prstDash val="solid"/>
+                      <a:round/>
+                      <a:headEnd type="none" w="med" len="med"/>
+                      <a:tailEnd type="none" w="med" len="med"/>
+                    </a:lnL>
+                    <a:lnR w="12700" cap="flat" cmpd="sng" algn="ctr">
+                      <a:solidFill>
+                        <a:schemeClr val="bg1"/>
+                      </a:solidFill>
+                      <a:prstDash val="solid"/>
+                      <a:round/>
+                      <a:headEnd type="none" w="med" len="med"/>
+                      <a:tailEnd type="none" w="med" len="med"/>
+                    </a:lnR>
+                    <a:lnT w="12700" cap="flat" cmpd="sng" algn="ctr">
+                      <a:solidFill>
+                        <a:schemeClr val="bg1"/>
+                      </a:solidFill>
+                      <a:prstDash val="solid"/>
+                      <a:round/>
+                      <a:headEnd type="none" w="med" len="med"/>
+                      <a:tailEnd type="none" w="med" len="med"/>
+                    </a:lnT>
+                    <a:lnB w="12700" cap="flat" cmpd="sng" algn="ctr">
+                      <a:solidFill>
+                        <a:schemeClr val="bg1"/>
+                      </a:solidFill>
+                      <a:prstDash val="solid"/>
+                      <a:round/>
+                      <a:headEnd type="none" w="med" len="med"/>
+                      <a:tailEnd type="none" w="med" len="med"/>
+                    </a:lnB>
+                    <a:lnTlToBr>
+                      <a:noFill/>
+                    </a:lnTlToBr>
+                    <a:lnBlToTr>
+                      <a:noFill/>
+                    </a:lnBlToTr>
+                    <a:solidFill>
+                      <a:srgbClr val="CDECEC"/>
+                    </a:solidFill>
+                  </a:tcPr>
+                </a:tc>
+              </a:tr>
+              <a:tr h="297180">
+                <a:tc>
+                  <a:txBody>
+                    <a:bodyPr/>
+                    <a:lstStyle/>
+                    <a:p>
+                      <a:pPr marL="342900" marR="0" lvl="0" indent="-342900" algn="ctr" defTabSz="914400" rtl="0" eaLnBrk="1" fontAlgn="base" latinLnBrk="0" hangingPunct="1">
+                        <a:lnSpc>
+                          <a:spcPct val="100000"/>
+                        </a:lnSpc>
+                        <a:spcBef>
+                          <a:spcPct val="0"/>
+                        </a:spcBef>
+                        <a:spcAft>
+                          <a:spcPct val="0"/>
+                        </a:spcAft>
+                        <a:buClrTx/>
+                        <a:buSzTx/>
+                        <a:buFontTx/>
+                        <a:buNone/>
+                        <a:tabLst/>
+                      </a:pPr>
+                      <a:r>
+                        <a:rPr kumimoji="1" lang="en-US" altLang="zh-TW" sz="1500" b="0" i="0" u="none" strike="noStrike" cap="none" normalizeH="0" baseline="0" dirty="0" smtClean="0">
+                          <a:ln>
+                            <a:noFill/>
+                          </a:ln>
+                          <a:solidFill>
+                            <a:srgbClr val="000000"/>
+                          </a:solidFill>
+                          <a:effectLst/>
+                          <a:latin typeface="Times New Roman" pitchFamily="18" charset="0"/>
+                          <a:ea typeface="標楷體" pitchFamily="65" charset="-120"/>
+                          <a:cs typeface="Times New Roman" pitchFamily="18" charset="0"/>
+                        </a:rPr>
+                        <a:t>720</a:t>
+                      </a:r>
+                      <a:endParaRPr kumimoji="1" lang="en-US" altLang="zh-TW" sz="1500" b="0" i="0" u="none" strike="noStrike" cap="none" normalizeH="0" baseline="0" dirty="0" smtClean="0">
+                        <a:ln>
+                          <a:noFill/>
+                        </a:ln>
+                        <a:solidFill>
+                          <a:schemeClr val="tx1"/>
+                        </a:solidFill>
+                        <a:effectLst/>
+                        <a:latin typeface="Times New Roman" pitchFamily="18" charset="0"/>
+                        <a:ea typeface="標楷體" pitchFamily="65" charset="-120"/>
+                        <a:cs typeface="Times New Roman" pitchFamily="18" charset="0"/>
+                      </a:endParaRPr>
+                    </a:p>
+                  </a:txBody>
+                  <a:tcPr marT="34290" marB="34290" anchor="ctr" horzOverflow="overflow">
+                    <a:lnL w="12700" cap="flat" cmpd="sng" algn="ctr">
+                      <a:solidFill>
+                        <a:schemeClr val="bg1"/>
+                      </a:solidFill>
+                      <a:prstDash val="solid"/>
+                      <a:round/>
+                      <a:headEnd type="none" w="med" len="med"/>
+                      <a:tailEnd type="none" w="med" len="med"/>
+                    </a:lnL>
+                    <a:lnR w="12700" cap="flat" cmpd="sng" algn="ctr">
+                      <a:solidFill>
+                        <a:schemeClr val="bg1"/>
+                      </a:solidFill>
+                      <a:prstDash val="solid"/>
+                      <a:round/>
+                      <a:headEnd type="none" w="med" len="med"/>
+                      <a:tailEnd type="none" w="med" len="med"/>
+                    </a:lnR>
+                    <a:lnT w="12700" cap="flat" cmpd="sng" algn="ctr">
+                      <a:solidFill>
+                        <a:schemeClr val="bg1"/>
+                      </a:solidFill>
+                      <a:prstDash val="solid"/>
+                      <a:round/>
+                      <a:headEnd type="none" w="med" len="med"/>
+                      <a:tailEnd type="none" w="med" len="med"/>
+                    </a:lnT>
+                    <a:lnB w="12700" cap="flat" cmpd="sng" algn="ctr">
+                      <a:solidFill>
+                        <a:schemeClr val="bg1"/>
+                      </a:solidFill>
+                      <a:prstDash val="solid"/>
+                      <a:round/>
+                      <a:headEnd type="none" w="med" len="med"/>
+                      <a:tailEnd type="none" w="med" len="med"/>
+                    </a:lnB>
+                    <a:lnTlToBr>
+                      <a:noFill/>
+                    </a:lnTlToBr>
+                    <a:lnBlToTr>
+                      <a:noFill/>
+                    </a:lnBlToTr>
+                    <a:solidFill>
+                      <a:srgbClr val="E8F6F6"/>
+                    </a:solidFill>
+                  </a:tcPr>
+                </a:tc>
+                <a:tc>
+                  <a:txBody>
+                    <a:bodyPr/>
+                    <a:lstStyle/>
+                    <a:p>
+                      <a:pPr marL="342900" marR="0" lvl="0" indent="-342900" algn="ctr" defTabSz="914400" rtl="0" eaLnBrk="1" fontAlgn="base" latinLnBrk="0" hangingPunct="1">
+                        <a:lnSpc>
+                          <a:spcPct val="100000"/>
+                        </a:lnSpc>
+                        <a:spcBef>
+                          <a:spcPct val="0"/>
+                        </a:spcBef>
+                        <a:spcAft>
+                          <a:spcPct val="0"/>
+                        </a:spcAft>
+                        <a:buClrTx/>
+                        <a:buSzTx/>
+                        <a:buFontTx/>
+                        <a:buNone/>
+                        <a:tabLst/>
+                      </a:pPr>
+                      <a:r>
+                        <a:rPr kumimoji="1" lang="en-US" altLang="zh-TW" sz="1500" b="0" i="0" u="none" strike="noStrike" cap="none" normalizeH="0" baseline="0" dirty="0" smtClean="0">
+                          <a:ln>
+                            <a:noFill/>
+                          </a:ln>
+                          <a:solidFill>
+                            <a:srgbClr val="000000"/>
+                          </a:solidFill>
+                          <a:effectLst/>
+                          <a:latin typeface="Times New Roman" pitchFamily="18" charset="0"/>
+                          <a:ea typeface="標楷體" pitchFamily="65" charset="-120"/>
+                          <a:cs typeface="Times New Roman" pitchFamily="18" charset="0"/>
+                        </a:rPr>
+                        <a:t>1280</a:t>
+                      </a:r>
+                      <a:endParaRPr kumimoji="1" lang="en-US" altLang="zh-TW" sz="1500" b="0" i="0" u="none" strike="noStrike" cap="none" normalizeH="0" baseline="0" dirty="0" smtClean="0">
+                        <a:ln>
+                          <a:noFill/>
+                        </a:ln>
+                        <a:solidFill>
+                          <a:schemeClr val="tx1"/>
+                        </a:solidFill>
+                        <a:effectLst/>
+                        <a:latin typeface="Times New Roman" pitchFamily="18" charset="0"/>
+                        <a:ea typeface="標楷體" pitchFamily="65" charset="-120"/>
+                        <a:cs typeface="Times New Roman" pitchFamily="18" charset="0"/>
+                      </a:endParaRPr>
+                    </a:p>
+                  </a:txBody>
+                  <a:tcPr marT="34290" marB="34290" anchor="ctr" horzOverflow="overflow">
+                    <a:lnL w="12700" cap="flat" cmpd="sng" algn="ctr">
+                      <a:solidFill>
+                        <a:schemeClr val="bg1"/>
+                      </a:solidFill>
+                      <a:prstDash val="solid"/>
+                      <a:round/>
+                      <a:headEnd type="none" w="med" len="med"/>
+                      <a:tailEnd type="none" w="med" len="med"/>
+                    </a:lnL>
+                    <a:lnR w="12700" cap="flat" cmpd="sng" algn="ctr">
+                      <a:solidFill>
+                        <a:schemeClr val="bg1"/>
+                      </a:solidFill>
+                      <a:prstDash val="solid"/>
+                      <a:round/>
+                      <a:headEnd type="none" w="med" len="med"/>
+                      <a:tailEnd type="none" w="med" len="med"/>
+                    </a:lnR>
+                    <a:lnT w="12700" cap="flat" cmpd="sng" algn="ctr">
+                      <a:solidFill>
+                        <a:schemeClr val="bg1"/>
+                      </a:solidFill>
+                      <a:prstDash val="solid"/>
+                      <a:round/>
+                      <a:headEnd type="none" w="med" len="med"/>
+                      <a:tailEnd type="none" w="med" len="med"/>
+                    </a:lnT>
+                    <a:lnB w="12700" cap="flat" cmpd="sng" algn="ctr">
+                      <a:solidFill>
+                        <a:schemeClr val="bg1"/>
+                      </a:solidFill>
+                      <a:prstDash val="solid"/>
+                      <a:round/>
+                      <a:headEnd type="none" w="med" len="med"/>
+                      <a:tailEnd type="none" w="med" len="med"/>
+                    </a:lnB>
+                    <a:lnTlToBr>
+                      <a:noFill/>
+                    </a:lnTlToBr>
+                    <a:lnBlToTr>
+                      <a:noFill/>
+                    </a:lnBlToTr>
+                    <a:solidFill>
+                      <a:srgbClr val="E8F6F6"/>
+                    </a:solidFill>
+                  </a:tcPr>
+                </a:tc>
+              </a:tr>
+              <a:tr h="297180">
+                <a:tc>
+                  <a:txBody>
+                    <a:bodyPr/>
+                    <a:lstStyle/>
+                    <a:p>
+                      <a:pPr marL="342900" marR="0" lvl="0" indent="-342900" algn="ctr" defTabSz="914400" rtl="0" eaLnBrk="1" fontAlgn="base" latinLnBrk="0" hangingPunct="1">
+                        <a:lnSpc>
+                          <a:spcPct val="100000"/>
+                        </a:lnSpc>
+                        <a:spcBef>
+                          <a:spcPct val="0"/>
+                        </a:spcBef>
+                        <a:spcAft>
+                          <a:spcPct val="0"/>
+                        </a:spcAft>
+                        <a:buClrTx/>
+                        <a:buSzTx/>
+                        <a:buFontTx/>
+                        <a:buNone/>
+                        <a:tabLst/>
+                      </a:pPr>
+                      <a:r>
+                        <a:rPr kumimoji="1" lang="en-US" altLang="zh-TW" sz="1500" b="0" i="0" u="none" strike="noStrike" cap="none" normalizeH="0" baseline="0" dirty="0" smtClean="0">
+                          <a:ln>
+                            <a:noFill/>
+                          </a:ln>
+                          <a:solidFill>
+                            <a:srgbClr val="000000"/>
+                          </a:solidFill>
+                          <a:effectLst/>
+                          <a:latin typeface="Times New Roman" pitchFamily="18" charset="0"/>
+                          <a:ea typeface="標楷體" pitchFamily="65" charset="-120"/>
+                          <a:cs typeface="Times New Roman" pitchFamily="18" charset="0"/>
+                        </a:rPr>
+                        <a:t>830</a:t>
+                      </a:r>
+                      <a:endParaRPr kumimoji="1" lang="en-US" altLang="zh-TW" sz="1500" b="0" i="0" u="none" strike="noStrike" cap="none" normalizeH="0" baseline="0" dirty="0" smtClean="0">
+                        <a:ln>
+                          <a:noFill/>
+                        </a:ln>
+                        <a:solidFill>
+                          <a:schemeClr val="tx1"/>
+                        </a:solidFill>
+                        <a:effectLst/>
+                        <a:latin typeface="Times New Roman" pitchFamily="18" charset="0"/>
+                        <a:ea typeface="標楷體" pitchFamily="65" charset="-120"/>
+                        <a:cs typeface="Times New Roman" pitchFamily="18" charset="0"/>
+                      </a:endParaRPr>
+                    </a:p>
+                  </a:txBody>
+                  <a:tcPr marT="34290" marB="34290" anchor="ctr" horzOverflow="overflow">
+                    <a:lnL w="12700" cap="flat" cmpd="sng" algn="ctr">
+                      <a:solidFill>
+                        <a:schemeClr val="bg1"/>
+                      </a:solidFill>
+                      <a:prstDash val="solid"/>
+                      <a:round/>
+                      <a:headEnd type="none" w="med" len="med"/>
+                      <a:tailEnd type="none" w="med" len="med"/>
+                    </a:lnL>
+                    <a:lnR w="12700" cap="flat" cmpd="sng" algn="ctr">
+                      <a:solidFill>
+                        <a:schemeClr val="bg1"/>
+                      </a:solidFill>
+                      <a:prstDash val="solid"/>
+                      <a:round/>
+                      <a:headEnd type="none" w="med" len="med"/>
+                      <a:tailEnd type="none" w="med" len="med"/>
+                    </a:lnR>
+                    <a:lnT w="12700" cap="flat" cmpd="sng" algn="ctr">
+                      <a:solidFill>
+                        <a:schemeClr val="bg1"/>
+                      </a:solidFill>
+                      <a:prstDash val="solid"/>
+                      <a:round/>
+                      <a:headEnd type="none" w="med" len="med"/>
+                      <a:tailEnd type="none" w="med" len="med"/>
+                    </a:lnT>
+                    <a:lnB w="12700" cap="flat" cmpd="sng" algn="ctr">
+                      <a:solidFill>
+                        <a:schemeClr val="bg1"/>
+                      </a:solidFill>
+                      <a:prstDash val="solid"/>
+                      <a:round/>
+                      <a:headEnd type="none" w="med" len="med"/>
+                      <a:tailEnd type="none" w="med" len="med"/>
+                    </a:lnB>
+                    <a:lnTlToBr>
+                      <a:noFill/>
+                    </a:lnTlToBr>
+                    <a:lnBlToTr>
+                      <a:noFill/>
+                    </a:lnBlToTr>
+                    <a:solidFill>
+                      <a:srgbClr val="CDECEC"/>
+                    </a:solidFill>
+                  </a:tcPr>
+                </a:tc>
+                <a:tc>
+                  <a:txBody>
+                    <a:bodyPr/>
+                    <a:lstStyle/>
+                    <a:p>
+                      <a:pPr marL="342900" marR="0" lvl="0" indent="-342900" algn="ctr" defTabSz="914400" rtl="0" eaLnBrk="1" fontAlgn="base" latinLnBrk="0" hangingPunct="1">
+                        <a:lnSpc>
+                          <a:spcPct val="100000"/>
+                        </a:lnSpc>
+                        <a:spcBef>
+                          <a:spcPct val="0"/>
+                        </a:spcBef>
+                        <a:spcAft>
+                          <a:spcPct val="0"/>
+                        </a:spcAft>
+                        <a:buClrTx/>
+                        <a:buSzTx/>
+                        <a:buFontTx/>
+                        <a:buNone/>
+                        <a:tabLst/>
+                      </a:pPr>
+                      <a:r>
+                        <a:rPr kumimoji="1" lang="en-US" altLang="zh-TW" sz="1500" b="0" i="0" u="none" strike="noStrike" cap="none" normalizeH="0" baseline="0" dirty="0" smtClean="0">
+                          <a:ln>
+                            <a:noFill/>
+                          </a:ln>
+                          <a:solidFill>
+                            <a:srgbClr val="000000"/>
+                          </a:solidFill>
+                          <a:effectLst/>
+                          <a:latin typeface="Times New Roman" pitchFamily="18" charset="0"/>
+                          <a:ea typeface="標楷體" pitchFamily="65" charset="-120"/>
+                          <a:cs typeface="Times New Roman" pitchFamily="18" charset="0"/>
+                        </a:rPr>
+                        <a:t>1340</a:t>
+                      </a:r>
+                      <a:endParaRPr kumimoji="1" lang="en-US" altLang="zh-TW" sz="1500" b="0" i="0" u="none" strike="noStrike" cap="none" normalizeH="0" baseline="0" dirty="0" smtClean="0">
+                        <a:ln>
+                          <a:noFill/>
+                        </a:ln>
+                        <a:solidFill>
+                          <a:schemeClr val="tx1"/>
+                        </a:solidFill>
+                        <a:effectLst/>
+                        <a:latin typeface="Times New Roman" pitchFamily="18" charset="0"/>
+                        <a:ea typeface="標楷體" pitchFamily="65" charset="-120"/>
+                        <a:cs typeface="Times New Roman" pitchFamily="18" charset="0"/>
+                      </a:endParaRPr>
+                    </a:p>
+                  </a:txBody>
+                  <a:tcPr marT="34290" marB="34290" anchor="ctr" horzOverflow="overflow">
+                    <a:lnL w="12700" cap="flat" cmpd="sng" algn="ctr">
+                      <a:solidFill>
+                        <a:schemeClr val="bg1"/>
+                      </a:solidFill>
+                      <a:prstDash val="solid"/>
+                      <a:round/>
+                      <a:headEnd type="none" w="med" len="med"/>
+                      <a:tailEnd type="none" w="med" len="med"/>
+                    </a:lnL>
+                    <a:lnR w="12700" cap="flat" cmpd="sng" algn="ctr">
+                      <a:solidFill>
+                        <a:schemeClr val="bg1"/>
+                      </a:solidFill>
+                      <a:prstDash val="solid"/>
+                      <a:round/>
+                      <a:headEnd type="none" w="med" len="med"/>
+                      <a:tailEnd type="none" w="med" len="med"/>
+                    </a:lnR>
+                    <a:lnT w="12700" cap="flat" cmpd="sng" algn="ctr">
+                      <a:solidFill>
+                        <a:schemeClr val="bg1"/>
+                      </a:solidFill>
+                      <a:prstDash val="solid"/>
+                      <a:round/>
+                      <a:headEnd type="none" w="med" len="med"/>
+                      <a:tailEnd type="none" w="med" len="med"/>
+                    </a:lnT>
+                    <a:lnB w="12700" cap="flat" cmpd="sng" algn="ctr">
+                      <a:solidFill>
+                        <a:schemeClr val="bg1"/>
+                      </a:solidFill>
+                      <a:prstDash val="solid"/>
+                      <a:round/>
+                      <a:headEnd type="none" w="med" len="med"/>
+                      <a:tailEnd type="none" w="med" len="med"/>
+                    </a:lnB>
+                    <a:lnTlToBr>
+                      <a:noFill/>
+                    </a:lnTlToBr>
+                    <a:lnBlToTr>
+                      <a:noFill/>
+                    </a:lnBlToTr>
+                    <a:solidFill>
+                      <a:srgbClr val="CDECEC"/>
+                    </a:solidFill>
+                  </a:tcPr>
+                </a:tc>
+              </a:tr>
+              <a:tr h="297180">
+                <a:tc>
+                  <a:txBody>
+                    <a:bodyPr/>
+                    <a:lstStyle/>
+                    <a:p>
+                      <a:pPr marL="342900" marR="0" lvl="0" indent="-342900" algn="ctr" defTabSz="914400" rtl="0" eaLnBrk="1" fontAlgn="base" latinLnBrk="0" hangingPunct="1">
+                        <a:lnSpc>
+                          <a:spcPct val="100000"/>
+                        </a:lnSpc>
+                        <a:spcBef>
+                          <a:spcPct val="0"/>
+                        </a:spcBef>
+                        <a:spcAft>
+                          <a:spcPct val="0"/>
+                        </a:spcAft>
+                        <a:buClrTx/>
+                        <a:buSzTx/>
+                        <a:buFontTx/>
+                        <a:buNone/>
+                        <a:tabLst/>
+                      </a:pPr>
+                      <a:r>
+                        <a:rPr kumimoji="1" lang="en-US" altLang="zh-TW" sz="1500" b="0" i="0" u="none" strike="noStrike" cap="none" normalizeH="0" baseline="0" dirty="0" smtClean="0">
+                          <a:ln>
+                            <a:noFill/>
+                          </a:ln>
+                          <a:solidFill>
+                            <a:srgbClr val="000000"/>
+                          </a:solidFill>
+                          <a:effectLst/>
+                          <a:latin typeface="Times New Roman" pitchFamily="18" charset="0"/>
+                          <a:ea typeface="標楷體" pitchFamily="65" charset="-120"/>
+                          <a:cs typeface="Times New Roman" pitchFamily="18" charset="0"/>
+                        </a:rPr>
+                        <a:t>950</a:t>
+                      </a:r>
+                      <a:endParaRPr kumimoji="1" lang="en-US" altLang="zh-TW" sz="1500" b="0" i="0" u="none" strike="noStrike" cap="none" normalizeH="0" baseline="0" dirty="0" smtClean="0">
+                        <a:ln>
+                          <a:noFill/>
+                        </a:ln>
+                        <a:solidFill>
+                          <a:schemeClr val="tx1"/>
+                        </a:solidFill>
+                        <a:effectLst/>
+                        <a:latin typeface="Times New Roman" pitchFamily="18" charset="0"/>
+                        <a:ea typeface="標楷體" pitchFamily="65" charset="-120"/>
+                        <a:cs typeface="Times New Roman" pitchFamily="18" charset="0"/>
+                      </a:endParaRPr>
+                    </a:p>
+                  </a:txBody>
+                  <a:tcPr marT="34290" marB="34290" anchor="ctr" horzOverflow="overflow">
+                    <a:lnL w="12700" cap="flat" cmpd="sng" algn="ctr">
+                      <a:solidFill>
+                        <a:schemeClr val="bg1"/>
+                      </a:solidFill>
+                      <a:prstDash val="solid"/>
+                      <a:round/>
+                      <a:headEnd type="none" w="med" len="med"/>
+                      <a:tailEnd type="none" w="med" len="med"/>
+                    </a:lnL>
+                    <a:lnR w="12700" cap="flat" cmpd="sng" algn="ctr">
+                      <a:solidFill>
+                        <a:schemeClr val="bg1"/>
+                      </a:solidFill>
+                      <a:prstDash val="solid"/>
+                      <a:round/>
+                      <a:headEnd type="none" w="med" len="med"/>
+                      <a:tailEnd type="none" w="med" len="med"/>
+                    </a:lnR>
+                    <a:lnT w="12700" cap="flat" cmpd="sng" algn="ctr">
+                      <a:solidFill>
+                        <a:schemeClr val="bg1"/>
+                      </a:solidFill>
+                      <a:prstDash val="solid"/>
+                      <a:round/>
+                      <a:headEnd type="none" w="med" len="med"/>
+                      <a:tailEnd type="none" w="med" len="med"/>
+                    </a:lnT>
+                    <a:lnB w="12700" cap="flat" cmpd="sng" algn="ctr">
+                      <a:solidFill>
+                        <a:schemeClr val="bg1"/>
+                      </a:solidFill>
+                      <a:prstDash val="solid"/>
+                      <a:round/>
+                      <a:headEnd type="none" w="med" len="med"/>
+                      <a:tailEnd type="none" w="med" len="med"/>
+                    </a:lnB>
+                    <a:lnTlToBr>
+                      <a:noFill/>
+                    </a:lnTlToBr>
+                    <a:lnBlToTr>
+                      <a:noFill/>
+                    </a:lnBlToTr>
+                    <a:solidFill>
+                      <a:srgbClr val="E8F6F6"/>
+                    </a:solidFill>
+                  </a:tcPr>
+                </a:tc>
+                <a:tc>
+                  <a:txBody>
+                    <a:bodyPr/>
+                    <a:lstStyle/>
+                    <a:p>
+                      <a:pPr marL="342900" marR="0" lvl="0" indent="-342900" algn="ctr" defTabSz="914400" rtl="0" eaLnBrk="1" fontAlgn="base" latinLnBrk="0" hangingPunct="1">
+                        <a:lnSpc>
+                          <a:spcPct val="100000"/>
+                        </a:lnSpc>
+                        <a:spcBef>
+                          <a:spcPct val="0"/>
+                        </a:spcBef>
+                        <a:spcAft>
+                          <a:spcPct val="0"/>
+                        </a:spcAft>
+                        <a:buClrTx/>
+                        <a:buSzTx/>
+                        <a:buFontTx/>
+                        <a:buNone/>
+                        <a:tabLst/>
+                      </a:pPr>
+                      <a:r>
+                        <a:rPr kumimoji="1" lang="en-US" altLang="zh-TW" sz="1500" b="0" i="0" u="none" strike="noStrike" cap="none" normalizeH="0" baseline="0" dirty="0" smtClean="0">
+                          <a:ln>
+                            <a:noFill/>
+                          </a:ln>
+                          <a:solidFill>
+                            <a:srgbClr val="000000"/>
+                          </a:solidFill>
+                          <a:effectLst/>
+                          <a:latin typeface="Times New Roman" pitchFamily="18" charset="0"/>
+                          <a:ea typeface="標楷體" pitchFamily="65" charset="-120"/>
+                          <a:cs typeface="Times New Roman" pitchFamily="18" charset="0"/>
+                        </a:rPr>
+                        <a:t>1500</a:t>
+                      </a:r>
+                      <a:endParaRPr kumimoji="1" lang="en-US" altLang="zh-TW" sz="1500" b="0" i="0" u="none" strike="noStrike" cap="none" normalizeH="0" baseline="0" dirty="0" smtClean="0">
+                        <a:ln>
+                          <a:noFill/>
+                        </a:ln>
+                        <a:solidFill>
+                          <a:schemeClr val="tx1"/>
+                        </a:solidFill>
+                        <a:effectLst/>
+                        <a:latin typeface="Times New Roman" pitchFamily="18" charset="0"/>
+                        <a:ea typeface="標楷體" pitchFamily="65" charset="-120"/>
+                        <a:cs typeface="Times New Roman" pitchFamily="18" charset="0"/>
+                      </a:endParaRPr>
+                    </a:p>
+                  </a:txBody>
+                  <a:tcPr marT="34290" marB="34290" anchor="ctr" horzOverflow="overflow">
+                    <a:lnL w="12700" cap="flat" cmpd="sng" algn="ctr">
+                      <a:solidFill>
+                        <a:schemeClr val="bg1"/>
+                      </a:solidFill>
+                      <a:prstDash val="solid"/>
+                      <a:round/>
+                      <a:headEnd type="none" w="med" len="med"/>
+                      <a:tailEnd type="none" w="med" len="med"/>
+                    </a:lnL>
+                    <a:lnR w="12700" cap="flat" cmpd="sng" algn="ctr">
+                      <a:solidFill>
+                        <a:schemeClr val="bg1"/>
+                      </a:solidFill>
+                      <a:prstDash val="solid"/>
+                      <a:round/>
+                      <a:headEnd type="none" w="med" len="med"/>
+                      <a:tailEnd type="none" w="med" len="med"/>
+                    </a:lnR>
+                    <a:lnT w="12700" cap="flat" cmpd="sng" algn="ctr">
+                      <a:solidFill>
+                        <a:schemeClr val="bg1"/>
+                      </a:solidFill>
+                      <a:prstDash val="solid"/>
+                      <a:round/>
+                      <a:headEnd type="none" w="med" len="med"/>
+                      <a:tailEnd type="none" w="med" len="med"/>
+                    </a:lnT>
+                    <a:lnB w="12700" cap="flat" cmpd="sng" algn="ctr">
+                      <a:solidFill>
+                        <a:schemeClr val="bg1"/>
+                      </a:solidFill>
+                      <a:prstDash val="solid"/>
+                      <a:round/>
+                      <a:headEnd type="none" w="med" len="med"/>
+                      <a:tailEnd type="none" w="med" len="med"/>
+                    </a:lnB>
+                    <a:lnTlToBr>
+                      <a:noFill/>
+                    </a:lnTlToBr>
+                    <a:lnBlToTr>
+                      <a:noFill/>
+                    </a:lnBlToTr>
+                    <a:solidFill>
+                      <a:srgbClr val="E8F6F6"/>
+                    </a:solidFill>
+                  </a:tcPr>
+                </a:tc>
+              </a:tr>
+              <a:tr h="297180">
+                <a:tc>
+                  <a:txBody>
+                    <a:bodyPr/>
+                    <a:lstStyle/>
+                    <a:p>
+                      <a:pPr marL="342900" marR="0" lvl="0" indent="-342900" algn="ctr" defTabSz="914400" rtl="0" eaLnBrk="1" fontAlgn="base" latinLnBrk="0" hangingPunct="1">
+                        <a:lnSpc>
+                          <a:spcPct val="100000"/>
+                        </a:lnSpc>
+                        <a:spcBef>
+                          <a:spcPct val="0"/>
+                        </a:spcBef>
+                        <a:spcAft>
+                          <a:spcPct val="0"/>
+                        </a:spcAft>
+                        <a:buClrTx/>
+                        <a:buSzTx/>
+                        <a:buFontTx/>
+                        <a:buNone/>
+                        <a:tabLst/>
+                      </a:pPr>
+                      <a:r>
+                        <a:rPr kumimoji="1" lang="en-US" altLang="zh-TW" sz="1500" b="0" i="0" u="none" strike="noStrike" cap="none" normalizeH="0" baseline="0" dirty="0" smtClean="0">
+                          <a:ln>
+                            <a:noFill/>
+                          </a:ln>
+                          <a:solidFill>
+                            <a:srgbClr val="000000"/>
+                          </a:solidFill>
+                          <a:effectLst/>
+                          <a:latin typeface="Times New Roman" pitchFamily="18" charset="0"/>
+                          <a:ea typeface="標楷體" pitchFamily="65" charset="-120"/>
+                          <a:cs typeface="Times New Roman" pitchFamily="18" charset="0"/>
+                        </a:rPr>
+                        <a:t>1060</a:t>
+                      </a:r>
+                      <a:endParaRPr kumimoji="1" lang="en-US" altLang="zh-TW" sz="1500" b="0" i="0" u="none" strike="noStrike" cap="none" normalizeH="0" baseline="0" dirty="0" smtClean="0">
+                        <a:ln>
+                          <a:noFill/>
+                        </a:ln>
+                        <a:solidFill>
+                          <a:schemeClr val="tx1"/>
+                        </a:solidFill>
+                        <a:effectLst/>
+                        <a:latin typeface="Times New Roman" pitchFamily="18" charset="0"/>
+                        <a:ea typeface="標楷體" pitchFamily="65" charset="-120"/>
+                        <a:cs typeface="Times New Roman" pitchFamily="18" charset="0"/>
+                      </a:endParaRPr>
+                    </a:p>
+                  </a:txBody>
+                  <a:tcPr marT="34290" marB="34290" anchor="ctr" horzOverflow="overflow">
+                    <a:lnL w="12700" cap="flat" cmpd="sng" algn="ctr">
+                      <a:solidFill>
+                        <a:schemeClr val="bg1"/>
+                      </a:solidFill>
+                      <a:prstDash val="solid"/>
+                      <a:round/>
+                      <a:headEnd type="none" w="med" len="med"/>
+                      <a:tailEnd type="none" w="med" len="med"/>
+                    </a:lnL>
+                    <a:lnR w="12700" cap="flat" cmpd="sng" algn="ctr">
+                      <a:solidFill>
+                        <a:schemeClr val="bg1"/>
+                      </a:solidFill>
+                      <a:prstDash val="solid"/>
+                      <a:round/>
+                      <a:headEnd type="none" w="med" len="med"/>
+                      <a:tailEnd type="none" w="med" len="med"/>
+                    </a:lnR>
+                    <a:lnT w="12700" cap="flat" cmpd="sng" algn="ctr">
+                      <a:solidFill>
+                        <a:schemeClr val="bg1"/>
+                      </a:solidFill>
+                      <a:prstDash val="solid"/>
+                      <a:round/>
+                      <a:headEnd type="none" w="med" len="med"/>
+                      <a:tailEnd type="none" w="med" len="med"/>
+                    </a:lnT>
+                    <a:lnB w="12700" cap="flat" cmpd="sng" algn="ctr">
+                      <a:solidFill>
+                        <a:schemeClr val="bg1"/>
+                      </a:solidFill>
+                      <a:prstDash val="solid"/>
+                      <a:round/>
+                      <a:headEnd type="none" w="med" len="med"/>
+                      <a:tailEnd type="none" w="med" len="med"/>
+                    </a:lnB>
+                    <a:lnTlToBr>
+                      <a:noFill/>
+                    </a:lnTlToBr>
+                    <a:lnBlToTr>
+                      <a:noFill/>
+                    </a:lnBlToTr>
+                    <a:solidFill>
+                      <a:srgbClr val="CDECEC"/>
+                    </a:solidFill>
+                  </a:tcPr>
+                </a:tc>
+                <a:tc>
+                  <a:txBody>
+                    <a:bodyPr/>
+                    <a:lstStyle/>
+                    <a:p>
+                      <a:pPr marL="342900" marR="0" lvl="0" indent="-342900" algn="ctr" defTabSz="914400" rtl="0" eaLnBrk="1" fontAlgn="base" latinLnBrk="0" hangingPunct="1">
+                        <a:lnSpc>
+                          <a:spcPct val="100000"/>
+                        </a:lnSpc>
+                        <a:spcBef>
+                          <a:spcPct val="0"/>
+                        </a:spcBef>
+                        <a:spcAft>
+                          <a:spcPct val="0"/>
+                        </a:spcAft>
+                        <a:buClrTx/>
+                        <a:buSzTx/>
+                        <a:buFontTx/>
+                        <a:buNone/>
+                        <a:tabLst/>
+                      </a:pPr>
+                      <a:r>
+                        <a:rPr kumimoji="1" lang="en-US" altLang="zh-TW" sz="1500" b="0" i="0" u="none" strike="noStrike" cap="none" normalizeH="0" baseline="0" dirty="0" smtClean="0">
+                          <a:ln>
+                            <a:noFill/>
+                          </a:ln>
+                          <a:solidFill>
+                            <a:srgbClr val="000000"/>
+                          </a:solidFill>
+                          <a:effectLst/>
+                          <a:latin typeface="Times New Roman" pitchFamily="18" charset="0"/>
+                          <a:ea typeface="標楷體" pitchFamily="65" charset="-120"/>
+                          <a:cs typeface="Times New Roman" pitchFamily="18" charset="0"/>
+                        </a:rPr>
+                        <a:t>1680</a:t>
+                      </a:r>
+                      <a:endParaRPr kumimoji="1" lang="en-US" altLang="zh-TW" sz="1500" b="0" i="0" u="none" strike="noStrike" cap="none" normalizeH="0" baseline="0" dirty="0" smtClean="0">
+                        <a:ln>
+                          <a:noFill/>
+                        </a:ln>
+                        <a:solidFill>
+                          <a:schemeClr val="tx1"/>
+                        </a:solidFill>
+                        <a:effectLst/>
+                        <a:latin typeface="Times New Roman" pitchFamily="18" charset="0"/>
+                        <a:ea typeface="標楷體" pitchFamily="65" charset="-120"/>
+                        <a:cs typeface="Times New Roman" pitchFamily="18" charset="0"/>
+                      </a:endParaRPr>
+                    </a:p>
+                  </a:txBody>
+                  <a:tcPr marT="34290" marB="34290" anchor="ctr" horzOverflow="overflow">
+                    <a:lnL w="12700" cap="flat" cmpd="sng" algn="ctr">
+                      <a:solidFill>
+                        <a:schemeClr val="bg1"/>
+                      </a:solidFill>
+                      <a:prstDash val="solid"/>
+                      <a:round/>
+                      <a:headEnd type="none" w="med" len="med"/>
+                      <a:tailEnd type="none" w="med" len="med"/>
+                    </a:lnL>
+                    <a:lnR w="12700" cap="flat" cmpd="sng" algn="ctr">
+                      <a:solidFill>
+                        <a:schemeClr val="bg1"/>
+                      </a:solidFill>
+                      <a:prstDash val="solid"/>
+                      <a:round/>
+                      <a:headEnd type="none" w="med" len="med"/>
+                      <a:tailEnd type="none" w="med" len="med"/>
+                    </a:lnR>
+                    <a:lnT w="12700" cap="flat" cmpd="sng" algn="ctr">
+                      <a:solidFill>
+                        <a:schemeClr val="bg1"/>
+                      </a:solidFill>
+                      <a:prstDash val="solid"/>
+                      <a:round/>
+                      <a:headEnd type="none" w="med" len="med"/>
+                      <a:tailEnd type="none" w="med" len="med"/>
+                    </a:lnT>
+                    <a:lnB w="12700" cap="flat" cmpd="sng" algn="ctr">
+                      <a:solidFill>
+                        <a:schemeClr val="bg1"/>
+                      </a:solidFill>
+                      <a:prstDash val="solid"/>
+                      <a:round/>
+                      <a:headEnd type="none" w="med" len="med"/>
+                      <a:tailEnd type="none" w="med" len="med"/>
+                    </a:lnB>
+                    <a:lnTlToBr>
+                      <a:noFill/>
+                    </a:lnTlToBr>
+                    <a:lnBlToTr>
+                      <a:noFill/>
+                    </a:lnBlToTr>
+                    <a:solidFill>
+                      <a:srgbClr val="CDECEC"/>
+                    </a:solidFill>
+                  </a:tcPr>
+                </a:tc>
+              </a:tr>
+              <a:tr h="297180">
+                <a:tc>
+                  <a:txBody>
+                    <a:bodyPr/>
+                    <a:lstStyle/>
+                    <a:p>
+                      <a:pPr marL="342900" marR="0" lvl="0" indent="-342900" algn="ctr" defTabSz="914400" rtl="0" eaLnBrk="1" fontAlgn="base" latinLnBrk="0" hangingPunct="1">
+                        <a:lnSpc>
+                          <a:spcPct val="100000"/>
+                        </a:lnSpc>
+                        <a:spcBef>
+                          <a:spcPct val="0"/>
+                        </a:spcBef>
+                        <a:spcAft>
+                          <a:spcPct val="0"/>
+                        </a:spcAft>
+                        <a:buClrTx/>
+                        <a:buSzTx/>
+                        <a:buFontTx/>
+                        <a:buNone/>
+                        <a:tabLst/>
+                      </a:pPr>
+                      <a:r>
+                        <a:rPr kumimoji="1" lang="en-US" altLang="zh-TW" sz="1500" b="0" i="0" u="none" strike="noStrike" cap="none" normalizeH="0" baseline="0" dirty="0" smtClean="0">
+                          <a:ln>
+                            <a:noFill/>
+                          </a:ln>
+                          <a:solidFill>
+                            <a:srgbClr val="000000"/>
+                          </a:solidFill>
+                          <a:effectLst/>
+                          <a:latin typeface="Times New Roman" pitchFamily="18" charset="0"/>
+                          <a:ea typeface="標楷體" pitchFamily="65" charset="-120"/>
+                          <a:cs typeface="Times New Roman" pitchFamily="18" charset="0"/>
+                        </a:rPr>
+                        <a:t>1100</a:t>
+                      </a:r>
+                      <a:endParaRPr kumimoji="1" lang="en-US" altLang="zh-TW" sz="1500" b="0" i="0" u="none" strike="noStrike" cap="none" normalizeH="0" baseline="0" dirty="0" smtClean="0">
+                        <a:ln>
+                          <a:noFill/>
+                        </a:ln>
+                        <a:solidFill>
+                          <a:schemeClr val="tx1"/>
+                        </a:solidFill>
+                        <a:effectLst/>
+                        <a:latin typeface="Times New Roman" pitchFamily="18" charset="0"/>
+                        <a:ea typeface="標楷體" pitchFamily="65" charset="-120"/>
+                        <a:cs typeface="Times New Roman" pitchFamily="18" charset="0"/>
+                      </a:endParaRPr>
+                    </a:p>
+                  </a:txBody>
+                  <a:tcPr marT="34290" marB="34290" anchor="ctr" horzOverflow="overflow">
+                    <a:lnL w="12700" cap="flat" cmpd="sng" algn="ctr">
+                      <a:solidFill>
+                        <a:schemeClr val="bg1"/>
+                      </a:solidFill>
+                      <a:prstDash val="solid"/>
+                      <a:round/>
+                      <a:headEnd type="none" w="med" len="med"/>
+                      <a:tailEnd type="none" w="med" len="med"/>
+                    </a:lnL>
+                    <a:lnR w="12700" cap="flat" cmpd="sng" algn="ctr">
+                      <a:solidFill>
+                        <a:schemeClr val="bg1"/>
+                      </a:solidFill>
+                      <a:prstDash val="solid"/>
+                      <a:round/>
+                      <a:headEnd type="none" w="med" len="med"/>
+                      <a:tailEnd type="none" w="med" len="med"/>
+                    </a:lnR>
+                    <a:lnT w="12700" cap="flat" cmpd="sng" algn="ctr">
+                      <a:solidFill>
+                        <a:schemeClr val="bg1"/>
+                      </a:solidFill>
+                      <a:prstDash val="solid"/>
+                      <a:round/>
+                      <a:headEnd type="none" w="med" len="med"/>
+                      <a:tailEnd type="none" w="med" len="med"/>
+                    </a:lnT>
+                    <a:lnB w="12700" cap="flat" cmpd="sng" algn="ctr">
+                      <a:solidFill>
+                        <a:schemeClr val="bg1"/>
+                      </a:solidFill>
+                      <a:prstDash val="solid"/>
+                      <a:round/>
+                      <a:headEnd type="none" w="med" len="med"/>
+                      <a:tailEnd type="none" w="med" len="med"/>
+                    </a:lnB>
+                    <a:lnTlToBr>
+                      <a:noFill/>
+                    </a:lnTlToBr>
+                    <a:lnBlToTr>
+                      <a:noFill/>
+                    </a:lnBlToTr>
+                    <a:solidFill>
+                      <a:srgbClr val="E8F6F6"/>
+                    </a:solidFill>
+                  </a:tcPr>
+                </a:tc>
+                <a:tc>
+                  <a:txBody>
+                    <a:bodyPr/>
+                    <a:lstStyle/>
+                    <a:p>
+                      <a:pPr marL="342900" marR="0" lvl="0" indent="-342900" algn="ctr" defTabSz="914400" rtl="0" eaLnBrk="1" fontAlgn="base" latinLnBrk="0" hangingPunct="1">
+                        <a:lnSpc>
+                          <a:spcPct val="100000"/>
+                        </a:lnSpc>
+                        <a:spcBef>
+                          <a:spcPct val="0"/>
+                        </a:spcBef>
+                        <a:spcAft>
+                          <a:spcPct val="0"/>
+                        </a:spcAft>
+                        <a:buClrTx/>
+                        <a:buSzTx/>
+                        <a:buFontTx/>
+                        <a:buNone/>
+                        <a:tabLst/>
+                      </a:pPr>
+                      <a:r>
+                        <a:rPr kumimoji="1" lang="en-US" altLang="zh-TW" sz="1500" b="0" i="0" u="none" strike="noStrike" cap="none" normalizeH="0" baseline="0" dirty="0" smtClean="0">
+                          <a:ln>
+                            <a:noFill/>
+                          </a:ln>
+                          <a:solidFill>
+                            <a:srgbClr val="000000"/>
+                          </a:solidFill>
+                          <a:effectLst/>
+                          <a:latin typeface="Times New Roman" pitchFamily="18" charset="0"/>
+                          <a:ea typeface="標楷體" pitchFamily="65" charset="-120"/>
+                          <a:cs typeface="Times New Roman" pitchFamily="18" charset="0"/>
+                        </a:rPr>
+                        <a:t>1800</a:t>
+                      </a:r>
+                      <a:endParaRPr kumimoji="1" lang="en-US" altLang="zh-TW" sz="1500" b="0" i="0" u="none" strike="noStrike" cap="none" normalizeH="0" baseline="0" dirty="0" smtClean="0">
+                        <a:ln>
+                          <a:noFill/>
+                        </a:ln>
+                        <a:solidFill>
+                          <a:schemeClr val="tx1"/>
+                        </a:solidFill>
+                        <a:effectLst/>
+                        <a:latin typeface="Times New Roman" pitchFamily="18" charset="0"/>
+                        <a:ea typeface="標楷體" pitchFamily="65" charset="-120"/>
+                        <a:cs typeface="Times New Roman" pitchFamily="18" charset="0"/>
+                      </a:endParaRPr>
+                    </a:p>
+                  </a:txBody>
+                  <a:tcPr marT="34290" marB="34290" anchor="ctr" horzOverflow="overflow">
+                    <a:lnL w="12700" cap="flat" cmpd="sng" algn="ctr">
+                      <a:solidFill>
+                        <a:schemeClr val="bg1"/>
+                      </a:solidFill>
+                      <a:prstDash val="solid"/>
+                      <a:round/>
+                      <a:headEnd type="none" w="med" len="med"/>
+                      <a:tailEnd type="none" w="med" len="med"/>
+                    </a:lnL>
+                    <a:lnR w="12700" cap="flat" cmpd="sng" algn="ctr">
+                      <a:solidFill>
+                        <a:schemeClr val="bg1"/>
+                      </a:solidFill>
+                      <a:prstDash val="solid"/>
+                      <a:round/>
+                      <a:headEnd type="none" w="med" len="med"/>
+                      <a:tailEnd type="none" w="med" len="med"/>
+                    </a:lnR>
+                    <a:lnT w="12700" cap="flat" cmpd="sng" algn="ctr">
+                      <a:solidFill>
+                        <a:schemeClr val="bg1"/>
+                      </a:solidFill>
+                      <a:prstDash val="solid"/>
+                      <a:round/>
+                      <a:headEnd type="none" w="med" len="med"/>
+                      <a:tailEnd type="none" w="med" len="med"/>
+                    </a:lnT>
+                    <a:lnB w="12700" cap="flat" cmpd="sng" algn="ctr">
+                      <a:solidFill>
+                        <a:schemeClr val="bg1"/>
+                      </a:solidFill>
+                      <a:prstDash val="solid"/>
+                      <a:round/>
+                      <a:headEnd type="none" w="med" len="med"/>
+                      <a:tailEnd type="none" w="med" len="med"/>
+                    </a:lnB>
+                    <a:lnTlToBr>
+                      <a:noFill/>
+                    </a:lnTlToBr>
+                    <a:lnBlToTr>
+                      <a:noFill/>
+                    </a:lnBlToTr>
+                    <a:solidFill>
+                      <a:srgbClr val="E8F6F6"/>
+                    </a:solidFill>
+                  </a:tcPr>
+                </a:tc>
+              </a:tr>
+              <a:tr h="297180">
+                <a:tc>
+                  <a:txBody>
+                    <a:bodyPr/>
+                    <a:lstStyle/>
+                    <a:p>
+                      <a:pPr marL="342900" marR="0" lvl="0" indent="-342900" algn="ctr" defTabSz="914400" rtl="0" eaLnBrk="1" fontAlgn="base" latinLnBrk="0" hangingPunct="1">
+                        <a:lnSpc>
+                          <a:spcPct val="100000"/>
+                        </a:lnSpc>
+                        <a:spcBef>
+                          <a:spcPct val="0"/>
+                        </a:spcBef>
+                        <a:spcAft>
+                          <a:spcPct val="0"/>
+                        </a:spcAft>
+                        <a:buClrTx/>
+                        <a:buSzTx/>
+                        <a:buFontTx/>
+                        <a:buNone/>
+                        <a:tabLst/>
+                      </a:pPr>
+                      <a:r>
+                        <a:rPr kumimoji="1" lang="en-US" altLang="zh-TW" sz="1500" b="0" i="0" u="none" strike="noStrike" cap="none" normalizeH="0" baseline="0" dirty="0" smtClean="0">
+                          <a:ln>
+                            <a:noFill/>
+                          </a:ln>
+                          <a:solidFill>
+                            <a:srgbClr val="000000"/>
+                          </a:solidFill>
+                          <a:effectLst/>
+                          <a:latin typeface="Times New Roman" pitchFamily="18" charset="0"/>
+                          <a:ea typeface="標楷體" pitchFamily="65" charset="-120"/>
+                          <a:cs typeface="Times New Roman" pitchFamily="18" charset="0"/>
+                        </a:rPr>
+                        <a:t>1230</a:t>
+                      </a:r>
+                      <a:endParaRPr kumimoji="1" lang="en-US" altLang="zh-TW" sz="1500" b="0" i="0" u="none" strike="noStrike" cap="none" normalizeH="0" baseline="0" dirty="0" smtClean="0">
+                        <a:ln>
+                          <a:noFill/>
+                        </a:ln>
+                        <a:solidFill>
+                          <a:schemeClr val="tx1"/>
+                        </a:solidFill>
+                        <a:effectLst/>
+                        <a:latin typeface="Times New Roman" pitchFamily="18" charset="0"/>
+                        <a:ea typeface="標楷體" pitchFamily="65" charset="-120"/>
+                        <a:cs typeface="Times New Roman" pitchFamily="18" charset="0"/>
+                      </a:endParaRPr>
+                    </a:p>
+                  </a:txBody>
+                  <a:tcPr marT="34290" marB="34290" anchor="ctr" horzOverflow="overflow">
+                    <a:lnL w="12700" cap="flat" cmpd="sng" algn="ctr">
+                      <a:solidFill>
+                        <a:schemeClr val="bg1"/>
+                      </a:solidFill>
+                      <a:prstDash val="solid"/>
+                      <a:round/>
+                      <a:headEnd type="none" w="med" len="med"/>
+                      <a:tailEnd type="none" w="med" len="med"/>
+                    </a:lnL>
+                    <a:lnR w="12700" cap="flat" cmpd="sng" algn="ctr">
+                      <a:solidFill>
+                        <a:schemeClr val="bg1"/>
+                      </a:solidFill>
+                      <a:prstDash val="solid"/>
+                      <a:round/>
+                      <a:headEnd type="none" w="med" len="med"/>
+                      <a:tailEnd type="none" w="med" len="med"/>
+                    </a:lnR>
+                    <a:lnT w="12700" cap="flat" cmpd="sng" algn="ctr">
+                      <a:solidFill>
+                        <a:schemeClr val="bg1"/>
+                      </a:solidFill>
+                      <a:prstDash val="solid"/>
+                      <a:round/>
+                      <a:headEnd type="none" w="med" len="med"/>
+                      <a:tailEnd type="none" w="med" len="med"/>
+                    </a:lnT>
+                    <a:lnB w="12700" cap="flat" cmpd="sng" algn="ctr">
+                      <a:solidFill>
+                        <a:schemeClr val="bg1"/>
+                      </a:solidFill>
+                      <a:prstDash val="solid"/>
+                      <a:round/>
+                      <a:headEnd type="none" w="med" len="med"/>
+                      <a:tailEnd type="none" w="med" len="med"/>
+                    </a:lnB>
+                    <a:lnTlToBr>
+                      <a:noFill/>
+                    </a:lnTlToBr>
+                    <a:lnBlToTr>
+                      <a:noFill/>
+                    </a:lnBlToTr>
+                    <a:solidFill>
+                      <a:srgbClr val="CDECEC"/>
+                    </a:solidFill>
+                  </a:tcPr>
+                </a:tc>
+                <a:tc>
+                  <a:txBody>
+                    <a:bodyPr/>
+                    <a:lstStyle/>
+                    <a:p>
+                      <a:pPr marL="342900" marR="0" lvl="0" indent="-342900" algn="ctr" defTabSz="914400" rtl="0" eaLnBrk="1" fontAlgn="base" latinLnBrk="0" hangingPunct="1">
+                        <a:lnSpc>
+                          <a:spcPct val="100000"/>
+                        </a:lnSpc>
+                        <a:spcBef>
+                          <a:spcPct val="0"/>
+                        </a:spcBef>
+                        <a:spcAft>
+                          <a:spcPct val="0"/>
+                        </a:spcAft>
+                        <a:buClrTx/>
+                        <a:buSzTx/>
+                        <a:buFontTx/>
+                        <a:buNone/>
+                        <a:tabLst/>
+                      </a:pPr>
+                      <a:r>
+                        <a:rPr kumimoji="1" lang="en-US" altLang="zh-TW" sz="1500" b="0" i="0" u="none" strike="noStrike" cap="none" normalizeH="0" baseline="0" dirty="0" smtClean="0">
+                          <a:ln>
+                            <a:noFill/>
+                          </a:ln>
+                          <a:solidFill>
+                            <a:srgbClr val="000000"/>
+                          </a:solidFill>
+                          <a:effectLst/>
+                          <a:latin typeface="Times New Roman" pitchFamily="18" charset="0"/>
+                          <a:ea typeface="標楷體" pitchFamily="65" charset="-120"/>
+                          <a:cs typeface="Times New Roman" pitchFamily="18" charset="0"/>
+                        </a:rPr>
+                        <a:t>2000</a:t>
+                      </a:r>
+                      <a:endParaRPr kumimoji="1" lang="en-US" altLang="zh-TW" sz="1500" b="0" i="0" u="none" strike="noStrike" cap="none" normalizeH="0" baseline="0" dirty="0" smtClean="0">
+                        <a:ln>
+                          <a:noFill/>
+                        </a:ln>
+                        <a:solidFill>
+                          <a:schemeClr val="tx1"/>
+                        </a:solidFill>
+                        <a:effectLst/>
+                        <a:latin typeface="Times New Roman" pitchFamily="18" charset="0"/>
+                        <a:ea typeface="標楷體" pitchFamily="65" charset="-120"/>
+                        <a:cs typeface="Times New Roman" pitchFamily="18" charset="0"/>
+                      </a:endParaRPr>
+                    </a:p>
+                  </a:txBody>
+                  <a:tcPr marT="34290" marB="34290" anchor="ctr" horzOverflow="overflow">
+                    <a:lnL w="12700" cap="flat" cmpd="sng" algn="ctr">
+                      <a:solidFill>
+                        <a:schemeClr val="bg1"/>
+                      </a:solidFill>
+                      <a:prstDash val="solid"/>
+                      <a:round/>
+                      <a:headEnd type="none" w="med" len="med"/>
+                      <a:tailEnd type="none" w="med" len="med"/>
+                    </a:lnL>
+                    <a:lnR w="12700" cap="flat" cmpd="sng" algn="ctr">
+                      <a:solidFill>
+                        <a:schemeClr val="bg1"/>
+                      </a:solidFill>
+                      <a:prstDash val="solid"/>
+                      <a:round/>
+                      <a:headEnd type="none" w="med" len="med"/>
+                      <a:tailEnd type="none" w="med" len="med"/>
+                    </a:lnR>
+                    <a:lnT w="12700" cap="flat" cmpd="sng" algn="ctr">
+                      <a:solidFill>
+                        <a:schemeClr val="bg1"/>
+                      </a:solidFill>
+                      <a:prstDash val="solid"/>
+                      <a:round/>
+                      <a:headEnd type="none" w="med" len="med"/>
+                      <a:tailEnd type="none" w="med" len="med"/>
+                    </a:lnT>
+                    <a:lnB w="12700" cap="flat" cmpd="sng" algn="ctr">
+                      <a:solidFill>
+                        <a:schemeClr val="bg1"/>
+                      </a:solidFill>
+                      <a:prstDash val="solid"/>
+                      <a:round/>
+                      <a:headEnd type="none" w="med" len="med"/>
+                      <a:tailEnd type="none" w="med" len="med"/>
+                    </a:lnB>
+                    <a:lnTlToBr>
+                      <a:noFill/>
+                    </a:lnTlToBr>
+                    <a:lnBlToTr>
+                      <a:noFill/>
+                    </a:lnBlToTr>
+                    <a:solidFill>
+                      <a:srgbClr val="CDECEC"/>
+                    </a:solidFill>
+                  </a:tcPr>
+                </a:tc>
+              </a:tr>
+              <a:tr h="297180">
+                <a:tc>
+                  <a:txBody>
+                    <a:bodyPr/>
+                    <a:lstStyle/>
+                    <a:p>
+                      <a:pPr marL="342900" marR="0" lvl="0" indent="-342900" algn="ctr" defTabSz="914400" rtl="0" eaLnBrk="1" fontAlgn="base" latinLnBrk="0" hangingPunct="1">
+                        <a:lnSpc>
+                          <a:spcPct val="100000"/>
+                        </a:lnSpc>
+                        <a:spcBef>
+                          <a:spcPct val="0"/>
+                        </a:spcBef>
+                        <a:spcAft>
+                          <a:spcPct val="0"/>
+                        </a:spcAft>
+                        <a:buClrTx/>
+                        <a:buSzTx/>
+                        <a:buFontTx/>
+                        <a:buNone/>
+                        <a:tabLst/>
+                      </a:pPr>
+                      <a:r>
+                        <a:rPr kumimoji="1" lang="en-US" altLang="zh-TW" sz="1500" b="0" i="0" u="none" strike="noStrike" cap="none" normalizeH="0" baseline="0" dirty="0" smtClean="0">
+                          <a:ln>
+                            <a:noFill/>
+                          </a:ln>
+                          <a:solidFill>
+                            <a:srgbClr val="000000"/>
+                          </a:solidFill>
+                          <a:effectLst/>
+                          <a:latin typeface="Times New Roman" pitchFamily="18" charset="0"/>
+                          <a:ea typeface="標楷體" pitchFamily="65" charset="-120"/>
+                          <a:cs typeface="Times New Roman" pitchFamily="18" charset="0"/>
+                        </a:rPr>
+                        <a:t>1300</a:t>
+                      </a:r>
+                      <a:endParaRPr kumimoji="1" lang="en-US" altLang="zh-TW" sz="1500" b="0" i="0" u="none" strike="noStrike" cap="none" normalizeH="0" baseline="0" dirty="0" smtClean="0">
+                        <a:ln>
+                          <a:noFill/>
+                        </a:ln>
+                        <a:solidFill>
+                          <a:schemeClr val="tx1"/>
+                        </a:solidFill>
+                        <a:effectLst/>
+                        <a:latin typeface="Times New Roman" pitchFamily="18" charset="0"/>
+                        <a:ea typeface="標楷體" pitchFamily="65" charset="-120"/>
+                        <a:cs typeface="Times New Roman" pitchFamily="18" charset="0"/>
+                      </a:endParaRPr>
+                    </a:p>
+                  </a:txBody>
+                  <a:tcPr marT="34290" marB="34290" anchor="ctr" horzOverflow="overflow">
+                    <a:lnL w="12700" cap="flat" cmpd="sng" algn="ctr">
+                      <a:solidFill>
+                        <a:schemeClr val="bg1"/>
+                      </a:solidFill>
+                      <a:prstDash val="solid"/>
+                      <a:round/>
+                      <a:headEnd type="none" w="med" len="med"/>
+                      <a:tailEnd type="none" w="med" len="med"/>
+                    </a:lnL>
+                    <a:lnR w="12700" cap="flat" cmpd="sng" algn="ctr">
+                      <a:solidFill>
+                        <a:schemeClr val="bg1"/>
+                      </a:solidFill>
+                      <a:prstDash val="solid"/>
+                      <a:round/>
+                      <a:headEnd type="none" w="med" len="med"/>
+                      <a:tailEnd type="none" w="med" len="med"/>
+                    </a:lnR>
+                    <a:lnT w="12700" cap="flat" cmpd="sng" algn="ctr">
+                      <a:solidFill>
+                        <a:schemeClr val="bg1"/>
+                      </a:solidFill>
+                      <a:prstDash val="solid"/>
+                      <a:round/>
+                      <a:headEnd type="none" w="med" len="med"/>
+                      <a:tailEnd type="none" w="med" len="med"/>
+                    </a:lnT>
+                    <a:lnB w="12700" cap="flat" cmpd="sng" algn="ctr">
+                      <a:solidFill>
+                        <a:schemeClr val="bg1"/>
+                      </a:solidFill>
+                      <a:prstDash val="solid"/>
+                      <a:round/>
+                      <a:headEnd type="none" w="med" len="med"/>
+                      <a:tailEnd type="none" w="med" len="med"/>
+                    </a:lnB>
+                    <a:lnTlToBr>
+                      <a:noFill/>
+                    </a:lnTlToBr>
+                    <a:lnBlToTr>
+                      <a:noFill/>
+                    </a:lnBlToTr>
+                    <a:solidFill>
+                      <a:srgbClr val="E8F6F6"/>
+                    </a:solidFill>
+                  </a:tcPr>
+                </a:tc>
+                <a:tc>
+                  <a:txBody>
+                    <a:bodyPr/>
+                    <a:lstStyle/>
+                    <a:p>
+                      <a:pPr marL="342900" marR="0" lvl="0" indent="-342900" algn="ctr" defTabSz="914400" rtl="0" eaLnBrk="1" fontAlgn="base" latinLnBrk="0" hangingPunct="1">
+                        <a:lnSpc>
+                          <a:spcPct val="100000"/>
+                        </a:lnSpc>
+                        <a:spcBef>
+                          <a:spcPct val="0"/>
+                        </a:spcBef>
+                        <a:spcAft>
+                          <a:spcPct val="0"/>
+                        </a:spcAft>
+                        <a:buClrTx/>
+                        <a:buSzTx/>
+                        <a:buFontTx/>
+                        <a:buNone/>
+                        <a:tabLst/>
+                      </a:pPr>
+                      <a:r>
+                        <a:rPr kumimoji="1" lang="en-US" altLang="zh-TW" sz="1500" b="0" i="0" u="none" strike="noStrike" cap="none" normalizeH="0" baseline="0" dirty="0" smtClean="0">
+                          <a:ln>
+                            <a:noFill/>
+                          </a:ln>
+                          <a:solidFill>
+                            <a:srgbClr val="000000"/>
+                          </a:solidFill>
+                          <a:effectLst/>
+                          <a:latin typeface="Times New Roman" pitchFamily="18" charset="0"/>
+                          <a:ea typeface="標楷體" pitchFamily="65" charset="-120"/>
+                          <a:cs typeface="Times New Roman" pitchFamily="18" charset="0"/>
+                        </a:rPr>
+                        <a:t>2200</a:t>
+                      </a:r>
+                      <a:endParaRPr kumimoji="1" lang="en-US" altLang="zh-TW" sz="1500" b="0" i="0" u="none" strike="noStrike" cap="none" normalizeH="0" baseline="0" dirty="0" smtClean="0">
+                        <a:ln>
+                          <a:noFill/>
+                        </a:ln>
+                        <a:solidFill>
+                          <a:schemeClr val="tx1"/>
+                        </a:solidFill>
+                        <a:effectLst/>
+                        <a:latin typeface="Times New Roman" pitchFamily="18" charset="0"/>
+                        <a:ea typeface="標楷體" pitchFamily="65" charset="-120"/>
+                        <a:cs typeface="Times New Roman" pitchFamily="18" charset="0"/>
+                      </a:endParaRPr>
+                    </a:p>
+                  </a:txBody>
+                  <a:tcPr marT="34290" marB="34290" anchor="ctr" horzOverflow="overflow">
+                    <a:lnL w="12700" cap="flat" cmpd="sng" algn="ctr">
+                      <a:solidFill>
+                        <a:schemeClr val="bg1"/>
+                      </a:solidFill>
+                      <a:prstDash val="solid"/>
+                      <a:round/>
+                      <a:headEnd type="none" w="med" len="med"/>
+                      <a:tailEnd type="none" w="med" len="med"/>
+                    </a:lnL>
+                    <a:lnR w="12700" cap="flat" cmpd="sng" algn="ctr">
+                      <a:solidFill>
+                        <a:schemeClr val="bg1"/>
+                      </a:solidFill>
+                      <a:prstDash val="solid"/>
+                      <a:round/>
+                      <a:headEnd type="none" w="med" len="med"/>
+                      <a:tailEnd type="none" w="med" len="med"/>
+                    </a:lnR>
+                    <a:lnT w="12700" cap="flat" cmpd="sng" algn="ctr">
+                      <a:solidFill>
+                        <a:schemeClr val="bg1"/>
+                      </a:solidFill>
+                      <a:prstDash val="solid"/>
+                      <a:round/>
+                      <a:headEnd type="none" w="med" len="med"/>
+                      <a:tailEnd type="none" w="med" len="med"/>
+                    </a:lnT>
+                    <a:lnB w="12700" cap="flat" cmpd="sng" algn="ctr">
+                      <a:solidFill>
+                        <a:schemeClr val="bg1"/>
+                      </a:solidFill>
+                      <a:prstDash val="solid"/>
+                      <a:round/>
+                      <a:headEnd type="none" w="med" len="med"/>
+                      <a:tailEnd type="none" w="med" len="med"/>
+                    </a:lnB>
+                    <a:lnTlToBr>
+                      <a:noFill/>
+                    </a:lnTlToBr>
+                    <a:lnBlToTr>
+                      <a:noFill/>
+                    </a:lnBlToTr>
+                    <a:solidFill>
+                      <a:srgbClr val="E8F6F6"/>
+                    </a:solidFill>
+                  </a:tcPr>
+                </a:tc>
+              </a:tr>
+            </a:tbl>
+          </a:graphicData>
+        </a:graphic>
+      </p:graphicFrame>
+      <p:grpSp>
+        <p:nvGrpSpPr>
+          <p:cNvPr id="13" name="群組 12"/>
+          <p:cNvGrpSpPr/>
+          <p:nvPr/>
+        </p:nvGrpSpPr>
+        <p:grpSpPr>
+          <a:xfrm>
+            <a:off x="230629" y="3754145"/>
+            <a:ext cx="3779272" cy="2523506"/>
+            <a:chOff x="1691680" y="1329613"/>
+            <a:chExt cx="5976938" cy="2700338"/>
+          </a:xfrm>
+        </p:grpSpPr>
+        <p:pic>
+          <p:nvPicPr>
+            <p:cNvPr id="14" name="Picture 55"/>
+            <p:cNvPicPr>
+              <a:picLocks noChangeAspect="1" noChangeArrowheads="1"/>
+            </p:cNvPicPr>
+            <p:nvPr/>
+          </p:nvPicPr>
+          <p:blipFill>
+            <a:blip r:embed="rId3" cstate="print"/>
+            <a:srcRect/>
+            <a:stretch>
+              <a:fillRect/>
+            </a:stretch>
+          </p:blipFill>
+          <p:spPr bwMode="auto">
+            <a:xfrm>
+              <a:off x="1691680" y="1329613"/>
+              <a:ext cx="5976938" cy="2700338"/>
+            </a:xfrm>
+            <a:prstGeom prst="rect">
+              <a:avLst/>
+            </a:prstGeom>
+            <a:noFill/>
+            <a:ln w="9525">
+              <a:noFill/>
+              <a:miter lim="800000"/>
+              <a:headEnd/>
+              <a:tailEnd/>
+            </a:ln>
+          </p:spPr>
+        </p:pic>
+        <p:pic>
+          <p:nvPicPr>
+            <p:cNvPr id="15" name="圖片 14" descr="F-icon_11.gif">
+              <a:hlinkClick r:id="rId4"/>
+            </p:cNvPr>
+            <p:cNvPicPr/>
+            <p:nvPr/>
+          </p:nvPicPr>
+          <p:blipFill>
+            <a:blip r:embed="rId5" cstate="print">
+              <a:extLst>
+                <a:ext uri="{28A0092B-C50C-407E-A947-70E740481C1C}">
+                  <a14:useLocalDpi xmlns:a14="http://schemas.microsoft.com/office/drawing/2010/main" val="0"/>
+                </a:ext>
+              </a:extLst>
+            </a:blip>
+            <a:srcRect/>
+            <a:stretch>
+              <a:fillRect/>
+            </a:stretch>
+          </p:blipFill>
+          <p:spPr bwMode="auto">
+            <a:xfrm>
+              <a:off x="1763688" y="3795886"/>
+              <a:ext cx="216024" cy="215309"/>
+            </a:xfrm>
+            <a:prstGeom prst="rect">
+              <a:avLst/>
+            </a:prstGeom>
+            <a:noFill/>
+            <a:ln>
+              <a:noFill/>
+            </a:ln>
+            <a:extLst/>
+          </p:spPr>
+        </p:pic>
+      </p:grpSp>
+      <p:grpSp>
+        <p:nvGrpSpPr>
+          <p:cNvPr id="5" name="群組 4"/>
+          <p:cNvGrpSpPr/>
+          <p:nvPr/>
+        </p:nvGrpSpPr>
+        <p:grpSpPr>
+          <a:xfrm>
+            <a:off x="4608812" y="1203884"/>
+            <a:ext cx="3829376" cy="2308945"/>
+            <a:chOff x="1907704" y="1203598"/>
+            <a:chExt cx="5040560" cy="3039235"/>
+          </a:xfrm>
+        </p:grpSpPr>
+        <p:pic>
+          <p:nvPicPr>
+            <p:cNvPr id="6" name="Picture 6"/>
+            <p:cNvPicPr>
+              <a:picLocks noChangeAspect="1" noChangeArrowheads="1"/>
+            </p:cNvPicPr>
+            <p:nvPr/>
+          </p:nvPicPr>
+          <p:blipFill>
+            <a:blip r:embed="rId6" cstate="print"/>
+            <a:srcRect/>
+            <a:stretch>
+              <a:fillRect/>
+            </a:stretch>
+          </p:blipFill>
+          <p:spPr bwMode="auto">
+            <a:xfrm>
+              <a:off x="1907704" y="1203598"/>
+              <a:ext cx="5040560" cy="3039235"/>
+            </a:xfrm>
+            <a:prstGeom prst="rect">
+              <a:avLst/>
+            </a:prstGeom>
+            <a:noFill/>
+            <a:ln w="9525">
+              <a:noFill/>
+              <a:miter lim="800000"/>
+              <a:headEnd/>
+              <a:tailEnd/>
+            </a:ln>
+          </p:spPr>
+        </p:pic>
+        <p:pic>
+          <p:nvPicPr>
+            <p:cNvPr id="7" name="圖片 6" descr="F-icon_11.gif">
+              <a:hlinkClick r:id="rId4"/>
+            </p:cNvPr>
+            <p:cNvPicPr/>
+            <p:nvPr/>
+          </p:nvPicPr>
+          <p:blipFill>
+            <a:blip r:embed="rId7" cstate="print">
+              <a:extLst>
+                <a:ext uri="{28A0092B-C50C-407E-A947-70E740481C1C}">
+                  <a14:useLocalDpi xmlns:a14="http://schemas.microsoft.com/office/drawing/2010/main" val="0"/>
+                </a:ext>
+              </a:extLst>
+            </a:blip>
+            <a:srcRect/>
+            <a:stretch>
+              <a:fillRect/>
+            </a:stretch>
+          </p:blipFill>
+          <p:spPr bwMode="auto">
+            <a:xfrm>
+              <a:off x="1907704" y="4011910"/>
+              <a:ext cx="216024" cy="215309"/>
+            </a:xfrm>
+            <a:prstGeom prst="rect">
+              <a:avLst/>
+            </a:prstGeom>
+            <a:noFill/>
+            <a:ln>
+              <a:noFill/>
+            </a:ln>
+            <a:extLst/>
+          </p:spPr>
+        </p:pic>
+      </p:grpSp>
+      <p:sp>
+        <p:nvSpPr>
+          <p:cNvPr id="8" name="矩形 7"/>
+          <p:cNvSpPr/>
+          <p:nvPr/>
+        </p:nvSpPr>
+        <p:spPr>
+          <a:xfrm>
+            <a:off x="8695656" y="2084027"/>
+            <a:ext cx="3327149" cy="738664"/>
+          </a:xfrm>
+          <a:prstGeom prst="rect">
+            <a:avLst/>
+          </a:prstGeom>
+        </p:spPr>
+        <p:txBody>
+          <a:bodyPr wrap="square">
+            <a:spAutoFit/>
+          </a:bodyPr>
+          <a:lstStyle/>
+          <a:p>
+            <a:r>
+              <a:rPr lang="zh-TW" altLang="en-US" sz="1400" b="1" dirty="0">
+                <a:latin typeface="微軟正黑體" panose="020B0604030504040204" pitchFamily="34" charset="-120"/>
+                <a:ea typeface="微軟正黑體" panose="020B0604030504040204" pitchFamily="34" charset="-120"/>
+                <a:cs typeface="Times New Roman" pitchFamily="18" charset="0"/>
+              </a:rPr>
+              <a:t>當某一變數的值會隨著另一個變數的值</a:t>
+            </a:r>
+            <a:r>
+              <a:rPr lang="zh-TW" altLang="en-US" sz="1400" b="1" dirty="0" smtClean="0">
+                <a:latin typeface="微軟正黑體" panose="020B0604030504040204" pitchFamily="34" charset="-120"/>
+                <a:ea typeface="微軟正黑體" panose="020B0604030504040204" pitchFamily="34" charset="-120"/>
+                <a:cs typeface="Times New Roman" pitchFamily="18" charset="0"/>
+              </a:rPr>
+              <a:t>增加</a:t>
+            </a:r>
+            <a:r>
+              <a:rPr lang="en-US" altLang="zh-TW" sz="1400" b="1" dirty="0" smtClean="0">
+                <a:latin typeface="微軟正黑體" panose="020B0604030504040204" pitchFamily="34" charset="-120"/>
+                <a:ea typeface="微軟正黑體" panose="020B0604030504040204" pitchFamily="34" charset="-120"/>
+                <a:cs typeface="Times New Roman" pitchFamily="18" charset="0"/>
+              </a:rPr>
+              <a:t>(</a:t>
+            </a:r>
+            <a:r>
+              <a:rPr lang="zh-TW" altLang="en-US" sz="1400" b="1" dirty="0" smtClean="0">
+                <a:latin typeface="微軟正黑體" panose="020B0604030504040204" pitchFamily="34" charset="-120"/>
+                <a:ea typeface="微軟正黑體" panose="020B0604030504040204" pitchFamily="34" charset="-120"/>
+                <a:cs typeface="Times New Roman" pitchFamily="18" charset="0"/>
+              </a:rPr>
+              <a:t>減少</a:t>
+            </a:r>
+            <a:r>
+              <a:rPr lang="en-US" altLang="zh-TW" sz="1400" b="1" dirty="0" smtClean="0">
+                <a:latin typeface="微軟正黑體" panose="020B0604030504040204" pitchFamily="34" charset="-120"/>
+                <a:ea typeface="微軟正黑體" panose="020B0604030504040204" pitchFamily="34" charset="-120"/>
+                <a:cs typeface="Times New Roman" pitchFamily="18" charset="0"/>
+              </a:rPr>
+              <a:t>)</a:t>
+            </a:r>
+            <a:r>
+              <a:rPr lang="zh-TW" altLang="en-US" sz="1400" b="1" dirty="0" smtClean="0">
+                <a:latin typeface="微軟正黑體" panose="020B0604030504040204" pitchFamily="34" charset="-120"/>
+                <a:ea typeface="微軟正黑體" panose="020B0604030504040204" pitchFamily="34" charset="-120"/>
+                <a:cs typeface="Times New Roman" pitchFamily="18" charset="0"/>
+              </a:rPr>
+              <a:t>而增加</a:t>
+            </a:r>
+            <a:r>
+              <a:rPr lang="en-US" altLang="zh-TW" sz="1400" b="1" dirty="0">
+                <a:latin typeface="微軟正黑體" panose="020B0604030504040204" pitchFamily="34" charset="-120"/>
+                <a:ea typeface="微軟正黑體" panose="020B0604030504040204" pitchFamily="34" charset="-120"/>
+                <a:cs typeface="Times New Roman" pitchFamily="18" charset="0"/>
+              </a:rPr>
+              <a:t>(</a:t>
+            </a:r>
+            <a:r>
+              <a:rPr lang="zh-TW" altLang="en-US" sz="1400" b="1" dirty="0">
+                <a:latin typeface="微軟正黑體" panose="020B0604030504040204" pitchFamily="34" charset="-120"/>
+                <a:ea typeface="微軟正黑體" panose="020B0604030504040204" pitchFamily="34" charset="-120"/>
+                <a:cs typeface="Times New Roman" pitchFamily="18" charset="0"/>
+              </a:rPr>
+              <a:t>減少</a:t>
+            </a:r>
+            <a:r>
+              <a:rPr lang="en-US" altLang="zh-TW" sz="1400" b="1" dirty="0">
+                <a:latin typeface="微軟正黑體" panose="020B0604030504040204" pitchFamily="34" charset="-120"/>
+                <a:ea typeface="微軟正黑體" panose="020B0604030504040204" pitchFamily="34" charset="-120"/>
+                <a:cs typeface="Times New Roman" pitchFamily="18" charset="0"/>
+              </a:rPr>
+              <a:t>) </a:t>
+            </a:r>
+            <a:r>
+              <a:rPr lang="zh-TW" altLang="en-US" sz="1400" b="1" dirty="0" smtClean="0">
+                <a:latin typeface="微軟正黑體" panose="020B0604030504040204" pitchFamily="34" charset="-120"/>
+                <a:ea typeface="微軟正黑體" panose="020B0604030504040204" pitchFamily="34" charset="-120"/>
+                <a:cs typeface="Times New Roman" pitchFamily="18" charset="0"/>
+              </a:rPr>
+              <a:t>，就</a:t>
+            </a:r>
+            <a:r>
+              <a:rPr lang="zh-TW" altLang="en-US" sz="1400" b="1" dirty="0">
+                <a:latin typeface="微軟正黑體" panose="020B0604030504040204" pitchFamily="34" charset="-120"/>
+                <a:ea typeface="微軟正黑體" panose="020B0604030504040204" pitchFamily="34" charset="-120"/>
+                <a:cs typeface="Times New Roman" pitchFamily="18" charset="0"/>
+              </a:rPr>
+              <a:t>稱兩個變數為正</a:t>
+            </a:r>
+            <a:r>
+              <a:rPr lang="zh-TW" altLang="en-US" sz="1400" b="1" dirty="0" smtClean="0">
+                <a:latin typeface="微軟正黑體" panose="020B0604030504040204" pitchFamily="34" charset="-120"/>
+                <a:ea typeface="微軟正黑體" panose="020B0604030504040204" pitchFamily="34" charset="-120"/>
+                <a:cs typeface="Times New Roman" pitchFamily="18" charset="0"/>
+              </a:rPr>
+              <a:t>相關</a:t>
+            </a:r>
+            <a:endParaRPr lang="en-US" altLang="zh-TW" sz="1400" b="1" dirty="0">
+              <a:latin typeface="微軟正黑體" panose="020B0604030504040204" pitchFamily="34" charset="-120"/>
+              <a:ea typeface="微軟正黑體" panose="020B0604030504040204" pitchFamily="34" charset="-120"/>
+              <a:cs typeface="Times New Roman" pitchFamily="18" charset="0"/>
+            </a:endParaRPr>
+          </a:p>
+        </p:txBody>
+      </p:sp>
+      <p:grpSp>
+        <p:nvGrpSpPr>
+          <p:cNvPr id="9" name="群組 8"/>
+          <p:cNvGrpSpPr/>
+          <p:nvPr/>
+        </p:nvGrpSpPr>
+        <p:grpSpPr>
+          <a:xfrm>
+            <a:off x="4608812" y="3959106"/>
+            <a:ext cx="3829376" cy="2318545"/>
+            <a:chOff x="1691681" y="1383619"/>
+            <a:chExt cx="5967413" cy="2699147"/>
+          </a:xfrm>
+        </p:grpSpPr>
+        <p:pic>
+          <p:nvPicPr>
+            <p:cNvPr id="10" name="Picture 5"/>
+            <p:cNvPicPr>
+              <a:picLocks noChangeAspect="1" noChangeArrowheads="1"/>
+            </p:cNvPicPr>
+            <p:nvPr/>
+          </p:nvPicPr>
+          <p:blipFill>
+            <a:blip r:embed="rId8" cstate="print"/>
+            <a:srcRect/>
+            <a:stretch>
+              <a:fillRect/>
+            </a:stretch>
+          </p:blipFill>
+          <p:spPr bwMode="auto">
+            <a:xfrm>
+              <a:off x="1691681" y="1383619"/>
+              <a:ext cx="5967413" cy="2699147"/>
+            </a:xfrm>
+            <a:prstGeom prst="rect">
+              <a:avLst/>
+            </a:prstGeom>
+            <a:noFill/>
+            <a:ln w="9525">
+              <a:noFill/>
+              <a:miter lim="800000"/>
+              <a:headEnd/>
+              <a:tailEnd/>
+            </a:ln>
+          </p:spPr>
+        </p:pic>
+        <p:pic>
+          <p:nvPicPr>
+            <p:cNvPr id="11" name="圖片 10" descr="F-icon_11.gif">
+              <a:hlinkClick r:id="rId4"/>
+            </p:cNvPr>
+            <p:cNvPicPr/>
+            <p:nvPr/>
+          </p:nvPicPr>
+          <p:blipFill>
+            <a:blip r:embed="rId9" cstate="print">
+              <a:extLst>
+                <a:ext uri="{28A0092B-C50C-407E-A947-70E740481C1C}">
+                  <a14:useLocalDpi xmlns:a14="http://schemas.microsoft.com/office/drawing/2010/main" val="0"/>
+                </a:ext>
+              </a:extLst>
+            </a:blip>
+            <a:srcRect/>
+            <a:stretch>
+              <a:fillRect/>
+            </a:stretch>
+          </p:blipFill>
+          <p:spPr bwMode="auto">
+            <a:xfrm>
+              <a:off x="1763688" y="3825503"/>
+              <a:ext cx="216024" cy="215309"/>
+            </a:xfrm>
+            <a:prstGeom prst="rect">
+              <a:avLst/>
+            </a:prstGeom>
+            <a:noFill/>
+            <a:ln>
+              <a:noFill/>
+            </a:ln>
+            <a:extLst/>
+          </p:spPr>
+        </p:pic>
+      </p:grpSp>
+      <p:sp>
+        <p:nvSpPr>
+          <p:cNvPr id="16" name="矩形 15"/>
+          <p:cNvSpPr/>
+          <p:nvPr/>
+        </p:nvSpPr>
+        <p:spPr>
+          <a:xfrm>
+            <a:off x="8690689" y="4749046"/>
+            <a:ext cx="3329420" cy="738664"/>
+          </a:xfrm>
+          <a:prstGeom prst="rect">
+            <a:avLst/>
+          </a:prstGeom>
+        </p:spPr>
+        <p:txBody>
+          <a:bodyPr wrap="square">
+            <a:spAutoFit/>
+          </a:bodyPr>
+          <a:lstStyle/>
+          <a:p>
+            <a:r>
+              <a:rPr lang="zh-TW" altLang="en-US" sz="1400" b="1" dirty="0">
+                <a:latin typeface="微軟正黑體" panose="020B0604030504040204" pitchFamily="34" charset="-120"/>
+                <a:ea typeface="微軟正黑體" panose="020B0604030504040204" pitchFamily="34" charset="-120"/>
+                <a:cs typeface="Times New Roman" pitchFamily="18" charset="0"/>
+              </a:rPr>
+              <a:t>當某一變數的值會隨著另一個變數的值</a:t>
+            </a:r>
+            <a:r>
+              <a:rPr lang="zh-TW" altLang="en-US" sz="1400" b="1" dirty="0" smtClean="0">
+                <a:latin typeface="微軟正黑體" panose="020B0604030504040204" pitchFamily="34" charset="-120"/>
+                <a:ea typeface="微軟正黑體" panose="020B0604030504040204" pitchFamily="34" charset="-120"/>
+                <a:cs typeface="Times New Roman" pitchFamily="18" charset="0"/>
+              </a:rPr>
+              <a:t>增加</a:t>
+            </a:r>
+            <a:r>
+              <a:rPr lang="en-US" altLang="zh-TW" sz="1400" b="1" dirty="0" smtClean="0">
+                <a:latin typeface="微軟正黑體" panose="020B0604030504040204" pitchFamily="34" charset="-120"/>
+                <a:ea typeface="微軟正黑體" panose="020B0604030504040204" pitchFamily="34" charset="-120"/>
+                <a:cs typeface="Times New Roman" pitchFamily="18" charset="0"/>
+              </a:rPr>
+              <a:t>(</a:t>
+            </a:r>
+            <a:r>
+              <a:rPr lang="zh-TW" altLang="en-US" sz="1400" b="1" dirty="0" smtClean="0">
+                <a:latin typeface="微軟正黑體" panose="020B0604030504040204" pitchFamily="34" charset="-120"/>
+                <a:ea typeface="微軟正黑體" panose="020B0604030504040204" pitchFamily="34" charset="-120"/>
+                <a:cs typeface="Times New Roman" pitchFamily="18" charset="0"/>
+              </a:rPr>
+              <a:t>減少</a:t>
+            </a:r>
+            <a:r>
+              <a:rPr lang="en-US" altLang="zh-TW" sz="1400" b="1" dirty="0" smtClean="0">
+                <a:latin typeface="微軟正黑體" panose="020B0604030504040204" pitchFamily="34" charset="-120"/>
+                <a:ea typeface="微軟正黑體" panose="020B0604030504040204" pitchFamily="34" charset="-120"/>
+                <a:cs typeface="Times New Roman" pitchFamily="18" charset="0"/>
+              </a:rPr>
+              <a:t>)</a:t>
+            </a:r>
+            <a:r>
+              <a:rPr lang="zh-TW" altLang="en-US" sz="1400" b="1" dirty="0" smtClean="0">
+                <a:latin typeface="微軟正黑體" panose="020B0604030504040204" pitchFamily="34" charset="-120"/>
+                <a:ea typeface="微軟正黑體" panose="020B0604030504040204" pitchFamily="34" charset="-120"/>
+                <a:cs typeface="Times New Roman" pitchFamily="18" charset="0"/>
+              </a:rPr>
+              <a:t>而減少</a:t>
+            </a:r>
+            <a:r>
+              <a:rPr lang="en-US" altLang="zh-TW" sz="1400" b="1" dirty="0" smtClean="0">
+                <a:latin typeface="微軟正黑體" panose="020B0604030504040204" pitchFamily="34" charset="-120"/>
+                <a:ea typeface="微軟正黑體" panose="020B0604030504040204" pitchFamily="34" charset="-120"/>
+                <a:cs typeface="Times New Roman" pitchFamily="18" charset="0"/>
+              </a:rPr>
+              <a:t>(</a:t>
+            </a:r>
+            <a:r>
+              <a:rPr lang="zh-TW" altLang="en-US" sz="1400" b="1" dirty="0" smtClean="0">
+                <a:latin typeface="微軟正黑體" panose="020B0604030504040204" pitchFamily="34" charset="-120"/>
+                <a:ea typeface="微軟正黑體" panose="020B0604030504040204" pitchFamily="34" charset="-120"/>
+                <a:cs typeface="Times New Roman" pitchFamily="18" charset="0"/>
+              </a:rPr>
+              <a:t>增加</a:t>
+            </a:r>
+            <a:r>
+              <a:rPr lang="en-US" altLang="zh-TW" sz="1400" b="1" dirty="0" smtClean="0">
+                <a:latin typeface="微軟正黑體" panose="020B0604030504040204" pitchFamily="34" charset="-120"/>
+                <a:ea typeface="微軟正黑體" panose="020B0604030504040204" pitchFamily="34" charset="-120"/>
+                <a:cs typeface="Times New Roman" pitchFamily="18" charset="0"/>
+              </a:rPr>
+              <a:t>)</a:t>
+            </a:r>
+            <a:r>
+              <a:rPr lang="zh-TW" altLang="en-US" sz="1400" b="1" dirty="0" smtClean="0">
+                <a:latin typeface="微軟正黑體" panose="020B0604030504040204" pitchFamily="34" charset="-120"/>
+                <a:ea typeface="微軟正黑體" panose="020B0604030504040204" pitchFamily="34" charset="-120"/>
+                <a:cs typeface="Times New Roman" pitchFamily="18" charset="0"/>
+              </a:rPr>
+              <a:t>，就稱兩</a:t>
+            </a:r>
+            <a:r>
+              <a:rPr lang="zh-TW" altLang="en-US" sz="1400" b="1" dirty="0">
+                <a:latin typeface="微軟正黑體" panose="020B0604030504040204" pitchFamily="34" charset="-120"/>
+                <a:ea typeface="微軟正黑體" panose="020B0604030504040204" pitchFamily="34" charset="-120"/>
+                <a:cs typeface="Times New Roman" pitchFamily="18" charset="0"/>
+              </a:rPr>
+              <a:t>個變數負</a:t>
+            </a:r>
+            <a:r>
+              <a:rPr lang="zh-TW" altLang="en-US" sz="1400" b="1" dirty="0" smtClean="0">
+                <a:latin typeface="微軟正黑體" panose="020B0604030504040204" pitchFamily="34" charset="-120"/>
+                <a:ea typeface="微軟正黑體" panose="020B0604030504040204" pitchFamily="34" charset="-120"/>
+                <a:cs typeface="Times New Roman" pitchFamily="18" charset="0"/>
+              </a:rPr>
+              <a:t>相關</a:t>
+            </a:r>
+            <a:endParaRPr lang="zh-TW" altLang="en-US" dirty="0">
+              <a:latin typeface="Times New Roman" pitchFamily="18" charset="0"/>
+              <a:ea typeface="標楷體" pitchFamily="65" charset="-120"/>
+              <a:cs typeface="Times New Roman" pitchFamily="18" charset="0"/>
+            </a:endParaRPr>
+          </a:p>
+        </p:txBody>
+      </p:sp>
+    </p:spTree>
+    <p:extLst>
+      <p:ext uri="{BB962C8B-B14F-4D97-AF65-F5344CB8AC3E}">
+        <p14:creationId xmlns:p14="http://schemas.microsoft.com/office/powerpoint/2010/main" val="1250085818"/>
+      </p:ext>
+    </p:extLst>
+  </p:cSld>
+  <p:clrMapOvr>
+    <a:masterClrMapping/>
+  </p:clrMapOvr>
+  <p:timing>
+    <p:tnLst>
+      <p:par>
+        <p:cTn id="1" dur="indefinite" restart="never" nodeType="tmRoot">
+          <p:childTnLst>
+            <p:seq concurrent="1" nextAc="seek">
+              <p:cTn id="2" dur="indefinite" nodeType="mainSeq">
+                <p:childTnLst>
+                  <p:par>
+                    <p:cTn id="3" fill="hold">
+                      <p:stCondLst>
+                        <p:cond delay="indefinite"/>
+                      </p:stCondLst>
+                      <p:childTnLst>
+                        <p:par>
+                          <p:cTn id="4" fill="hold">
+                            <p:stCondLst>
+                              <p:cond delay="0"/>
+                            </p:stCondLst>
+                            <p:childTnLst>
+                              <p:par>
+                                <p:cTn id="5" presetID="10" presetClass="entr" presetSubtype="0" fill="hold" nodeType="clickEffect">
+                                  <p:stCondLst>
+                                    <p:cond delay="0"/>
+                                  </p:stCondLst>
+                                  <p:childTnLst>
+                                    <p:set>
+                                      <p:cBhvr>
+                                        <p:cTn id="6" dur="1" fill="hold">
+                                          <p:stCondLst>
+                                            <p:cond delay="0"/>
+                                          </p:stCondLst>
+                                        </p:cTn>
+                                        <p:tgtEl>
+                                          <p:spTgt spid="13"/>
+                                        </p:tgtEl>
+                                        <p:attrNameLst>
+                                          <p:attrName>style.visibility</p:attrName>
+                                        </p:attrNameLst>
+                                      </p:cBhvr>
+                                      <p:to>
+                                        <p:strVal val="visible"/>
+                                      </p:to>
+                                    </p:set>
+                                    <p:animEffect transition="in" filter="fade">
+                                      <p:cBhvr>
+                                        <p:cTn id="7" dur="500"/>
+                                        <p:tgtEl>
+                                          <p:spTgt spid="13"/>
+                                        </p:tgtEl>
+                                      </p:cBhvr>
+                                    </p:animEffect>
+                                  </p:childTnLst>
+                                </p:cTn>
+                              </p:par>
+                            </p:childTnLst>
+                          </p:cTn>
+                        </p:par>
+                      </p:childTnLst>
+                    </p:cTn>
+                  </p:par>
+                  <p:par>
+                    <p:cTn id="8" fill="hold">
+                      <p:stCondLst>
+                        <p:cond delay="indefinite"/>
+                      </p:stCondLst>
+                      <p:childTnLst>
+                        <p:par>
+                          <p:cTn id="9" fill="hold">
+                            <p:stCondLst>
+                              <p:cond delay="0"/>
+                            </p:stCondLst>
+                            <p:childTnLst>
+                              <p:par>
+                                <p:cTn id="10" presetID="10" presetClass="entr" presetSubtype="0" fill="hold" nodeType="clickEffect">
+                                  <p:stCondLst>
+                                    <p:cond delay="0"/>
+                                  </p:stCondLst>
+                                  <p:childTnLst>
+                                    <p:set>
+                                      <p:cBhvr>
+                                        <p:cTn id="11" dur="1" fill="hold">
+                                          <p:stCondLst>
+                                            <p:cond delay="0"/>
+                                          </p:stCondLst>
+                                        </p:cTn>
+                                        <p:tgtEl>
+                                          <p:spTgt spid="5"/>
+                                        </p:tgtEl>
+                                        <p:attrNameLst>
+                                          <p:attrName>style.visibility</p:attrName>
+                                        </p:attrNameLst>
+                                      </p:cBhvr>
+                                      <p:to>
+                                        <p:strVal val="visible"/>
+                                      </p:to>
+                                    </p:set>
+                                    <p:animEffect transition="in" filter="fade">
+                                      <p:cBhvr>
+                                        <p:cTn id="12" dur="500"/>
+                                        <p:tgtEl>
+                                          <p:spTgt spid="5"/>
+                                        </p:tgtEl>
+                                      </p:cBhvr>
+                                    </p:animEffect>
+                                  </p:childTnLst>
+                                </p:cTn>
+                              </p:par>
+                              <p:par>
+                                <p:cTn id="13" presetID="10" presetClass="entr" presetSubtype="0" fill="hold" grpId="0" nodeType="withEffect">
+                                  <p:stCondLst>
+                                    <p:cond delay="0"/>
+                                  </p:stCondLst>
+                                  <p:childTnLst>
+                                    <p:set>
+                                      <p:cBhvr>
+                                        <p:cTn id="14" dur="1" fill="hold">
+                                          <p:stCondLst>
+                                            <p:cond delay="0"/>
+                                          </p:stCondLst>
+                                        </p:cTn>
+                                        <p:tgtEl>
+                                          <p:spTgt spid="8"/>
+                                        </p:tgtEl>
+                                        <p:attrNameLst>
+                                          <p:attrName>style.visibility</p:attrName>
+                                        </p:attrNameLst>
+                                      </p:cBhvr>
+                                      <p:to>
+                                        <p:strVal val="visible"/>
+                                      </p:to>
+                                    </p:set>
+                                    <p:animEffect transition="in" filter="fade">
+                                      <p:cBhvr>
+                                        <p:cTn id="15" dur="500"/>
+                                        <p:tgtEl>
+                                          <p:spTgt spid="8"/>
+                                        </p:tgtEl>
+                                      </p:cBhvr>
+                                    </p:animEffect>
+                                  </p:childTnLst>
+                                </p:cTn>
+                              </p:par>
+                            </p:childTnLst>
+                          </p:cTn>
+                        </p:par>
+                      </p:childTnLst>
+                    </p:cTn>
+                  </p:par>
+                  <p:par>
+                    <p:cTn id="16" fill="hold">
+                      <p:stCondLst>
+                        <p:cond delay="indefinite"/>
+                      </p:stCondLst>
+                      <p:childTnLst>
+                        <p:par>
+                          <p:cTn id="17" fill="hold">
+                            <p:stCondLst>
+                              <p:cond delay="0"/>
+                            </p:stCondLst>
+                            <p:childTnLst>
+                              <p:par>
+                                <p:cTn id="18" presetID="10" presetClass="entr" presetSubtype="0" fill="hold" nodeType="clickEffect">
+                                  <p:stCondLst>
+                                    <p:cond delay="0"/>
+                                  </p:stCondLst>
+                                  <p:childTnLst>
+                                    <p:set>
+                                      <p:cBhvr>
+                                        <p:cTn id="19" dur="1" fill="hold">
+                                          <p:stCondLst>
+                                            <p:cond delay="0"/>
+                                          </p:stCondLst>
+                                        </p:cTn>
+                                        <p:tgtEl>
+                                          <p:spTgt spid="9"/>
+                                        </p:tgtEl>
+                                        <p:attrNameLst>
+                                          <p:attrName>style.visibility</p:attrName>
+                                        </p:attrNameLst>
+                                      </p:cBhvr>
+                                      <p:to>
+                                        <p:strVal val="visible"/>
+                                      </p:to>
+                                    </p:set>
+                                    <p:animEffect transition="in" filter="fade">
+                                      <p:cBhvr>
+                                        <p:cTn id="20" dur="500"/>
+                                        <p:tgtEl>
+                                          <p:spTgt spid="9"/>
+                                        </p:tgtEl>
+                                      </p:cBhvr>
+                                    </p:animEffect>
+                                  </p:childTnLst>
+                                </p:cTn>
+                              </p:par>
+                              <p:par>
+                                <p:cTn id="21" presetID="10" presetClass="entr" presetSubtype="0" fill="hold" grpId="0" nodeType="withEffect">
+                                  <p:stCondLst>
+                                    <p:cond delay="0"/>
+                                  </p:stCondLst>
+                                  <p:childTnLst>
+                                    <p:set>
+                                      <p:cBhvr>
+                                        <p:cTn id="22" dur="1" fill="hold">
+                                          <p:stCondLst>
+                                            <p:cond delay="0"/>
+                                          </p:stCondLst>
+                                        </p:cTn>
+                                        <p:tgtEl>
+                                          <p:spTgt spid="16"/>
+                                        </p:tgtEl>
+                                        <p:attrNameLst>
+                                          <p:attrName>style.visibility</p:attrName>
+                                        </p:attrNameLst>
+                                      </p:cBhvr>
+                                      <p:to>
+                                        <p:strVal val="visible"/>
+                                      </p:to>
+                                    </p:set>
+                                    <p:animEffect transition="in" filter="fade">
+                                      <p:cBhvr>
+                                        <p:cTn id="23" dur="500"/>
+                                        <p:tgtEl>
+                                          <p:spTgt spid="16"/>
+                                        </p:tgtEl>
+                                      </p:cBhvr>
+                                    </p:animEffect>
+                                  </p:childTnLst>
+                                </p:cTn>
+                              </p:par>
+                            </p:childTnLst>
+                          </p:cTn>
+                        </p:par>
+                      </p:childTnLst>
+                    </p:cTn>
+                  </p:par>
+                </p:childTnLst>
+              </p:cTn>
+              <p:prevCondLst>
+                <p:cond evt="onPrev" delay="0">
+                  <p:tgtEl>
+                    <p:sldTgt/>
+                  </p:tgtEl>
+                </p:cond>
+              </p:prevCondLst>
+              <p:nextCondLst>
+                <p:cond evt="onNext" delay="0">
+                  <p:tgtEl>
+                    <p:sldTgt/>
+                  </p:tgtEl>
+                </p:cond>
+              </p:nextCondLst>
+            </p:seq>
+          </p:childTnLst>
+        </p:cTn>
+      </p:par>
+    </p:tnLst>
+    <p:bldLst>
+      <p:bldP spid="8" grpId="0"/>
+      <p:bldP spid="16" grpId="0"/>
+    </p:bldLst>
+  </p:timing>
+</p:sld>
+</file>
+
+<file path=ppt/slides/slide24.xml><?xml version="1.0" encoding="utf-8"?>
+<p:sld xmlns:a="http://schemas.openxmlformats.org/drawingml/2006/main" xmlns:r="http://schemas.openxmlformats.org/officeDocument/2006/relationships" xmlns:p="http://schemas.openxmlformats.org/presentationml/2006/main">
+  <p:cSld>
+    <p:spTree>
+      <p:nvGrpSpPr>
+        <p:cNvPr id="1" name=""/>
+        <p:cNvGrpSpPr/>
+        <p:nvPr/>
+      </p:nvGrpSpPr>
+      <p:grpSpPr>
+        <a:xfrm>
+          <a:off x="0" y="0"/>
+          <a:ext cx="0" cy="0"/>
+          <a:chOff x="0" y="0"/>
+          <a:chExt cx="0" cy="0"/>
+        </a:xfrm>
+      </p:grpSpPr>
       <p:pic>
         <p:nvPicPr>
           <p:cNvPr id="1026" name="Picture 2"/>
@@ -15380,7 +18588,7 @@
                 <a:latin typeface="微軟正黑體" panose="020B0604030504040204" pitchFamily="34" charset="-120"/>
                 <a:ea typeface="微軟正黑體" panose="020B0604030504040204" pitchFamily="34" charset="-120"/>
               </a:rPr>
-              <a:t>散布圖用來展現兩個數值行變項的關係，</a:t>
+              <a:t>散布圖用來展現兩個數值型變項的關係，</a:t>
             </a:r>
             <a:endParaRPr lang="en-US" altLang="zh-TW" sz="2400" b="1" dirty="0" smtClean="0">
               <a:latin typeface="微軟正黑體" panose="020B0604030504040204" pitchFamily="34" charset="-120"/>
@@ -15400,7 +18608,7 @@
                 <a:latin typeface="微軟正黑體" panose="020B0604030504040204" pitchFamily="34" charset="-120"/>
                 <a:ea typeface="微軟正黑體" panose="020B0604030504040204" pitchFamily="34" charset="-120"/>
               </a:rPr>
-              <a:t>位置映射出在兩個變項的值。</a:t>
+              <a:t>位置映射出兩個變項的值。</a:t>
             </a:r>
             <a:endParaRPr lang="zh-TW" altLang="en-US" sz="2400" b="1" dirty="0">
               <a:latin typeface="微軟正黑體" panose="020B0604030504040204" pitchFamily="34" charset="-120"/>
@@ -15687,7 +18895,7 @@
 </p:sld>
 </file>
 
-<file path=ppt/slides/slide24.xml><?xml version="1.0" encoding="utf-8"?>
+<file path=ppt/slides/slide25.xml><?xml version="1.0" encoding="utf-8"?>
 <p:sld xmlns:a="http://schemas.openxmlformats.org/drawingml/2006/main" xmlns:r="http://schemas.openxmlformats.org/officeDocument/2006/relationships" xmlns:p="http://schemas.openxmlformats.org/presentationml/2006/main">
   <p:cSld>
     <p:spTree>
@@ -15863,7 +19071,7 @@
 </p:sld>
 </file>
 
-<file path=ppt/slides/slide25.xml><?xml version="1.0" encoding="utf-8"?>
+<file path=ppt/slides/slide26.xml><?xml version="1.0" encoding="utf-8"?>
 <p:sld xmlns:a="http://schemas.openxmlformats.org/drawingml/2006/main" xmlns:r="http://schemas.openxmlformats.org/officeDocument/2006/relationships" xmlns:p="http://schemas.openxmlformats.org/presentationml/2006/main">
   <p:cSld>
     <p:spTree>
@@ -16009,10 +19217,170 @@
           </a:extLst>
         </p:spPr>
       </p:pic>
+      <p:sp>
+        <p:nvSpPr>
+          <p:cNvPr id="8" name="文字方塊 7"/>
+          <p:cNvSpPr txBox="1"/>
+          <p:nvPr/>
+        </p:nvSpPr>
+        <p:spPr>
+          <a:xfrm>
+            <a:off x="7315201" y="3332588"/>
+            <a:ext cx="3829895" cy="1200329"/>
+          </a:xfrm>
+          <a:prstGeom prst="rect">
+            <a:avLst/>
+          </a:prstGeom>
+          <a:noFill/>
+        </p:spPr>
+        <p:txBody>
+          <a:bodyPr wrap="none" rtlCol="0">
+            <a:spAutoFit/>
+          </a:bodyPr>
+          <a:lstStyle/>
+          <a:p>
+            <a:r>
+              <a:rPr lang="zh-TW" altLang="en-US" sz="2400" b="1" dirty="0" smtClean="0">
+                <a:latin typeface="微軟正黑體" panose="020B0604030504040204" pitchFamily="34" charset="-120"/>
+                <a:ea typeface="微軟正黑體" panose="020B0604030504040204" pitchFamily="34" charset="-120"/>
+              </a:rPr>
+              <a:t>相關係數 </a:t>
+            </a:r>
+            <a:r>
+              <a:rPr lang="en-US" altLang="zh-TW" sz="2400" b="1" dirty="0" smtClean="0">
+                <a:latin typeface="微軟正黑體" panose="020B0604030504040204" pitchFamily="34" charset="-120"/>
+                <a:ea typeface="微軟正黑體" panose="020B0604030504040204" pitchFamily="34" charset="-120"/>
+              </a:rPr>
+              <a:t>&gt;</a:t>
+            </a:r>
+            <a:r>
+              <a:rPr lang="zh-TW" altLang="en-US" sz="2400" b="1" dirty="0" smtClean="0">
+                <a:latin typeface="微軟正黑體" panose="020B0604030504040204" pitchFamily="34" charset="-120"/>
+                <a:ea typeface="微軟正黑體" panose="020B0604030504040204" pitchFamily="34" charset="-120"/>
+              </a:rPr>
+              <a:t> </a:t>
+            </a:r>
+            <a:r>
+              <a:rPr lang="en-US" altLang="zh-TW" sz="2400" b="1" dirty="0" smtClean="0">
+                <a:latin typeface="微軟正黑體" panose="020B0604030504040204" pitchFamily="34" charset="-120"/>
+                <a:ea typeface="微軟正黑體" panose="020B0604030504040204" pitchFamily="34" charset="-120"/>
+              </a:rPr>
+              <a:t>0</a:t>
+            </a:r>
+            <a:r>
+              <a:rPr lang="zh-TW" altLang="en-US" sz="2400" b="1" dirty="0" smtClean="0">
+                <a:latin typeface="微軟正黑體" panose="020B0604030504040204" pitchFamily="34" charset="-120"/>
+                <a:ea typeface="微軟正黑體" panose="020B0604030504040204" pitchFamily="34" charset="-120"/>
+              </a:rPr>
+              <a:t>，則為正相關</a:t>
+            </a:r>
+            <a:endParaRPr lang="en-US" altLang="zh-TW" sz="2400" b="1" dirty="0" smtClean="0">
+              <a:latin typeface="微軟正黑體" panose="020B0604030504040204" pitchFamily="34" charset="-120"/>
+              <a:ea typeface="微軟正黑體" panose="020B0604030504040204" pitchFamily="34" charset="-120"/>
+            </a:endParaRPr>
+          </a:p>
+          <a:p>
+            <a:r>
+              <a:rPr lang="zh-TW" altLang="en-US" sz="2400" b="1" dirty="0">
+                <a:latin typeface="微軟正黑體" panose="020B0604030504040204" pitchFamily="34" charset="-120"/>
+                <a:ea typeface="微軟正黑體" panose="020B0604030504040204" pitchFamily="34" charset="-120"/>
+              </a:rPr>
+              <a:t>相關</a:t>
+            </a:r>
+            <a:r>
+              <a:rPr lang="zh-TW" altLang="en-US" sz="2400" b="1" dirty="0" smtClean="0">
+                <a:latin typeface="微軟正黑體" panose="020B0604030504040204" pitchFamily="34" charset="-120"/>
+                <a:ea typeface="微軟正黑體" panose="020B0604030504040204" pitchFamily="34" charset="-120"/>
+              </a:rPr>
+              <a:t>係數 </a:t>
+            </a:r>
+            <a:r>
+              <a:rPr lang="en-US" altLang="zh-TW" sz="2400" b="1" dirty="0" smtClean="0">
+                <a:latin typeface="微軟正黑體" panose="020B0604030504040204" pitchFamily="34" charset="-120"/>
+                <a:ea typeface="微軟正黑體" panose="020B0604030504040204" pitchFamily="34" charset="-120"/>
+              </a:rPr>
+              <a:t>&lt;</a:t>
+            </a:r>
+            <a:r>
+              <a:rPr lang="zh-TW" altLang="en-US" sz="2400" b="1" dirty="0" smtClean="0">
+                <a:latin typeface="微軟正黑體" panose="020B0604030504040204" pitchFamily="34" charset="-120"/>
+                <a:ea typeface="微軟正黑體" panose="020B0604030504040204" pitchFamily="34" charset="-120"/>
+              </a:rPr>
+              <a:t> </a:t>
+            </a:r>
+            <a:r>
+              <a:rPr lang="en-US" altLang="zh-TW" sz="2400" b="1" dirty="0" smtClean="0">
+                <a:latin typeface="微軟正黑體" panose="020B0604030504040204" pitchFamily="34" charset="-120"/>
+                <a:ea typeface="微軟正黑體" panose="020B0604030504040204" pitchFamily="34" charset="-120"/>
+              </a:rPr>
+              <a:t>0</a:t>
+            </a:r>
+            <a:r>
+              <a:rPr lang="zh-TW" altLang="en-US" sz="2400" b="1" dirty="0" smtClean="0">
+                <a:latin typeface="微軟正黑體" panose="020B0604030504040204" pitchFamily="34" charset="-120"/>
+                <a:ea typeface="微軟正黑體" panose="020B0604030504040204" pitchFamily="34" charset="-120"/>
+              </a:rPr>
+              <a:t>，則為負相關</a:t>
+            </a:r>
+            <a:endParaRPr lang="en-US" altLang="zh-TW" sz="2400" b="1" dirty="0" smtClean="0">
+              <a:latin typeface="微軟正黑體" panose="020B0604030504040204" pitchFamily="34" charset="-120"/>
+              <a:ea typeface="微軟正黑體" panose="020B0604030504040204" pitchFamily="34" charset="-120"/>
+            </a:endParaRPr>
+          </a:p>
+          <a:p>
+            <a:r>
+              <a:rPr lang="zh-TW" altLang="en-US" sz="2400" b="1" dirty="0">
+                <a:latin typeface="微軟正黑體" panose="020B0604030504040204" pitchFamily="34" charset="-120"/>
+                <a:ea typeface="微軟正黑體" panose="020B0604030504040204" pitchFamily="34" charset="-120"/>
+              </a:rPr>
+              <a:t>相關</a:t>
+            </a:r>
+            <a:r>
+              <a:rPr lang="zh-TW" altLang="en-US" sz="2400" b="1" dirty="0" smtClean="0">
+                <a:latin typeface="微軟正黑體" panose="020B0604030504040204" pitchFamily="34" charset="-120"/>
+                <a:ea typeface="微軟正黑體" panose="020B0604030504040204" pitchFamily="34" charset="-120"/>
+              </a:rPr>
+              <a:t>係數 </a:t>
+            </a:r>
+            <a:r>
+              <a:rPr lang="en-US" altLang="zh-TW" sz="2400" b="1" dirty="0" smtClean="0">
+                <a:latin typeface="微軟正黑體" panose="020B0604030504040204" pitchFamily="34" charset="-120"/>
+                <a:ea typeface="微軟正黑體" panose="020B0604030504040204" pitchFamily="34" charset="-120"/>
+              </a:rPr>
+              <a:t>=</a:t>
+            </a:r>
+            <a:r>
+              <a:rPr lang="zh-TW" altLang="en-US" sz="2400" b="1" dirty="0" smtClean="0">
+                <a:latin typeface="微軟正黑體" panose="020B0604030504040204" pitchFamily="34" charset="-120"/>
+                <a:ea typeface="微軟正黑體" panose="020B0604030504040204" pitchFamily="34" charset="-120"/>
+              </a:rPr>
+              <a:t> </a:t>
+            </a:r>
+            <a:r>
+              <a:rPr lang="en-US" altLang="zh-TW" sz="2400" b="1" dirty="0" smtClean="0">
+                <a:latin typeface="微軟正黑體" panose="020B0604030504040204" pitchFamily="34" charset="-120"/>
+                <a:ea typeface="微軟正黑體" panose="020B0604030504040204" pitchFamily="34" charset="-120"/>
+              </a:rPr>
+              <a:t>0</a:t>
+            </a:r>
+            <a:r>
+              <a:rPr lang="zh-TW" altLang="en-US" sz="2400" b="1" dirty="0" smtClean="0">
+                <a:latin typeface="微軟正黑體" panose="020B0604030504040204" pitchFamily="34" charset="-120"/>
+                <a:ea typeface="微軟正黑體" panose="020B0604030504040204" pitchFamily="34" charset="-120"/>
+              </a:rPr>
+              <a:t>，則不相關</a:t>
+            </a:r>
+            <a:endParaRPr lang="en-US" altLang="zh-TW" sz="2400" b="1" dirty="0" smtClean="0">
+              <a:latin typeface="微軟正黑體" panose="020B0604030504040204" pitchFamily="34" charset="-120"/>
+              <a:ea typeface="微軟正黑體" panose="020B0604030504040204" pitchFamily="34" charset="-120"/>
+            </a:endParaRPr>
+          </a:p>
+        </p:txBody>
+      </p:sp>
     </p:spTree>
     <p:extLst>
       <p:ext uri="{BB962C8B-B14F-4D97-AF65-F5344CB8AC3E}">
-        <p14:creationId xmlns:p14="http://schemas.microsoft.com/office/powerpoint/2010/main" val="1250085818"/>
+        <p14:creationId xmlns:p14="http://schemas.microsoft.com/office/powerpoint/2010/main" val="1175758027"/>
       </p:ext>
     </p:extLst>
   </p:cSld>
@@ -16029,7 +19397,7 @@
 </p:sld>
 </file>
 
-<file path=ppt/slides/slide26.xml><?xml version="1.0" encoding="utf-8"?>
+<file path=ppt/slides/slide27.xml><?xml version="1.0" encoding="utf-8"?>
 <p:sld xmlns:a="http://schemas.openxmlformats.org/drawingml/2006/main" xmlns:r="http://schemas.openxmlformats.org/officeDocument/2006/relationships" xmlns:p="http://schemas.openxmlformats.org/presentationml/2006/main">
   <p:cSld>
     <p:spTree>
@@ -16361,7 +19729,7 @@
 </p:sld>
 </file>
 
-<file path=ppt/slides/slide27.xml><?xml version="1.0" encoding="utf-8"?>
+<file path=ppt/slides/slide28.xml><?xml version="1.0" encoding="utf-8"?>
 <p:sld xmlns:a="http://schemas.openxmlformats.org/drawingml/2006/main" xmlns:r="http://schemas.openxmlformats.org/officeDocument/2006/relationships" xmlns:p="http://schemas.openxmlformats.org/presentationml/2006/main">
   <p:cSld>
     <p:spTree>
@@ -16527,7 +19895,7 @@
 </p:sld>
 </file>
 
-<file path=ppt/slides/slide28.xml><?xml version="1.0" encoding="utf-8"?>
+<file path=ppt/slides/slide29.xml><?xml version="1.0" encoding="utf-8"?>
 <p:sld xmlns:a="http://schemas.openxmlformats.org/drawingml/2006/main" xmlns:r="http://schemas.openxmlformats.org/officeDocument/2006/relationships" xmlns:p="http://schemas.openxmlformats.org/presentationml/2006/main">
   <p:cSld>
     <p:bg>
@@ -16800,7 +20168,284 @@
 </p:sld>
 </file>
 
-<file path=ppt/slides/slide29.xml><?xml version="1.0" encoding="utf-8"?>
+<file path=ppt/slides/slide3.xml><?xml version="1.0" encoding="utf-8"?>
+<p:sld xmlns:a="http://schemas.openxmlformats.org/drawingml/2006/main" xmlns:r="http://schemas.openxmlformats.org/officeDocument/2006/relationships" xmlns:p="http://schemas.openxmlformats.org/presentationml/2006/main">
+  <p:cSld>
+    <p:spTree>
+      <p:nvGrpSpPr>
+        <p:cNvPr id="1" name=""/>
+        <p:cNvGrpSpPr/>
+        <p:nvPr/>
+      </p:nvGrpSpPr>
+      <p:grpSpPr>
+        <a:xfrm>
+          <a:off x="0" y="0"/>
+          <a:ext cx="0" cy="0"/>
+          <a:chOff x="0" y="0"/>
+          <a:chExt cx="0" cy="0"/>
+        </a:xfrm>
+      </p:grpSpPr>
+      <p:sp>
+        <p:nvSpPr>
+          <p:cNvPr id="3" name="內容版面配置區 2"/>
+          <p:cNvSpPr>
+            <a:spLocks noGrp="1"/>
+          </p:cNvSpPr>
+          <p:nvPr>
+            <p:ph idx="1"/>
+          </p:nvPr>
+        </p:nvSpPr>
+        <p:spPr>
+          <a:xfrm>
+            <a:off x="1034140" y="1518575"/>
+            <a:ext cx="6558633" cy="4833257"/>
+          </a:xfrm>
+        </p:spPr>
+        <p:txBody>
+          <a:bodyPr>
+            <a:normAutofit/>
+          </a:bodyPr>
+          <a:lstStyle/>
+          <a:p>
+            <a:r>
+              <a:rPr lang="en-US" altLang="zh-TW" dirty="0" smtClean="0">
+                <a:latin typeface="微軟正黑體" panose="020B0604030504040204" pitchFamily="34" charset="-120"/>
+                <a:ea typeface="微軟正黑體" panose="020B0604030504040204" pitchFamily="34" charset="-120"/>
+              </a:rPr>
+              <a:t>Distribution(</a:t>
+            </a:r>
+            <a:r>
+              <a:rPr lang="zh-TW" altLang="en-US" dirty="0" smtClean="0">
+                <a:latin typeface="微軟正黑體" panose="020B0604030504040204" pitchFamily="34" charset="-120"/>
+                <a:ea typeface="微軟正黑體" panose="020B0604030504040204" pitchFamily="34" charset="-120"/>
+              </a:rPr>
+              <a:t>分布</a:t>
+            </a:r>
+            <a:r>
+              <a:rPr lang="en-US" altLang="zh-TW" dirty="0" smtClean="0">
+                <a:latin typeface="微軟正黑體" panose="020B0604030504040204" pitchFamily="34" charset="-120"/>
+                <a:ea typeface="微軟正黑體" panose="020B0604030504040204" pitchFamily="34" charset="-120"/>
+              </a:rPr>
+              <a:t>)</a:t>
+            </a:r>
+          </a:p>
+          <a:p>
+            <a:endParaRPr lang="en-US" altLang="zh-TW" dirty="0" smtClean="0">
+              <a:latin typeface="微軟正黑體" panose="020B0604030504040204" pitchFamily="34" charset="-120"/>
+              <a:ea typeface="微軟正黑體" panose="020B0604030504040204" pitchFamily="34" charset="-120"/>
+            </a:endParaRPr>
+          </a:p>
+          <a:p>
+            <a:r>
+              <a:rPr lang="en-US" altLang="zh-TW" dirty="0" smtClean="0">
+                <a:latin typeface="微軟正黑體" panose="020B0604030504040204" pitchFamily="34" charset="-120"/>
+                <a:ea typeface="微軟正黑體" panose="020B0604030504040204" pitchFamily="34" charset="-120"/>
+              </a:rPr>
+              <a:t>Correlation(</a:t>
+            </a:r>
+            <a:r>
+              <a:rPr lang="zh-TW" altLang="en-US" dirty="0" smtClean="0">
+                <a:latin typeface="微軟正黑體" panose="020B0604030504040204" pitchFamily="34" charset="-120"/>
+                <a:ea typeface="微軟正黑體" panose="020B0604030504040204" pitchFamily="34" charset="-120"/>
+              </a:rPr>
+              <a:t>關聯</a:t>
+            </a:r>
+            <a:r>
+              <a:rPr lang="en-US" altLang="zh-TW" dirty="0" smtClean="0">
+                <a:latin typeface="微軟正黑體" panose="020B0604030504040204" pitchFamily="34" charset="-120"/>
+                <a:ea typeface="微軟正黑體" panose="020B0604030504040204" pitchFamily="34" charset="-120"/>
+              </a:rPr>
+              <a:t>)</a:t>
+            </a:r>
+          </a:p>
+          <a:p>
+            <a:endParaRPr lang="en-US" altLang="zh-TW" dirty="0" smtClean="0">
+              <a:latin typeface="微軟正黑體" panose="020B0604030504040204" pitchFamily="34" charset="-120"/>
+              <a:ea typeface="微軟正黑體" panose="020B0604030504040204" pitchFamily="34" charset="-120"/>
+            </a:endParaRPr>
+          </a:p>
+          <a:p>
+            <a:pPr fontAlgn="base"/>
+            <a:r>
+              <a:rPr lang="en-US" altLang="zh-TW" dirty="0" smtClean="0">
+                <a:latin typeface="微軟正黑體" panose="020B0604030504040204" pitchFamily="34" charset="-120"/>
+                <a:ea typeface="微軟正黑體" panose="020B0604030504040204" pitchFamily="34" charset="-120"/>
+              </a:rPr>
+              <a:t>Rankings(</a:t>
+            </a:r>
+            <a:r>
+              <a:rPr lang="zh-TW" altLang="en-US" dirty="0" smtClean="0">
+                <a:latin typeface="微軟正黑體" panose="020B0604030504040204" pitchFamily="34" charset="-120"/>
+                <a:ea typeface="微軟正黑體" panose="020B0604030504040204" pitchFamily="34" charset="-120"/>
+              </a:rPr>
+              <a:t>排序</a:t>
+            </a:r>
+            <a:r>
+              <a:rPr lang="en-US" altLang="zh-TW" dirty="0" smtClean="0">
+                <a:latin typeface="微軟正黑體" panose="020B0604030504040204" pitchFamily="34" charset="-120"/>
+                <a:ea typeface="微軟正黑體" panose="020B0604030504040204" pitchFamily="34" charset="-120"/>
+              </a:rPr>
+              <a:t>)</a:t>
+            </a:r>
+          </a:p>
+          <a:p>
+            <a:pPr fontAlgn="base"/>
+            <a:endParaRPr lang="en-US" altLang="zh-TW" dirty="0" smtClean="0">
+              <a:latin typeface="微軟正黑體" panose="020B0604030504040204" pitchFamily="34" charset="-120"/>
+              <a:ea typeface="微軟正黑體" panose="020B0604030504040204" pitchFamily="34" charset="-120"/>
+            </a:endParaRPr>
+          </a:p>
+          <a:p>
+            <a:pPr fontAlgn="base"/>
+            <a:r>
+              <a:rPr lang="en-US" altLang="zh-TW" dirty="0">
+                <a:latin typeface="微軟正黑體" panose="020B0604030504040204" pitchFamily="34" charset="-120"/>
+                <a:ea typeface="微軟正黑體" panose="020B0604030504040204" pitchFamily="34" charset="-120"/>
+              </a:rPr>
+              <a:t>Part of a </a:t>
+            </a:r>
+            <a:r>
+              <a:rPr lang="en-US" altLang="zh-TW" dirty="0" smtClean="0">
+                <a:latin typeface="微軟正黑體" panose="020B0604030504040204" pitchFamily="34" charset="-120"/>
+                <a:ea typeface="微軟正黑體" panose="020B0604030504040204" pitchFamily="34" charset="-120"/>
+              </a:rPr>
+              <a:t>whole(</a:t>
+            </a:r>
+            <a:r>
+              <a:rPr lang="zh-TW" altLang="en-US" dirty="0" smtClean="0">
+                <a:latin typeface="微軟正黑體" panose="020B0604030504040204" pitchFamily="34" charset="-120"/>
+                <a:ea typeface="微軟正黑體" panose="020B0604030504040204" pitchFamily="34" charset="-120"/>
+              </a:rPr>
+              <a:t>比例圖</a:t>
+            </a:r>
+            <a:r>
+              <a:rPr lang="en-US" altLang="zh-TW" dirty="0" smtClean="0">
+                <a:latin typeface="微軟正黑體" panose="020B0604030504040204" pitchFamily="34" charset="-120"/>
+                <a:ea typeface="微軟正黑體" panose="020B0604030504040204" pitchFamily="34" charset="-120"/>
+              </a:rPr>
+              <a:t>)</a:t>
+            </a:r>
+          </a:p>
+          <a:p>
+            <a:pPr fontAlgn="base"/>
+            <a:endParaRPr lang="en-US" altLang="zh-TW" dirty="0">
+              <a:latin typeface="微軟正黑體" panose="020B0604030504040204" pitchFamily="34" charset="-120"/>
+              <a:ea typeface="微軟正黑體" panose="020B0604030504040204" pitchFamily="34" charset="-120"/>
+            </a:endParaRPr>
+          </a:p>
+          <a:p>
+            <a:pPr fontAlgn="base">
+              <a:lnSpc>
+                <a:spcPct val="100000"/>
+              </a:lnSpc>
+            </a:pPr>
+            <a:r>
+              <a:rPr lang="en-US" altLang="zh-TW" dirty="0" smtClean="0">
+                <a:latin typeface="微軟正黑體" panose="020B0604030504040204" pitchFamily="34" charset="-120"/>
+                <a:ea typeface="微軟正黑體" panose="020B0604030504040204" pitchFamily="34" charset="-120"/>
+              </a:rPr>
+              <a:t>Evolution(</a:t>
+            </a:r>
+            <a:r>
+              <a:rPr lang="zh-TW" altLang="en-US" dirty="0" smtClean="0">
+                <a:latin typeface="微軟正黑體" panose="020B0604030504040204" pitchFamily="34" charset="-120"/>
+                <a:ea typeface="微軟正黑體" panose="020B0604030504040204" pitchFamily="34" charset="-120"/>
+              </a:rPr>
+              <a:t>演化</a:t>
+            </a:r>
+            <a:r>
+              <a:rPr lang="en-US" altLang="zh-TW" dirty="0" smtClean="0">
+                <a:latin typeface="微軟正黑體" panose="020B0604030504040204" pitchFamily="34" charset="-120"/>
+                <a:ea typeface="微軟正黑體" panose="020B0604030504040204" pitchFamily="34" charset="-120"/>
+              </a:rPr>
+              <a:t>)</a:t>
+            </a:r>
+          </a:p>
+          <a:p>
+            <a:endParaRPr lang="zh-TW" altLang="en-US" dirty="0">
+              <a:latin typeface="微軟正黑體" panose="020B0604030504040204" pitchFamily="34" charset="-120"/>
+              <a:ea typeface="微軟正黑體" panose="020B0604030504040204" pitchFamily="34" charset="-120"/>
+            </a:endParaRPr>
+          </a:p>
+        </p:txBody>
+      </p:sp>
+      <p:sp>
+        <p:nvSpPr>
+          <p:cNvPr id="4" name="矩形 3"/>
+          <p:cNvSpPr/>
+          <p:nvPr/>
+        </p:nvSpPr>
+        <p:spPr>
+          <a:xfrm>
+            <a:off x="6056045" y="146454"/>
+            <a:ext cx="6096000" cy="830997"/>
+          </a:xfrm>
+          <a:prstGeom prst="rect">
+            <a:avLst/>
+          </a:prstGeom>
+        </p:spPr>
+        <p:txBody>
+          <a:bodyPr>
+            <a:spAutoFit/>
+          </a:bodyPr>
+          <a:lstStyle/>
+          <a:p>
+            <a:pPr algn="r"/>
+            <a:r>
+              <a:rPr lang="en-US" altLang="zh-TW" sz="4800" b="1" dirty="0" smtClean="0">
+                <a:solidFill>
+                  <a:srgbClr val="444444"/>
+                </a:solidFill>
+                <a:latin typeface="微軟正黑體" panose="020B0604030504040204" pitchFamily="34" charset="-120"/>
+                <a:ea typeface="微軟正黑體" panose="020B0604030504040204" pitchFamily="34" charset="-120"/>
+              </a:rPr>
+              <a:t>Outline(</a:t>
+            </a:r>
+            <a:r>
+              <a:rPr lang="zh-TW" altLang="en-US" sz="4800" b="1" dirty="0" smtClean="0">
+                <a:solidFill>
+                  <a:srgbClr val="444444"/>
+                </a:solidFill>
+                <a:latin typeface="微軟正黑體" panose="020B0604030504040204" pitchFamily="34" charset="-120"/>
+                <a:ea typeface="微軟正黑體" panose="020B0604030504040204" pitchFamily="34" charset="-120"/>
+              </a:rPr>
+              <a:t>大綱</a:t>
+            </a:r>
+            <a:r>
+              <a:rPr lang="en-US" altLang="zh-TW" sz="4800" b="1" dirty="0" smtClean="0">
+                <a:solidFill>
+                  <a:srgbClr val="444444"/>
+                </a:solidFill>
+                <a:latin typeface="微軟正黑體" panose="020B0604030504040204" pitchFamily="34" charset="-120"/>
+                <a:ea typeface="微軟正黑體" panose="020B0604030504040204" pitchFamily="34" charset="-120"/>
+              </a:rPr>
+              <a:t>)</a:t>
+            </a:r>
+            <a:endParaRPr lang="zh-TW" altLang="en-US" dirty="0"/>
+          </a:p>
+        </p:txBody>
+      </p:sp>
+    </p:spTree>
+    <p:extLst>
+      <p:ext uri="{BB962C8B-B14F-4D97-AF65-F5344CB8AC3E}">
+        <p14:creationId xmlns:p14="http://schemas.microsoft.com/office/powerpoint/2010/main" val="2127672540"/>
+      </p:ext>
+    </p:extLst>
+  </p:cSld>
+  <p:clrMapOvr>
+    <a:masterClrMapping/>
+  </p:clrMapOvr>
+  <p:timing>
+    <p:tnLst>
+      <p:par>
+        <p:cTn id="1" dur="indefinite" restart="never" nodeType="tmRoot"/>
+      </p:par>
+    </p:tnLst>
+  </p:timing>
+</p:sld>
+</file>
+
+<file path=ppt/slides/slide30.xml><?xml version="1.0" encoding="utf-8"?>
 <p:sld xmlns:a="http://schemas.openxmlformats.org/drawingml/2006/main" xmlns:r="http://schemas.openxmlformats.org/officeDocument/2006/relationships" xmlns:p="http://schemas.openxmlformats.org/presentationml/2006/main">
   <p:cSld>
     <p:spTree>
@@ -17186,284 +20831,7 @@
 </p:sld>
 </file>
 
-<file path=ppt/slides/slide3.xml><?xml version="1.0" encoding="utf-8"?>
-<p:sld xmlns:a="http://schemas.openxmlformats.org/drawingml/2006/main" xmlns:r="http://schemas.openxmlformats.org/officeDocument/2006/relationships" xmlns:p="http://schemas.openxmlformats.org/presentationml/2006/main">
-  <p:cSld>
-    <p:spTree>
-      <p:nvGrpSpPr>
-        <p:cNvPr id="1" name=""/>
-        <p:cNvGrpSpPr/>
-        <p:nvPr/>
-      </p:nvGrpSpPr>
-      <p:grpSpPr>
-        <a:xfrm>
-          <a:off x="0" y="0"/>
-          <a:ext cx="0" cy="0"/>
-          <a:chOff x="0" y="0"/>
-          <a:chExt cx="0" cy="0"/>
-        </a:xfrm>
-      </p:grpSpPr>
-      <p:sp>
-        <p:nvSpPr>
-          <p:cNvPr id="3" name="內容版面配置區 2"/>
-          <p:cNvSpPr>
-            <a:spLocks noGrp="1"/>
-          </p:cNvSpPr>
-          <p:nvPr>
-            <p:ph idx="1"/>
-          </p:nvPr>
-        </p:nvSpPr>
-        <p:spPr>
-          <a:xfrm>
-            <a:off x="1034140" y="1518575"/>
-            <a:ext cx="6558633" cy="4833257"/>
-          </a:xfrm>
-        </p:spPr>
-        <p:txBody>
-          <a:bodyPr>
-            <a:normAutofit/>
-          </a:bodyPr>
-          <a:lstStyle/>
-          <a:p>
-            <a:r>
-              <a:rPr lang="en-US" altLang="zh-TW" dirty="0" smtClean="0">
-                <a:latin typeface="微軟正黑體" panose="020B0604030504040204" pitchFamily="34" charset="-120"/>
-                <a:ea typeface="微軟正黑體" panose="020B0604030504040204" pitchFamily="34" charset="-120"/>
-              </a:rPr>
-              <a:t>Distribution(</a:t>
-            </a:r>
-            <a:r>
-              <a:rPr lang="zh-TW" altLang="en-US" dirty="0" smtClean="0">
-                <a:latin typeface="微軟正黑體" panose="020B0604030504040204" pitchFamily="34" charset="-120"/>
-                <a:ea typeface="微軟正黑體" panose="020B0604030504040204" pitchFamily="34" charset="-120"/>
-              </a:rPr>
-              <a:t>分布</a:t>
-            </a:r>
-            <a:r>
-              <a:rPr lang="en-US" altLang="zh-TW" dirty="0" smtClean="0">
-                <a:latin typeface="微軟正黑體" panose="020B0604030504040204" pitchFamily="34" charset="-120"/>
-                <a:ea typeface="微軟正黑體" panose="020B0604030504040204" pitchFamily="34" charset="-120"/>
-              </a:rPr>
-              <a:t>)</a:t>
-            </a:r>
-          </a:p>
-          <a:p>
-            <a:endParaRPr lang="en-US" altLang="zh-TW" dirty="0" smtClean="0">
-              <a:latin typeface="微軟正黑體" panose="020B0604030504040204" pitchFamily="34" charset="-120"/>
-              <a:ea typeface="微軟正黑體" panose="020B0604030504040204" pitchFamily="34" charset="-120"/>
-            </a:endParaRPr>
-          </a:p>
-          <a:p>
-            <a:r>
-              <a:rPr lang="en-US" altLang="zh-TW" dirty="0" smtClean="0">
-                <a:latin typeface="微軟正黑體" panose="020B0604030504040204" pitchFamily="34" charset="-120"/>
-                <a:ea typeface="微軟正黑體" panose="020B0604030504040204" pitchFamily="34" charset="-120"/>
-              </a:rPr>
-              <a:t>Correlation(</a:t>
-            </a:r>
-            <a:r>
-              <a:rPr lang="zh-TW" altLang="en-US" dirty="0" smtClean="0">
-                <a:latin typeface="微軟正黑體" panose="020B0604030504040204" pitchFamily="34" charset="-120"/>
-                <a:ea typeface="微軟正黑體" panose="020B0604030504040204" pitchFamily="34" charset="-120"/>
-              </a:rPr>
-              <a:t>關聯</a:t>
-            </a:r>
-            <a:r>
-              <a:rPr lang="en-US" altLang="zh-TW" dirty="0" smtClean="0">
-                <a:latin typeface="微軟正黑體" panose="020B0604030504040204" pitchFamily="34" charset="-120"/>
-                <a:ea typeface="微軟正黑體" panose="020B0604030504040204" pitchFamily="34" charset="-120"/>
-              </a:rPr>
-              <a:t>)</a:t>
-            </a:r>
-          </a:p>
-          <a:p>
-            <a:endParaRPr lang="en-US" altLang="zh-TW" dirty="0" smtClean="0">
-              <a:latin typeface="微軟正黑體" panose="020B0604030504040204" pitchFamily="34" charset="-120"/>
-              <a:ea typeface="微軟正黑體" panose="020B0604030504040204" pitchFamily="34" charset="-120"/>
-            </a:endParaRPr>
-          </a:p>
-          <a:p>
-            <a:pPr fontAlgn="base"/>
-            <a:r>
-              <a:rPr lang="en-US" altLang="zh-TW" dirty="0" smtClean="0">
-                <a:latin typeface="微軟正黑體" panose="020B0604030504040204" pitchFamily="34" charset="-120"/>
-                <a:ea typeface="微軟正黑體" panose="020B0604030504040204" pitchFamily="34" charset="-120"/>
-              </a:rPr>
-              <a:t>Rankings(</a:t>
-            </a:r>
-            <a:r>
-              <a:rPr lang="zh-TW" altLang="en-US" dirty="0" smtClean="0">
-                <a:latin typeface="微軟正黑體" panose="020B0604030504040204" pitchFamily="34" charset="-120"/>
-                <a:ea typeface="微軟正黑體" panose="020B0604030504040204" pitchFamily="34" charset="-120"/>
-              </a:rPr>
-              <a:t>排序</a:t>
-            </a:r>
-            <a:r>
-              <a:rPr lang="en-US" altLang="zh-TW" dirty="0" smtClean="0">
-                <a:latin typeface="微軟正黑體" panose="020B0604030504040204" pitchFamily="34" charset="-120"/>
-                <a:ea typeface="微軟正黑體" panose="020B0604030504040204" pitchFamily="34" charset="-120"/>
-              </a:rPr>
-              <a:t>)</a:t>
-            </a:r>
-          </a:p>
-          <a:p>
-            <a:pPr fontAlgn="base"/>
-            <a:endParaRPr lang="en-US" altLang="zh-TW" dirty="0" smtClean="0">
-              <a:latin typeface="微軟正黑體" panose="020B0604030504040204" pitchFamily="34" charset="-120"/>
-              <a:ea typeface="微軟正黑體" panose="020B0604030504040204" pitchFamily="34" charset="-120"/>
-            </a:endParaRPr>
-          </a:p>
-          <a:p>
-            <a:pPr fontAlgn="base"/>
-            <a:r>
-              <a:rPr lang="en-US" altLang="zh-TW" dirty="0">
-                <a:latin typeface="微軟正黑體" panose="020B0604030504040204" pitchFamily="34" charset="-120"/>
-                <a:ea typeface="微軟正黑體" panose="020B0604030504040204" pitchFamily="34" charset="-120"/>
-              </a:rPr>
-              <a:t>Part of a </a:t>
-            </a:r>
-            <a:r>
-              <a:rPr lang="en-US" altLang="zh-TW" dirty="0" smtClean="0">
-                <a:latin typeface="微軟正黑體" panose="020B0604030504040204" pitchFamily="34" charset="-120"/>
-                <a:ea typeface="微軟正黑體" panose="020B0604030504040204" pitchFamily="34" charset="-120"/>
-              </a:rPr>
-              <a:t>whole(</a:t>
-            </a:r>
-            <a:r>
-              <a:rPr lang="zh-TW" altLang="en-US" dirty="0" smtClean="0">
-                <a:latin typeface="微軟正黑體" panose="020B0604030504040204" pitchFamily="34" charset="-120"/>
-                <a:ea typeface="微軟正黑體" panose="020B0604030504040204" pitchFamily="34" charset="-120"/>
-              </a:rPr>
-              <a:t>比例圖</a:t>
-            </a:r>
-            <a:r>
-              <a:rPr lang="en-US" altLang="zh-TW" dirty="0" smtClean="0">
-                <a:latin typeface="微軟正黑體" panose="020B0604030504040204" pitchFamily="34" charset="-120"/>
-                <a:ea typeface="微軟正黑體" panose="020B0604030504040204" pitchFamily="34" charset="-120"/>
-              </a:rPr>
-              <a:t>)</a:t>
-            </a:r>
-          </a:p>
-          <a:p>
-            <a:pPr fontAlgn="base"/>
-            <a:endParaRPr lang="en-US" altLang="zh-TW" dirty="0">
-              <a:latin typeface="微軟正黑體" panose="020B0604030504040204" pitchFamily="34" charset="-120"/>
-              <a:ea typeface="微軟正黑體" panose="020B0604030504040204" pitchFamily="34" charset="-120"/>
-            </a:endParaRPr>
-          </a:p>
-          <a:p>
-            <a:pPr fontAlgn="base">
-              <a:lnSpc>
-                <a:spcPct val="100000"/>
-              </a:lnSpc>
-            </a:pPr>
-            <a:r>
-              <a:rPr lang="en-US" altLang="zh-TW" dirty="0" smtClean="0">
-                <a:latin typeface="微軟正黑體" panose="020B0604030504040204" pitchFamily="34" charset="-120"/>
-                <a:ea typeface="微軟正黑體" panose="020B0604030504040204" pitchFamily="34" charset="-120"/>
-              </a:rPr>
-              <a:t>Evolution(</a:t>
-            </a:r>
-            <a:r>
-              <a:rPr lang="zh-TW" altLang="en-US" dirty="0" smtClean="0">
-                <a:latin typeface="微軟正黑體" panose="020B0604030504040204" pitchFamily="34" charset="-120"/>
-                <a:ea typeface="微軟正黑體" panose="020B0604030504040204" pitchFamily="34" charset="-120"/>
-              </a:rPr>
-              <a:t>演化</a:t>
-            </a:r>
-            <a:r>
-              <a:rPr lang="en-US" altLang="zh-TW" dirty="0" smtClean="0">
-                <a:latin typeface="微軟正黑體" panose="020B0604030504040204" pitchFamily="34" charset="-120"/>
-                <a:ea typeface="微軟正黑體" panose="020B0604030504040204" pitchFamily="34" charset="-120"/>
-              </a:rPr>
-              <a:t>)</a:t>
-            </a:r>
-          </a:p>
-          <a:p>
-            <a:endParaRPr lang="zh-TW" altLang="en-US" dirty="0">
-              <a:latin typeface="微軟正黑體" panose="020B0604030504040204" pitchFamily="34" charset="-120"/>
-              <a:ea typeface="微軟正黑體" panose="020B0604030504040204" pitchFamily="34" charset="-120"/>
-            </a:endParaRPr>
-          </a:p>
-        </p:txBody>
-      </p:sp>
-      <p:sp>
-        <p:nvSpPr>
-          <p:cNvPr id="4" name="矩形 3"/>
-          <p:cNvSpPr/>
-          <p:nvPr/>
-        </p:nvSpPr>
-        <p:spPr>
-          <a:xfrm>
-            <a:off x="6056045" y="146454"/>
-            <a:ext cx="6096000" cy="830997"/>
-          </a:xfrm>
-          <a:prstGeom prst="rect">
-            <a:avLst/>
-          </a:prstGeom>
-        </p:spPr>
-        <p:txBody>
-          <a:bodyPr>
-            <a:spAutoFit/>
-          </a:bodyPr>
-          <a:lstStyle/>
-          <a:p>
-            <a:pPr algn="r"/>
-            <a:r>
-              <a:rPr lang="en-US" altLang="zh-TW" sz="4800" b="1" dirty="0" smtClean="0">
-                <a:solidFill>
-                  <a:srgbClr val="444444"/>
-                </a:solidFill>
-                <a:latin typeface="微軟正黑體" panose="020B0604030504040204" pitchFamily="34" charset="-120"/>
-                <a:ea typeface="微軟正黑體" panose="020B0604030504040204" pitchFamily="34" charset="-120"/>
-              </a:rPr>
-              <a:t>Outline(</a:t>
-            </a:r>
-            <a:r>
-              <a:rPr lang="zh-TW" altLang="en-US" sz="4800" b="1" dirty="0" smtClean="0">
-                <a:solidFill>
-                  <a:srgbClr val="444444"/>
-                </a:solidFill>
-                <a:latin typeface="微軟正黑體" panose="020B0604030504040204" pitchFamily="34" charset="-120"/>
-                <a:ea typeface="微軟正黑體" panose="020B0604030504040204" pitchFamily="34" charset="-120"/>
-              </a:rPr>
-              <a:t>大綱</a:t>
-            </a:r>
-            <a:r>
-              <a:rPr lang="en-US" altLang="zh-TW" sz="4800" b="1" dirty="0" smtClean="0">
-                <a:solidFill>
-                  <a:srgbClr val="444444"/>
-                </a:solidFill>
-                <a:latin typeface="微軟正黑體" panose="020B0604030504040204" pitchFamily="34" charset="-120"/>
-                <a:ea typeface="微軟正黑體" panose="020B0604030504040204" pitchFamily="34" charset="-120"/>
-              </a:rPr>
-              <a:t>)</a:t>
-            </a:r>
-            <a:endParaRPr lang="zh-TW" altLang="en-US" dirty="0"/>
-          </a:p>
-        </p:txBody>
-      </p:sp>
-    </p:spTree>
-    <p:extLst>
-      <p:ext uri="{BB962C8B-B14F-4D97-AF65-F5344CB8AC3E}">
-        <p14:creationId xmlns:p14="http://schemas.microsoft.com/office/powerpoint/2010/main" val="2127672540"/>
-      </p:ext>
-    </p:extLst>
-  </p:cSld>
-  <p:clrMapOvr>
-    <a:masterClrMapping/>
-  </p:clrMapOvr>
-  <p:timing>
-    <p:tnLst>
-      <p:par>
-        <p:cTn id="1" dur="indefinite" restart="never" nodeType="tmRoot"/>
-      </p:par>
-    </p:tnLst>
-  </p:timing>
-</p:sld>
-</file>
-
-<file path=ppt/slides/slide30.xml><?xml version="1.0" encoding="utf-8"?>
+<file path=ppt/slides/slide31.xml><?xml version="1.0" encoding="utf-8"?>
 <p:sld xmlns:a="http://schemas.openxmlformats.org/drawingml/2006/main" xmlns:r="http://schemas.openxmlformats.org/officeDocument/2006/relationships" xmlns:p="http://schemas.openxmlformats.org/presentationml/2006/main">
   <p:cSld>
     <p:spTree>
@@ -17821,7 +21189,7 @@
 </p:sld>
 </file>
 
-<file path=ppt/slides/slide31.xml><?xml version="1.0" encoding="utf-8"?>
+<file path=ppt/slides/slide32.xml><?xml version="1.0" encoding="utf-8"?>
 <p:sld xmlns:a="http://schemas.openxmlformats.org/drawingml/2006/main" xmlns:r="http://schemas.openxmlformats.org/officeDocument/2006/relationships" xmlns:p="http://schemas.openxmlformats.org/presentationml/2006/main">
   <p:cSld>
     <p:spTree>
@@ -18527,7 +21895,7 @@
 </p:sld>
 </file>
 
-<file path=ppt/slides/slide32.xml><?xml version="1.0" encoding="utf-8"?>
+<file path=ppt/slides/slide33.xml><?xml version="1.0" encoding="utf-8"?>
 <p:sld xmlns:a="http://schemas.openxmlformats.org/drawingml/2006/main" xmlns:r="http://schemas.openxmlformats.org/officeDocument/2006/relationships" xmlns:p="http://schemas.openxmlformats.org/presentationml/2006/main">
   <p:cSld>
     <p:spTree>
@@ -18967,7 +22335,7 @@
 </p:sld>
 </file>
 
-<file path=ppt/slides/slide33.xml><?xml version="1.0" encoding="utf-8"?>
+<file path=ppt/slides/slide34.xml><?xml version="1.0" encoding="utf-8"?>
 <p:sld xmlns:a="http://schemas.openxmlformats.org/drawingml/2006/main" xmlns:r="http://schemas.openxmlformats.org/officeDocument/2006/relationships" xmlns:p="http://schemas.openxmlformats.org/presentationml/2006/main">
   <p:cSld>
     <p:spTree>
@@ -18984,44 +22352,9 @@
           <a:chExt cx="0" cy="0"/>
         </a:xfrm>
       </p:grpSpPr>
-      <p:sp>
-        <p:nvSpPr>
-          <p:cNvPr id="2" name="標題 1"/>
-          <p:cNvSpPr>
-            <a:spLocks noGrp="1"/>
-          </p:cNvSpPr>
-          <p:nvPr>
-            <p:ph type="title"/>
-          </p:nvPr>
-        </p:nvSpPr>
-        <p:spPr>
-          <a:xfrm>
-            <a:off x="638727" y="0"/>
-            <a:ext cx="11473551" cy="930729"/>
-          </a:xfrm>
-        </p:spPr>
-        <p:txBody>
-          <a:bodyPr/>
-          <a:lstStyle/>
-          <a:p>
-            <a:pPr algn="r"/>
-            <a:r>
-              <a:rPr lang="en-US" altLang="zh-TW" sz="4800" b="1" dirty="0" smtClean="0">
-                <a:latin typeface="微軟正黑體" panose="020B0604030504040204" pitchFamily="34" charset="-120"/>
-                <a:ea typeface="微軟正黑體" panose="020B0604030504040204" pitchFamily="34" charset="-120"/>
-              </a:rPr>
-              <a:t>Homework</a:t>
-            </a:r>
-            <a:endParaRPr lang="zh-TW" altLang="en-US" b="1" dirty="0">
-              <a:latin typeface="微軟正黑體" panose="020B0604030504040204" pitchFamily="34" charset="-120"/>
-              <a:ea typeface="微軟正黑體" panose="020B0604030504040204" pitchFamily="34" charset="-120"/>
-            </a:endParaRPr>
-          </a:p>
-        </p:txBody>
-      </p:sp>
       <p:pic>
         <p:nvPicPr>
-          <p:cNvPr id="1027" name="Picture 3"/>
+          <p:cNvPr id="6" name="Picture 4"/>
           <p:cNvPicPr>
             <a:picLocks noChangeAspect="1" noChangeArrowheads="1"/>
           </p:cNvPicPr>
@@ -19042,8 +22375,8 @@
         </p:blipFill>
         <p:spPr bwMode="auto">
           <a:xfrm>
-            <a:off x="90349" y="3892766"/>
-            <a:ext cx="3193180" cy="2972454"/>
+            <a:off x="-1" y="344384"/>
+            <a:ext cx="7668745" cy="6513617"/>
           </a:xfrm>
           <a:prstGeom prst="rect">
             <a:avLst/>
@@ -19073,114 +22406,41 @@
           </a:extLst>
         </p:spPr>
       </p:pic>
-      <p:pic>
-        <p:nvPicPr>
-          <p:cNvPr id="1028" name="Picture 4"/>
-          <p:cNvPicPr>
-            <a:picLocks noChangeAspect="1" noChangeArrowheads="1"/>
-          </p:cNvPicPr>
-          <p:nvPr/>
-        </p:nvPicPr>
-        <p:blipFill>
-          <a:blip r:embed="rId4">
-            <a:extLst>
-              <a:ext uri="{28A0092B-C50C-407E-A947-70E740481C1C}">
-                <a14:useLocalDpi xmlns:a14="http://schemas.microsoft.com/office/drawing/2010/main" val="0"/>
-              </a:ext>
-            </a:extLst>
-          </a:blip>
-          <a:srcRect/>
-          <a:stretch>
-            <a:fillRect/>
-          </a:stretch>
-        </p:blipFill>
-        <p:spPr bwMode="auto">
+      <p:sp>
+        <p:nvSpPr>
+          <p:cNvPr id="2" name="標題 1"/>
+          <p:cNvSpPr>
+            <a:spLocks noGrp="1"/>
+          </p:cNvSpPr>
+          <p:nvPr>
+            <p:ph type="title"/>
+          </p:nvPr>
+        </p:nvSpPr>
+        <p:spPr>
           <a:xfrm>
-            <a:off x="3528404" y="3892766"/>
-            <a:ext cx="3897217" cy="2972454"/>
+            <a:off x="638727" y="0"/>
+            <a:ext cx="11473551" cy="930729"/>
           </a:xfrm>
-          <a:prstGeom prst="rect">
-            <a:avLst/>
-          </a:prstGeom>
-          <a:noFill/>
-          <a:ln>
-            <a:noFill/>
-          </a:ln>
-          <a:extLst>
-            <a:ext uri="{909E8E84-426E-40DD-AFC4-6F175D3DCCD1}">
-              <a14:hiddenFill xmlns:a14="http://schemas.microsoft.com/office/drawing/2010/main">
-                <a:solidFill>
-                  <a:schemeClr val="accent1"/>
-                </a:solidFill>
-              </a14:hiddenFill>
-            </a:ext>
-            <a:ext uri="{91240B29-F687-4F45-9708-019B960494DF}">
-              <a14:hiddenLine xmlns:a14="http://schemas.microsoft.com/office/drawing/2010/main" w="9525">
-                <a:solidFill>
-                  <a:schemeClr val="tx1"/>
-                </a:solidFill>
-                <a:miter lim="800000"/>
-                <a:headEnd/>
-                <a:tailEnd/>
-              </a14:hiddenLine>
-            </a:ext>
-          </a:extLst>
         </p:spPr>
-      </p:pic>
-      <p:pic>
-        <p:nvPicPr>
-          <p:cNvPr id="1029" name="Picture 5"/>
-          <p:cNvPicPr>
-            <a:picLocks noChangeAspect="1" noChangeArrowheads="1"/>
-          </p:cNvPicPr>
-          <p:nvPr/>
-        </p:nvPicPr>
-        <p:blipFill>
-          <a:blip r:embed="rId5">
-            <a:extLst>
-              <a:ext uri="{28A0092B-C50C-407E-A947-70E740481C1C}">
-                <a14:useLocalDpi xmlns:a14="http://schemas.microsoft.com/office/drawing/2010/main" val="0"/>
-              </a:ext>
-            </a:extLst>
-          </a:blip>
-          <a:srcRect/>
-          <a:stretch>
-            <a:fillRect/>
-          </a:stretch>
-        </p:blipFill>
-        <p:spPr bwMode="auto">
-          <a:xfrm>
-            <a:off x="7735751" y="3892766"/>
-            <a:ext cx="4376527" cy="2972454"/>
-          </a:xfrm>
-          <a:prstGeom prst="rect">
-            <a:avLst/>
-          </a:prstGeom>
-          <a:noFill/>
-          <a:ln>
-            <a:noFill/>
-          </a:ln>
-          <a:extLst>
-            <a:ext uri="{909E8E84-426E-40DD-AFC4-6F175D3DCCD1}">
-              <a14:hiddenFill xmlns:a14="http://schemas.microsoft.com/office/drawing/2010/main">
-                <a:solidFill>
-                  <a:schemeClr val="accent1"/>
-                </a:solidFill>
-              </a14:hiddenFill>
-            </a:ext>
-            <a:ext uri="{91240B29-F687-4F45-9708-019B960494DF}">
-              <a14:hiddenLine xmlns:a14="http://schemas.microsoft.com/office/drawing/2010/main" w="9525">
-                <a:solidFill>
-                  <a:schemeClr val="tx1"/>
-                </a:solidFill>
-                <a:miter lim="800000"/>
-                <a:headEnd/>
-                <a:tailEnd/>
-              </a14:hiddenLine>
-            </a:ext>
-          </a:extLst>
-        </p:spPr>
-      </p:pic>
+        <p:txBody>
+          <a:bodyPr/>
+          <a:lstStyle/>
+          <a:p>
+            <a:pPr algn="r"/>
+            <a:r>
+              <a:rPr lang="en-US" altLang="zh-TW" sz="4800" b="1" dirty="0" smtClean="0">
+                <a:latin typeface="微軟正黑體" panose="020B0604030504040204" pitchFamily="34" charset="-120"/>
+                <a:ea typeface="微軟正黑體" panose="020B0604030504040204" pitchFamily="34" charset="-120"/>
+              </a:rPr>
+              <a:t>Homework</a:t>
+            </a:r>
+            <a:endParaRPr lang="zh-TW" altLang="en-US" b="1" dirty="0">
+              <a:latin typeface="微軟正黑體" panose="020B0604030504040204" pitchFamily="34" charset="-120"/>
+              <a:ea typeface="微軟正黑體" panose="020B0604030504040204" pitchFamily="34" charset="-120"/>
+            </a:endParaRPr>
+          </a:p>
+        </p:txBody>
+      </p:sp>
       <p:sp>
         <p:nvSpPr>
           <p:cNvPr id="4" name="文字方塊 3"/>
@@ -19189,8 +22449,8 @@
         </p:nvSpPr>
         <p:spPr>
           <a:xfrm>
-            <a:off x="90349" y="963385"/>
-            <a:ext cx="11687735" cy="1569660"/>
+            <a:off x="7518124" y="994789"/>
+            <a:ext cx="4469774" cy="5632311"/>
           </a:xfrm>
           <a:prstGeom prst="rect">
             <a:avLst/>
@@ -19208,42 +22468,21 @@
                 <a:latin typeface="微軟正黑體" panose="020B0604030504040204" pitchFamily="34" charset="-120"/>
                 <a:ea typeface="微軟正黑體" panose="020B0604030504040204" pitchFamily="34" charset="-120"/>
               </a:rPr>
-              <a:t>有三張表，分別為客服事業部人員名單、催收</a:t>
+              <a:t>使用公網</a:t>
             </a:r>
             <a:r>
               <a:rPr lang="en-US" altLang="zh-TW" sz="2400" b="1" dirty="0" smtClean="0">
                 <a:latin typeface="微軟正黑體" panose="020B0604030504040204" pitchFamily="34" charset="-120"/>
                 <a:ea typeface="微軟正黑體" panose="020B0604030504040204" pitchFamily="34" charset="-120"/>
               </a:rPr>
-              <a:t>1</a:t>
+              <a:t>HW7</a:t>
             </a:r>
             <a:r>
               <a:rPr lang="zh-TW" altLang="en-US" sz="2400" b="1" dirty="0" smtClean="0">
                 <a:latin typeface="微軟正黑體" panose="020B0604030504040204" pitchFamily="34" charset="-120"/>
                 <a:ea typeface="微軟正黑體" panose="020B0604030504040204" pitchFamily="34" charset="-120"/>
               </a:rPr>
-              <a:t>月回收狀況及</a:t>
-            </a:r>
-            <a:r>
-              <a:rPr lang="zh-TW" altLang="en-US" sz="2400" b="1" dirty="0">
-                <a:latin typeface="微軟正黑體" panose="020B0604030504040204" pitchFamily="34" charset="-120"/>
-                <a:ea typeface="微軟正黑體" panose="020B0604030504040204" pitchFamily="34" charset="-120"/>
-              </a:rPr>
-              <a:t>催收</a:t>
-            </a:r>
-            <a:r>
-              <a:rPr lang="en-US" altLang="zh-TW" sz="2400" b="1" dirty="0" smtClean="0">
-                <a:latin typeface="微軟正黑體" panose="020B0604030504040204" pitchFamily="34" charset="-120"/>
-                <a:ea typeface="微軟正黑體" panose="020B0604030504040204" pitchFamily="34" charset="-120"/>
-              </a:rPr>
-              <a:t>2</a:t>
-            </a:r>
-            <a:r>
-              <a:rPr lang="zh-TW" altLang="en-US" sz="2400" b="1" dirty="0" smtClean="0">
-                <a:latin typeface="微軟正黑體" panose="020B0604030504040204" pitchFamily="34" charset="-120"/>
-                <a:ea typeface="微軟正黑體" panose="020B0604030504040204" pitchFamily="34" charset="-120"/>
-              </a:rPr>
-              <a:t>月回收狀況。</a:t>
+              <a:t>資料夾內的</a:t>
             </a:r>
             <a:endParaRPr lang="en-US" altLang="zh-TW" sz="2400" b="1" dirty="0" smtClean="0">
               <a:latin typeface="微軟正黑體" panose="020B0604030504040204" pitchFamily="34" charset="-120"/>
@@ -19253,31 +22492,13 @@
           <a:p>
             <a:r>
               <a:rPr lang="en-US" altLang="zh-TW" sz="2400" b="1" dirty="0" smtClean="0">
-                <a:latin typeface="微軟正黑體" panose="020B0604030504040204" pitchFamily="34" charset="-120"/>
-                <a:ea typeface="微軟正黑體" panose="020B0604030504040204" pitchFamily="34" charset="-120"/>
-              </a:rPr>
-              <a:t>(Hint : </a:t>
-            </a:r>
-            <a:r>
-              <a:rPr lang="zh-TW" altLang="en-US" sz="2400" b="1" dirty="0" smtClean="0">
-                <a:latin typeface="微軟正黑體" panose="020B0604030504040204" pitchFamily="34" charset="-120"/>
-                <a:ea typeface="微軟正黑體" panose="020B0604030504040204" pitchFamily="34" charset="-120"/>
-              </a:rPr>
-              <a:t>欄位</a:t>
-            </a:r>
-            <a:r>
-              <a:rPr lang="zh-TW" altLang="en-US" sz="2400" b="1" dirty="0">
-                <a:latin typeface="微軟正黑體" panose="020B0604030504040204" pitchFamily="34" charset="-120"/>
-                <a:ea typeface="微軟正黑體" panose="020B0604030504040204" pitchFamily="34" charset="-120"/>
-              </a:rPr>
-              <a:t>名稱不一致</a:t>
-            </a:r>
-            <a:r>
-              <a:rPr lang="en-US" altLang="zh-TW" sz="2400" b="1" dirty="0" smtClean="0">
-                <a:latin typeface="微軟正黑體" panose="020B0604030504040204" pitchFamily="34" charset="-120"/>
-                <a:ea typeface="微軟正黑體" panose="020B0604030504040204" pitchFamily="34" charset="-120"/>
-              </a:rPr>
-              <a:t>)</a:t>
+                <a:solidFill>
+                  <a:srgbClr val="FF0000"/>
+                </a:solidFill>
+                <a:latin typeface="微軟正黑體" panose="020B0604030504040204" pitchFamily="34" charset="-120"/>
+                <a:ea typeface="微軟正黑體" panose="020B0604030504040204" pitchFamily="34" charset="-120"/>
+              </a:rPr>
+              <a:t>Lottery.csv</a:t>
             </a:r>
           </a:p>
           <a:p>
@@ -19287,352 +22508,289 @@
             </a:endParaRPr>
           </a:p>
           <a:p>
-            <a:pPr marL="342900" indent="-342900">
-              <a:buAutoNum type="arabicPeriod"/>
-            </a:pPr>
+            <a:r>
+              <a:rPr lang="en-US" altLang="zh-TW" sz="2400" b="1" dirty="0" smtClean="0">
+                <a:latin typeface="微軟正黑體" panose="020B0604030504040204" pitchFamily="34" charset="-120"/>
+                <a:ea typeface="微軟正黑體" panose="020B0604030504040204" pitchFamily="34" charset="-120"/>
+              </a:rPr>
+              <a:t>Step 1 .</a:t>
+            </a:r>
             <a:r>
               <a:rPr lang="zh-TW" altLang="en-US" sz="2400" b="1" dirty="0" smtClean="0">
                 <a:latin typeface="微軟正黑體" panose="020B0604030504040204" pitchFamily="34" charset="-120"/>
                 <a:ea typeface="微軟正黑體" panose="020B0604030504040204" pitchFamily="34" charset="-120"/>
               </a:rPr>
-              <a:t>這三張表共有</a:t>
+              <a:t>用</a:t>
+            </a:r>
+            <a:r>
+              <a:rPr lang="en-US" altLang="zh-TW" sz="2400" b="1" dirty="0" err="1" smtClean="0">
+                <a:latin typeface="微軟正黑體" panose="020B0604030504040204" pitchFamily="34" charset="-120"/>
+                <a:ea typeface="微軟正黑體" panose="020B0604030504040204" pitchFamily="34" charset="-120"/>
+              </a:rPr>
+              <a:t>set.seed</a:t>
             </a:r>
             <a:r>
               <a:rPr lang="en-US" altLang="zh-TW" sz="2400" b="1" dirty="0" smtClean="0">
                 <a:latin typeface="微軟正黑體" panose="020B0604030504040204" pitchFamily="34" charset="-120"/>
                 <a:ea typeface="微軟正黑體" panose="020B0604030504040204" pitchFamily="34" charset="-120"/>
               </a:rPr>
-              <a:t>2</a:t>
+              <a:t>(100)</a:t>
             </a:r>
             <a:r>
               <a:rPr lang="zh-TW" altLang="en-US" sz="2400" b="1" dirty="0" smtClean="0">
                 <a:latin typeface="微軟正黑體" panose="020B0604030504040204" pitchFamily="34" charset="-120"/>
                 <a:ea typeface="微軟正黑體" panose="020B0604030504040204" pitchFamily="34" charset="-120"/>
               </a:rPr>
-              <a:t>處錯誤，請找出並修正</a:t>
+              <a:t>隨機抽取名單中的</a:t>
+            </a:r>
+            <a:r>
+              <a:rPr lang="en-US" altLang="zh-TW" sz="2400" b="1" dirty="0" smtClean="0">
+                <a:latin typeface="微軟正黑體" panose="020B0604030504040204" pitchFamily="34" charset="-120"/>
+                <a:ea typeface="微軟正黑體" panose="020B0604030504040204" pitchFamily="34" charset="-120"/>
+              </a:rPr>
+              <a:t>3000</a:t>
+            </a:r>
+            <a:r>
+              <a:rPr lang="zh-TW" altLang="en-US" sz="2400" b="1" dirty="0" smtClean="0">
+                <a:latin typeface="微軟正黑體" panose="020B0604030504040204" pitchFamily="34" charset="-120"/>
+                <a:ea typeface="微軟正黑體" panose="020B0604030504040204" pitchFamily="34" charset="-120"/>
+              </a:rPr>
+              <a:t>位</a:t>
             </a:r>
             <a:endParaRPr lang="en-US" altLang="zh-TW" sz="2400" b="1" dirty="0" smtClean="0">
               <a:latin typeface="微軟正黑體" panose="020B0604030504040204" pitchFamily="34" charset="-120"/>
               <a:ea typeface="微軟正黑體" panose="020B0604030504040204" pitchFamily="34" charset="-120"/>
             </a:endParaRPr>
           </a:p>
-        </p:txBody>
-      </p:sp>
-      <p:sp>
-        <p:nvSpPr>
-          <p:cNvPr id="3" name="圓角矩形 2"/>
-          <p:cNvSpPr/>
-          <p:nvPr/>
-        </p:nvSpPr>
-        <p:spPr>
-          <a:xfrm>
-            <a:off x="620486" y="3298371"/>
-            <a:ext cx="2302328" cy="594395"/>
-          </a:xfrm>
-          <a:prstGeom prst="roundRect">
-            <a:avLst/>
-          </a:prstGeom>
-        </p:spPr>
-        <p:style>
-          <a:lnRef idx="2">
-            <a:schemeClr val="accent1">
-              <a:shade val="50000"/>
-            </a:schemeClr>
-          </a:lnRef>
-          <a:fillRef idx="1">
-            <a:schemeClr val="accent1"/>
-          </a:fillRef>
-          <a:effectRef idx="0">
-            <a:schemeClr val="accent1"/>
-          </a:effectRef>
-          <a:fontRef idx="minor">
-            <a:schemeClr val="lt1"/>
-          </a:fontRef>
-        </p:style>
-        <p:txBody>
-          <a:bodyPr rtlCol="0" anchor="ctr"/>
-          <a:lstStyle/>
-          <a:p>
-            <a:pPr algn="ctr"/>
-            <a:r>
-              <a:rPr lang="zh-TW" altLang="en-US" b="1" dirty="0">
-                <a:solidFill>
-                  <a:schemeClr val="tx1"/>
-                </a:solidFill>
-                <a:latin typeface="微軟正黑體" panose="020B0604030504040204" pitchFamily="34" charset="-120"/>
-                <a:ea typeface="微軟正黑體" panose="020B0604030504040204" pitchFamily="34" charset="-120"/>
-              </a:rPr>
-              <a:t>客服事業部人員</a:t>
-            </a:r>
-            <a:r>
-              <a:rPr lang="zh-TW" altLang="en-US" b="1" dirty="0" smtClean="0">
-                <a:solidFill>
-                  <a:schemeClr val="tx1"/>
-                </a:solidFill>
-                <a:latin typeface="微軟正黑體" panose="020B0604030504040204" pitchFamily="34" charset="-120"/>
-                <a:ea typeface="微軟正黑體" panose="020B0604030504040204" pitchFamily="34" charset="-120"/>
-              </a:rPr>
-              <a:t>名單</a:t>
-            </a:r>
-            <a:endParaRPr lang="en-US" altLang="zh-TW" b="1" dirty="0" smtClean="0">
-              <a:solidFill>
-                <a:schemeClr val="tx1"/>
-              </a:solidFill>
+          <a:p>
+            <a:r>
+              <a:rPr lang="en-US" altLang="zh-TW" sz="2400" b="1" dirty="0" smtClean="0">
+                <a:latin typeface="微軟正黑體" panose="020B0604030504040204" pitchFamily="34" charset="-120"/>
+                <a:ea typeface="微軟正黑體" panose="020B0604030504040204" pitchFamily="34" charset="-120"/>
+              </a:rPr>
+              <a:t>Step 2 .</a:t>
+            </a:r>
+            <a:r>
+              <a:rPr lang="zh-TW" altLang="en-US" sz="2400" b="1" dirty="0" smtClean="0">
+                <a:latin typeface="微軟正黑體" panose="020B0604030504040204" pitchFamily="34" charset="-120"/>
+                <a:ea typeface="微軟正黑體" panose="020B0604030504040204" pitchFamily="34" charset="-120"/>
+              </a:rPr>
+              <a:t>再用</a:t>
+            </a:r>
+            <a:r>
+              <a:rPr lang="en-US" altLang="zh-TW" sz="2400" b="1" dirty="0" err="1" smtClean="0">
+                <a:latin typeface="微軟正黑體" panose="020B0604030504040204" pitchFamily="34" charset="-120"/>
+                <a:ea typeface="微軟正黑體" panose="020B0604030504040204" pitchFamily="34" charset="-120"/>
+              </a:rPr>
+              <a:t>scatterplotMatrix</a:t>
+            </a:r>
+            <a:r>
+              <a:rPr lang="zh-TW" altLang="en-US" sz="2400" b="1" dirty="0" smtClean="0">
+                <a:latin typeface="微軟正黑體" panose="020B0604030504040204" pitchFamily="34" charset="-120"/>
+                <a:ea typeface="微軟正黑體" panose="020B0604030504040204" pitchFamily="34" charset="-120"/>
+              </a:rPr>
+              <a:t>函數，繪出</a:t>
+            </a:r>
+            <a:r>
+              <a:rPr lang="zh-TW" altLang="en-US" sz="2400" b="1" u="sng" dirty="0" smtClean="0">
+                <a:latin typeface="微軟正黑體" panose="020B0604030504040204" pitchFamily="34" charset="-120"/>
+                <a:ea typeface="微軟正黑體" panose="020B0604030504040204" pitchFamily="34" charset="-120"/>
+              </a:rPr>
+              <a:t>不同性別</a:t>
+            </a:r>
+            <a:r>
+              <a:rPr lang="zh-TW" altLang="en-US" sz="2400" b="1" dirty="0" smtClean="0">
+                <a:latin typeface="微軟正黑體" panose="020B0604030504040204" pitchFamily="34" charset="-120"/>
+                <a:ea typeface="微軟正黑體" panose="020B0604030504040204" pitchFamily="34" charset="-120"/>
+              </a:rPr>
+              <a:t>在</a:t>
+            </a:r>
+            <a:endParaRPr lang="en-US" altLang="zh-TW" sz="2400" b="1" dirty="0" smtClean="0">
               <a:latin typeface="微軟正黑體" panose="020B0604030504040204" pitchFamily="34" charset="-120"/>
               <a:ea typeface="微軟正黑體" panose="020B0604030504040204" pitchFamily="34" charset="-120"/>
             </a:endParaRPr>
           </a:p>
           <a:p>
-            <a:pPr algn="ctr"/>
-            <a:r>
-              <a:rPr lang="zh-TW" altLang="en-US" b="1" dirty="0" smtClean="0">
-                <a:solidFill>
-                  <a:schemeClr val="tx1"/>
-                </a:solidFill>
-                <a:latin typeface="微軟正黑體" panose="020B0604030504040204" pitchFamily="34" charset="-120"/>
-                <a:ea typeface="微軟正黑體" panose="020B0604030504040204" pitchFamily="34" charset="-120"/>
-              </a:rPr>
-              <a:t>檔名</a:t>
-            </a:r>
-            <a:r>
-              <a:rPr lang="en-US" altLang="zh-TW" b="1" dirty="0" smtClean="0">
-                <a:solidFill>
-                  <a:schemeClr val="tx1"/>
-                </a:solidFill>
-                <a:latin typeface="微軟正黑體" panose="020B0604030504040204" pitchFamily="34" charset="-120"/>
-                <a:ea typeface="微軟正黑體" panose="020B0604030504040204" pitchFamily="34" charset="-120"/>
-              </a:rPr>
-              <a:t>:</a:t>
-            </a:r>
-            <a:r>
-              <a:rPr lang="zh-TW" altLang="en-US" b="1" dirty="0">
-                <a:solidFill>
-                  <a:schemeClr val="tx1"/>
-                </a:solidFill>
-                <a:latin typeface="微軟正黑體" panose="020B0604030504040204" pitchFamily="34" charset="-120"/>
-                <a:ea typeface="微軟正黑體" panose="020B0604030504040204" pitchFamily="34" charset="-120"/>
-              </a:rPr>
-              <a:t>人員名單</a:t>
-            </a:r>
-          </a:p>
-        </p:txBody>
-      </p:sp>
-      <p:sp>
-        <p:nvSpPr>
-          <p:cNvPr id="8" name="圓角矩形 7"/>
-          <p:cNvSpPr/>
-          <p:nvPr/>
-        </p:nvSpPr>
-        <p:spPr>
-          <a:xfrm>
-            <a:off x="4325848" y="3301653"/>
-            <a:ext cx="2302328" cy="594395"/>
-          </a:xfrm>
-          <a:prstGeom prst="roundRect">
-            <a:avLst/>
-          </a:prstGeom>
-        </p:spPr>
-        <p:style>
-          <a:lnRef idx="2">
-            <a:schemeClr val="accent1">
-              <a:shade val="50000"/>
-            </a:schemeClr>
-          </a:lnRef>
-          <a:fillRef idx="1">
-            <a:schemeClr val="accent1"/>
-          </a:fillRef>
-          <a:effectRef idx="0">
-            <a:schemeClr val="accent1"/>
-          </a:effectRef>
-          <a:fontRef idx="minor">
-            <a:schemeClr val="lt1"/>
-          </a:fontRef>
-        </p:style>
-        <p:txBody>
-          <a:bodyPr rtlCol="0" anchor="ctr"/>
-          <a:lstStyle/>
-          <a:p>
-            <a:pPr algn="ctr"/>
-            <a:r>
-              <a:rPr lang="zh-TW" altLang="en-US" b="1" dirty="0">
-                <a:solidFill>
-                  <a:schemeClr val="tx1"/>
-                </a:solidFill>
-                <a:latin typeface="微軟正黑體" panose="020B0604030504040204" pitchFamily="34" charset="-120"/>
-                <a:ea typeface="微軟正黑體" panose="020B0604030504040204" pitchFamily="34" charset="-120"/>
-              </a:rPr>
-              <a:t>催收</a:t>
-            </a:r>
-            <a:r>
-              <a:rPr lang="en-US" altLang="zh-TW" b="1" dirty="0">
-                <a:solidFill>
-                  <a:schemeClr val="tx1"/>
-                </a:solidFill>
-                <a:latin typeface="微軟正黑體" panose="020B0604030504040204" pitchFamily="34" charset="-120"/>
-                <a:ea typeface="微軟正黑體" panose="020B0604030504040204" pitchFamily="34" charset="-120"/>
-              </a:rPr>
-              <a:t>1</a:t>
-            </a:r>
-            <a:r>
-              <a:rPr lang="zh-TW" altLang="en-US" b="1" dirty="0">
-                <a:solidFill>
-                  <a:schemeClr val="tx1"/>
-                </a:solidFill>
-                <a:latin typeface="微軟正黑體" panose="020B0604030504040204" pitchFamily="34" charset="-120"/>
-                <a:ea typeface="微軟正黑體" panose="020B0604030504040204" pitchFamily="34" charset="-120"/>
-              </a:rPr>
-              <a:t>月回收</a:t>
-            </a:r>
-            <a:r>
-              <a:rPr lang="zh-TW" altLang="en-US" b="1" dirty="0" smtClean="0">
-                <a:solidFill>
-                  <a:schemeClr val="tx1"/>
-                </a:solidFill>
-                <a:latin typeface="微軟正黑體" panose="020B0604030504040204" pitchFamily="34" charset="-120"/>
-                <a:ea typeface="微軟正黑體" panose="020B0604030504040204" pitchFamily="34" charset="-120"/>
-              </a:rPr>
-              <a:t>狀況</a:t>
-            </a:r>
-            <a:endParaRPr lang="en-US" altLang="zh-TW" b="1" dirty="0" smtClean="0">
-              <a:solidFill>
-                <a:schemeClr val="tx1"/>
-              </a:solidFill>
+            <a:r>
+              <a:rPr lang="en-US" altLang="zh-TW" sz="2400" b="1" dirty="0" smtClean="0">
+                <a:latin typeface="微軟正黑體" panose="020B0604030504040204" pitchFamily="34" charset="-120"/>
+                <a:ea typeface="微軟正黑體" panose="020B0604030504040204" pitchFamily="34" charset="-120"/>
+              </a:rPr>
+              <a:t>Pay(</a:t>
+            </a:r>
+            <a:r>
+              <a:rPr lang="zh-TW" altLang="en-US" sz="2400" b="1" dirty="0" smtClean="0">
+                <a:latin typeface="微軟正黑體" panose="020B0604030504040204" pitchFamily="34" charset="-120"/>
+                <a:ea typeface="微軟正黑體" panose="020B0604030504040204" pitchFamily="34" charset="-120"/>
+              </a:rPr>
+              <a:t>投注金額</a:t>
+            </a:r>
+            <a:r>
+              <a:rPr lang="en-US" altLang="zh-TW" sz="2400" b="1" dirty="0" smtClean="0">
+                <a:latin typeface="微軟正黑體" panose="020B0604030504040204" pitchFamily="34" charset="-120"/>
+                <a:ea typeface="微軟正黑體" panose="020B0604030504040204" pitchFamily="34" charset="-120"/>
+              </a:rPr>
+              <a:t>)+Get(</a:t>
+            </a:r>
+            <a:r>
+              <a:rPr lang="zh-TW" altLang="en-US" sz="2400" b="1" dirty="0" smtClean="0">
+                <a:latin typeface="微軟正黑體" panose="020B0604030504040204" pitchFamily="34" charset="-120"/>
+                <a:ea typeface="微軟正黑體" panose="020B0604030504040204" pitchFamily="34" charset="-120"/>
+              </a:rPr>
+              <a:t>中獎金額</a:t>
+            </a:r>
+            <a:r>
+              <a:rPr lang="en-US" altLang="zh-TW" sz="2400" b="1" dirty="0" smtClean="0">
+                <a:latin typeface="微軟正黑體" panose="020B0604030504040204" pitchFamily="34" charset="-120"/>
+                <a:ea typeface="微軟正黑體" panose="020B0604030504040204" pitchFamily="34" charset="-120"/>
+              </a:rPr>
+              <a:t>)+Age(</a:t>
+            </a:r>
+            <a:r>
+              <a:rPr lang="zh-TW" altLang="en-US" sz="2400" b="1" dirty="0" smtClean="0">
+                <a:latin typeface="微軟正黑體" panose="020B0604030504040204" pitchFamily="34" charset="-120"/>
+                <a:ea typeface="微軟正黑體" panose="020B0604030504040204" pitchFamily="34" charset="-120"/>
+              </a:rPr>
+              <a:t>年齡</a:t>
+            </a:r>
+            <a:r>
+              <a:rPr lang="en-US" altLang="zh-TW" sz="2400" b="1" dirty="0" smtClean="0">
+                <a:latin typeface="微軟正黑體" panose="020B0604030504040204" pitchFamily="34" charset="-120"/>
+                <a:ea typeface="微軟正黑體" panose="020B0604030504040204" pitchFamily="34" charset="-120"/>
+              </a:rPr>
+              <a:t>)</a:t>
+            </a:r>
+            <a:r>
+              <a:rPr lang="zh-TW" altLang="en-US" sz="2400" b="1" dirty="0" smtClean="0">
+                <a:latin typeface="微軟正黑體" panose="020B0604030504040204" pitchFamily="34" charset="-120"/>
+                <a:ea typeface="微軟正黑體" panose="020B0604030504040204" pitchFamily="34" charset="-120"/>
+              </a:rPr>
+              <a:t>的散布圖</a:t>
+            </a:r>
+            <a:r>
+              <a:rPr lang="zh-TW" altLang="en-US" sz="2400" b="1" dirty="0">
+                <a:latin typeface="微軟正黑體" panose="020B0604030504040204" pitchFamily="34" charset="-120"/>
+                <a:ea typeface="微軟正黑體" panose="020B0604030504040204" pitchFamily="34" charset="-120"/>
+              </a:rPr>
+              <a:t>，如左圖</a:t>
+            </a:r>
+            <a:r>
+              <a:rPr lang="zh-TW" altLang="en-US" sz="2400" b="1" dirty="0" smtClean="0">
+                <a:latin typeface="微軟正黑體" panose="020B0604030504040204" pitchFamily="34" charset="-120"/>
+                <a:ea typeface="微軟正黑體" panose="020B0604030504040204" pitchFamily="34" charset="-120"/>
+              </a:rPr>
+              <a:t>，並說明圖形表達的意義。</a:t>
+            </a:r>
+            <a:endParaRPr lang="en-US" altLang="zh-TW" sz="2400" b="1" dirty="0" smtClean="0">
               <a:latin typeface="微軟正黑體" panose="020B0604030504040204" pitchFamily="34" charset="-120"/>
               <a:ea typeface="微軟正黑體" panose="020B0604030504040204" pitchFamily="34" charset="-120"/>
             </a:endParaRPr>
           </a:p>
           <a:p>
-            <a:pPr algn="ctr"/>
-            <a:r>
-              <a:rPr lang="zh-TW" altLang="en-US" b="1" dirty="0" smtClean="0">
-                <a:solidFill>
-                  <a:schemeClr val="tx1"/>
-                </a:solidFill>
-                <a:latin typeface="微軟正黑體" panose="020B0604030504040204" pitchFamily="34" charset="-120"/>
-                <a:ea typeface="微軟正黑體" panose="020B0604030504040204" pitchFamily="34" charset="-120"/>
-              </a:rPr>
-              <a:t>檔名</a:t>
-            </a:r>
-            <a:r>
-              <a:rPr lang="en-US" altLang="zh-TW" b="1" dirty="0" smtClean="0">
-                <a:solidFill>
-                  <a:schemeClr val="tx1"/>
-                </a:solidFill>
-                <a:latin typeface="微軟正黑體" panose="020B0604030504040204" pitchFamily="34" charset="-120"/>
-                <a:ea typeface="微軟正黑體" panose="020B0604030504040204" pitchFamily="34" charset="-120"/>
-              </a:rPr>
-              <a:t>:BC10801</a:t>
-            </a:r>
-            <a:endParaRPr lang="zh-TW" altLang="en-US" b="1" dirty="0">
-              <a:solidFill>
-                <a:schemeClr val="tx1"/>
-              </a:solidFill>
+            <a:endParaRPr lang="en-US" altLang="zh-TW" sz="2400" b="1" dirty="0">
               <a:latin typeface="微軟正黑體" panose="020B0604030504040204" pitchFamily="34" charset="-120"/>
               <a:ea typeface="微軟正黑體" panose="020B0604030504040204" pitchFamily="34" charset="-120"/>
             </a:endParaRPr>
           </a:p>
-        </p:txBody>
-      </p:sp>
-      <p:sp>
-        <p:nvSpPr>
-          <p:cNvPr id="9" name="圓角矩形 8"/>
-          <p:cNvSpPr/>
-          <p:nvPr/>
-        </p:nvSpPr>
-        <p:spPr>
-          <a:xfrm>
-            <a:off x="8629173" y="3301653"/>
-            <a:ext cx="2302328" cy="594395"/>
-          </a:xfrm>
-          <a:prstGeom prst="roundRect">
-            <a:avLst/>
-          </a:prstGeom>
-        </p:spPr>
-        <p:style>
-          <a:lnRef idx="2">
-            <a:schemeClr val="accent1">
-              <a:shade val="50000"/>
-            </a:schemeClr>
-          </a:lnRef>
-          <a:fillRef idx="1">
-            <a:schemeClr val="accent1"/>
-          </a:fillRef>
-          <a:effectRef idx="0">
-            <a:schemeClr val="accent1"/>
-          </a:effectRef>
-          <a:fontRef idx="minor">
-            <a:schemeClr val="lt1"/>
-          </a:fontRef>
-        </p:style>
-        <p:txBody>
-          <a:bodyPr rtlCol="0" anchor="ctr"/>
-          <a:lstStyle/>
-          <a:p>
-            <a:pPr algn="ctr"/>
-            <a:r>
-              <a:rPr lang="zh-TW" altLang="en-US" b="1" dirty="0">
-                <a:solidFill>
-                  <a:schemeClr val="tx1"/>
-                </a:solidFill>
-                <a:latin typeface="微軟正黑體" panose="020B0604030504040204" pitchFamily="34" charset="-120"/>
-                <a:ea typeface="微軟正黑體" panose="020B0604030504040204" pitchFamily="34" charset="-120"/>
-              </a:rPr>
-              <a:t>催收</a:t>
-            </a:r>
-            <a:r>
-              <a:rPr lang="en-US" altLang="zh-TW" b="1" dirty="0">
-                <a:solidFill>
-                  <a:schemeClr val="tx1"/>
-                </a:solidFill>
-                <a:latin typeface="微軟正黑體" panose="020B0604030504040204" pitchFamily="34" charset="-120"/>
-                <a:ea typeface="微軟正黑體" panose="020B0604030504040204" pitchFamily="34" charset="-120"/>
-              </a:rPr>
-              <a:t>2</a:t>
-            </a:r>
-            <a:r>
-              <a:rPr lang="zh-TW" altLang="en-US" b="1" dirty="0">
-                <a:solidFill>
-                  <a:schemeClr val="tx1"/>
-                </a:solidFill>
-                <a:latin typeface="微軟正黑體" panose="020B0604030504040204" pitchFamily="34" charset="-120"/>
-                <a:ea typeface="微軟正黑體" panose="020B0604030504040204" pitchFamily="34" charset="-120"/>
-              </a:rPr>
-              <a:t>月回收狀況</a:t>
-            </a:r>
-            <a:endParaRPr lang="en-US" altLang="zh-TW" b="1" dirty="0">
-              <a:solidFill>
-                <a:schemeClr val="tx1"/>
-              </a:solidFill>
+          <a:p>
+            <a:r>
+              <a:rPr lang="en-US" altLang="zh-TW" sz="2400" b="1" dirty="0" smtClean="0">
+                <a:latin typeface="微軟正黑體" panose="020B0604030504040204" pitchFamily="34" charset="-120"/>
+                <a:ea typeface="微軟正黑體" panose="020B0604030504040204" pitchFamily="34" charset="-120"/>
+              </a:rPr>
+              <a:t>Hint :</a:t>
+            </a:r>
+            <a:r>
+              <a:rPr lang="zh-TW" altLang="en-US" sz="2400" b="1" dirty="0" smtClean="0">
+                <a:latin typeface="微軟正黑體" panose="020B0604030504040204" pitchFamily="34" charset="-120"/>
+                <a:ea typeface="微軟正黑體" panose="020B0604030504040204" pitchFamily="34" charset="-120"/>
+              </a:rPr>
+              <a:t> </a:t>
+            </a:r>
+            <a:endParaRPr lang="en-US" altLang="zh-TW" sz="2400" b="1" dirty="0" smtClean="0">
               <a:latin typeface="微軟正黑體" panose="020B0604030504040204" pitchFamily="34" charset="-120"/>
               <a:ea typeface="微軟正黑體" panose="020B0604030504040204" pitchFamily="34" charset="-120"/>
             </a:endParaRPr>
           </a:p>
           <a:p>
-            <a:pPr algn="ctr"/>
-            <a:r>
-              <a:rPr lang="zh-TW" altLang="en-US" b="1" dirty="0">
-                <a:solidFill>
-                  <a:schemeClr val="tx1"/>
-                </a:solidFill>
-                <a:latin typeface="微軟正黑體" panose="020B0604030504040204" pitchFamily="34" charset="-120"/>
-                <a:ea typeface="微軟正黑體" panose="020B0604030504040204" pitchFamily="34" charset="-120"/>
-              </a:rPr>
-              <a:t>檔名</a:t>
-            </a:r>
-            <a:r>
-              <a:rPr lang="en-US" altLang="zh-TW" b="1" dirty="0">
-                <a:solidFill>
-                  <a:schemeClr val="tx1"/>
-                </a:solidFill>
-                <a:latin typeface="微軟正黑體" panose="020B0604030504040204" pitchFamily="34" charset="-120"/>
-                <a:ea typeface="微軟正黑體" panose="020B0604030504040204" pitchFamily="34" charset="-120"/>
-              </a:rPr>
-              <a:t>:BC10802</a:t>
-            </a:r>
-            <a:endParaRPr lang="zh-TW" altLang="en-US" b="1" dirty="0">
-              <a:solidFill>
-                <a:schemeClr val="tx1"/>
-              </a:solidFill>
+            <a:pPr marL="457200" indent="-457200">
+              <a:buAutoNum type="arabicPeriod"/>
+            </a:pPr>
+            <a:r>
+              <a:rPr lang="zh-TW" altLang="en-US" sz="2400" b="1" dirty="0" smtClean="0">
+                <a:latin typeface="微軟正黑體" panose="020B0604030504040204" pitchFamily="34" charset="-120"/>
+                <a:ea typeface="微軟正黑體" panose="020B0604030504040204" pitchFamily="34" charset="-120"/>
+              </a:rPr>
+              <a:t>性別原先有</a:t>
+            </a:r>
+            <a:r>
+              <a:rPr lang="en-US" altLang="zh-TW" sz="2400" b="1" dirty="0" smtClean="0">
+                <a:latin typeface="微軟正黑體" panose="020B0604030504040204" pitchFamily="34" charset="-120"/>
+                <a:ea typeface="微軟正黑體" panose="020B0604030504040204" pitchFamily="34" charset="-120"/>
+              </a:rPr>
+              <a:t>3</a:t>
+            </a:r>
+            <a:r>
+              <a:rPr lang="zh-TW" altLang="en-US" sz="2400" b="1" dirty="0" smtClean="0">
+                <a:latin typeface="微軟正黑體" panose="020B0604030504040204" pitchFamily="34" charset="-120"/>
+                <a:ea typeface="微軟正黑體" panose="020B0604030504040204" pitchFamily="34" charset="-120"/>
+              </a:rPr>
+              <a:t>種，修正成</a:t>
+            </a:r>
+            <a:r>
+              <a:rPr lang="en-US" altLang="zh-TW" sz="2400" b="1" dirty="0" smtClean="0">
+                <a:latin typeface="微軟正黑體" panose="020B0604030504040204" pitchFamily="34" charset="-120"/>
+                <a:ea typeface="微軟正黑體" panose="020B0604030504040204" pitchFamily="34" charset="-120"/>
+              </a:rPr>
+              <a:t>2</a:t>
+            </a:r>
+            <a:r>
+              <a:rPr lang="zh-TW" altLang="en-US" sz="2400" b="1" dirty="0" smtClean="0">
+                <a:latin typeface="微軟正黑體" panose="020B0604030504040204" pitchFamily="34" charset="-120"/>
+                <a:ea typeface="微軟正黑體" panose="020B0604030504040204" pitchFamily="34" charset="-120"/>
+              </a:rPr>
+              <a:t>種</a:t>
+            </a:r>
+            <a:endParaRPr lang="en-US" altLang="zh-TW" sz="2400" b="1" dirty="0" smtClean="0">
+              <a:latin typeface="微軟正黑體" panose="020B0604030504040204" pitchFamily="34" charset="-120"/>
+              <a:ea typeface="微軟正黑體" panose="020B0604030504040204" pitchFamily="34" charset="-120"/>
+            </a:endParaRPr>
+          </a:p>
+          <a:p>
+            <a:pPr marL="457200" indent="-457200">
+              <a:buAutoNum type="arabicPeriod"/>
+            </a:pPr>
+            <a:r>
+              <a:rPr lang="zh-TW" altLang="en-US" sz="2400" b="1" dirty="0" smtClean="0">
+                <a:latin typeface="微軟正黑體" panose="020B0604030504040204" pitchFamily="34" charset="-120"/>
+                <a:ea typeface="微軟正黑體" panose="020B0604030504040204" pitchFamily="34" charset="-120"/>
+              </a:rPr>
+              <a:t>顏色不得用預設值</a:t>
+            </a:r>
+            <a:endParaRPr lang="en-US" altLang="zh-TW" sz="2400" b="1" dirty="0" smtClean="0">
+              <a:latin typeface="微軟正黑體" panose="020B0604030504040204" pitchFamily="34" charset="-120"/>
+              <a:ea typeface="微軟正黑體" panose="020B0604030504040204" pitchFamily="34" charset="-120"/>
+            </a:endParaRPr>
+          </a:p>
+          <a:p>
+            <a:pPr marL="457200" indent="-457200">
+              <a:buAutoNum type="arabicPeriod"/>
+            </a:pPr>
+            <a:r>
+              <a:rPr lang="zh-TW" altLang="en-US" sz="2400" b="1" dirty="0">
+                <a:latin typeface="微軟正黑體" panose="020B0604030504040204" pitchFamily="34" charset="-120"/>
+                <a:ea typeface="微軟正黑體" panose="020B0604030504040204" pitchFamily="34" charset="-120"/>
+              </a:rPr>
+              <a:t>標示</a:t>
+            </a:r>
+            <a:r>
+              <a:rPr lang="zh-TW" altLang="en-US" sz="2400" b="1" dirty="0" smtClean="0">
+                <a:latin typeface="微軟正黑體" panose="020B0604030504040204" pitchFamily="34" charset="-120"/>
+                <a:ea typeface="微軟正黑體" panose="020B0604030504040204" pitchFamily="34" charset="-120"/>
+              </a:rPr>
+              <a:t>符號不得用預設值</a:t>
+            </a:r>
+            <a:endParaRPr lang="en-US" altLang="zh-TW" sz="2400" b="1" dirty="0" smtClean="0">
               <a:latin typeface="微軟正黑體" panose="020B0604030504040204" pitchFamily="34" charset="-120"/>
               <a:ea typeface="微軟正黑體" panose="020B0604030504040204" pitchFamily="34" charset="-120"/>
             </a:endParaRPr>
@@ -19667,8 +22825,8 @@
 </p:sld>
 </file>
 
-<file path=ppt/slides/slide34.xml><?xml version="1.0" encoding="utf-8"?>
-<p:sld xmlns:a="http://schemas.openxmlformats.org/drawingml/2006/main" xmlns:r="http://schemas.openxmlformats.org/officeDocument/2006/relationships" xmlns:p="http://schemas.openxmlformats.org/presentationml/2006/main">
+<file path=ppt/slides/slide35.xml><?xml version="1.0" encoding="utf-8"?>
+<p:sld xmlns:a="http://schemas.openxmlformats.org/drawingml/2006/main" xmlns:r="http://schemas.openxmlformats.org/officeDocument/2006/relationships" xmlns:p="http://schemas.openxmlformats.org/presentationml/2006/main" show="0">
   <p:cSld>
     <p:spTree>
       <p:nvGrpSpPr>
@@ -19739,6 +22897,14 @@
   <p:clrMapOvr>
     <a:masterClrMapping/>
   </p:clrMapOvr>
+  <mc:AlternateContent xmlns:mc="http://schemas.openxmlformats.org/markup-compatibility/2006" xmlns:p14="http://schemas.microsoft.com/office/powerpoint/2010/main">
+    <mc:Choice Requires="p14">
+      <p:transition spd="slow" p14:dur="2000"/>
+    </mc:Choice>
+    <mc:Fallback xmlns="">
+      <p:transition spd="slow"/>
+    </mc:Fallback>
+  </mc:AlternateContent>
   <p:timing>
     <p:tnLst>
       <p:par>
@@ -19749,7 +22915,7 @@
 </p:sld>
 </file>
 
-<file path=ppt/slides/slide35.xml><?xml version="1.0" encoding="utf-8"?>
+<file path=ppt/slides/slide36.xml><?xml version="1.0" encoding="utf-8"?>
 <p:sld xmlns:a="http://schemas.openxmlformats.org/drawingml/2006/main" xmlns:r="http://schemas.openxmlformats.org/officeDocument/2006/relationships" xmlns:p="http://schemas.openxmlformats.org/presentationml/2006/main">
   <p:cSld>
     <p:bg>
@@ -19857,85 +23023,6 @@
     <p:extLst>
       <p:ext uri="{BB962C8B-B14F-4D97-AF65-F5344CB8AC3E}">
         <p14:creationId xmlns:p14="http://schemas.microsoft.com/office/powerpoint/2010/main" val="3958330984"/>
-      </p:ext>
-    </p:extLst>
-  </p:cSld>
-  <p:clrMapOvr>
-    <a:masterClrMapping/>
-  </p:clrMapOvr>
-  <p:timing>
-    <p:tnLst>
-      <p:par>
-        <p:cTn id="1" dur="indefinite" restart="never" nodeType="tmRoot"/>
-      </p:par>
-    </p:tnLst>
-  </p:timing>
-</p:sld>
-</file>
-
-<file path=ppt/slides/slide36.xml><?xml version="1.0" encoding="utf-8"?>
-<p:sld xmlns:a="http://schemas.openxmlformats.org/drawingml/2006/main" xmlns:r="http://schemas.openxmlformats.org/officeDocument/2006/relationships" xmlns:p="http://schemas.openxmlformats.org/presentationml/2006/main">
-  <p:cSld>
-    <p:spTree>
-      <p:nvGrpSpPr>
-        <p:cNvPr id="1" name=""/>
-        <p:cNvGrpSpPr/>
-        <p:nvPr/>
-      </p:nvGrpSpPr>
-      <p:grpSpPr>
-        <a:xfrm>
-          <a:off x="0" y="0"/>
-          <a:ext cx="0" cy="0"/>
-          <a:chOff x="0" y="0"/>
-          <a:chExt cx="0" cy="0"/>
-        </a:xfrm>
-      </p:grpSpPr>
-      <p:sp>
-        <p:nvSpPr>
-          <p:cNvPr id="2" name="標題 1"/>
-          <p:cNvSpPr>
-            <a:spLocks noGrp="1"/>
-          </p:cNvSpPr>
-          <p:nvPr>
-            <p:ph type="title"/>
-          </p:nvPr>
-        </p:nvSpPr>
-        <p:spPr/>
-        <p:txBody>
-          <a:bodyPr/>
-          <a:lstStyle/>
-          <a:p>
-            <a:r>
-              <a:rPr lang="en-US" altLang="zh-TW" dirty="0" smtClean="0"/>
-              <a:t>bar</a:t>
-            </a:r>
-            <a:endParaRPr lang="zh-TW" altLang="en-US" dirty="0"/>
-          </a:p>
-        </p:txBody>
-      </p:sp>
-      <p:sp>
-        <p:nvSpPr>
-          <p:cNvPr id="3" name="內容版面配置區 2"/>
-          <p:cNvSpPr>
-            <a:spLocks noGrp="1"/>
-          </p:cNvSpPr>
-          <p:nvPr>
-            <p:ph idx="1"/>
-          </p:nvPr>
-        </p:nvSpPr>
-        <p:spPr/>
-        <p:txBody>
-          <a:bodyPr/>
-          <a:lstStyle/>
-          <a:p>
-            <a:endParaRPr lang="zh-TW" altLang="en-US"/>
-          </a:p>
-        </p:txBody>
-      </p:sp>
-    </p:spTree>
-    <p:extLst>
-      <p:ext uri="{BB962C8B-B14F-4D97-AF65-F5344CB8AC3E}">
-        <p14:creationId xmlns:p14="http://schemas.microsoft.com/office/powerpoint/2010/main" val="2138231853"/>
       </p:ext>
     </p:extLst>
   </p:cSld>
@@ -19985,12 +23072,8 @@
           <a:lstStyle/>
           <a:p>
             <a:r>
-              <a:rPr lang="zh-TW" altLang="zh-TW" dirty="0"/>
-              <a:t>文字</a:t>
-            </a:r>
-            <a:r>
-              <a:rPr lang="zh-TW" altLang="zh-TW" dirty="0" smtClean="0"/>
-              <a:t>雲</a:t>
+              <a:rPr lang="en-US" altLang="zh-TW" dirty="0" smtClean="0"/>
+              <a:t>bar</a:t>
             </a:r>
             <a:endParaRPr lang="zh-TW" altLang="en-US" dirty="0"/>
           </a:p>
@@ -20018,7 +23101,7 @@
     </p:spTree>
     <p:extLst>
       <p:ext uri="{BB962C8B-B14F-4D97-AF65-F5344CB8AC3E}">
-        <p14:creationId xmlns:p14="http://schemas.microsoft.com/office/powerpoint/2010/main" val="1577226436"/>
+        <p14:creationId xmlns:p14="http://schemas.microsoft.com/office/powerpoint/2010/main" val="2138231853"/>
       </p:ext>
     </p:extLst>
   </p:cSld>
@@ -20068,14 +23151,12 @@
           <a:lstStyle/>
           <a:p>
             <a:r>
-              <a:rPr lang="en-US" altLang="zh-TW" dirty="0"/>
-              <a:t> </a:t>
-            </a:r>
-            <a:r>
-              <a:rPr lang="en-US" altLang="zh-TW" dirty="0">
-                <a:hlinkClick r:id="rId3"/>
-              </a:rPr>
-              <a:t>Radar chart</a:t>
+              <a:rPr lang="zh-TW" altLang="zh-TW" dirty="0"/>
+              <a:t>文字</a:t>
+            </a:r>
+            <a:r>
+              <a:rPr lang="zh-TW" altLang="zh-TW" dirty="0" smtClean="0"/>
+              <a:t>雲</a:t>
             </a:r>
             <a:endParaRPr lang="zh-TW" altLang="en-US" dirty="0"/>
           </a:p>
@@ -20103,13 +23184,20 @@
     </p:spTree>
     <p:extLst>
       <p:ext uri="{BB962C8B-B14F-4D97-AF65-F5344CB8AC3E}">
-        <p14:creationId xmlns:p14="http://schemas.microsoft.com/office/powerpoint/2010/main" val="3087042820"/>
+        <p14:creationId xmlns:p14="http://schemas.microsoft.com/office/powerpoint/2010/main" val="1577226436"/>
       </p:ext>
     </p:extLst>
   </p:cSld>
   <p:clrMapOvr>
     <a:masterClrMapping/>
   </p:clrMapOvr>
+  <p:timing>
+    <p:tnLst>
+      <p:par>
+        <p:cTn id="1" dur="indefinite" restart="never" nodeType="tmRoot"/>
+      </p:par>
+    </p:tnLst>
+  </p:timing>
 </p:sld>
 </file>
 
@@ -20147,11 +23235,13 @@
           <a:p>
             <a:r>
               <a:rPr lang="en-US" altLang="zh-TW" dirty="0"/>
-              <a:t>circular </a:t>
-            </a:r>
-            <a:r>
-              <a:rPr lang="en-US" altLang="zh-TW" dirty="0" err="1"/>
-              <a:t>barplot</a:t>
+              <a:t> </a:t>
+            </a:r>
+            <a:r>
+              <a:rPr lang="en-US" altLang="zh-TW" dirty="0">
+                <a:hlinkClick r:id="rId3"/>
+              </a:rPr>
+              <a:t>Radar chart</a:t>
             </a:r>
             <a:endParaRPr lang="zh-TW" altLang="en-US" dirty="0"/>
           </a:p>
@@ -20179,7 +23269,7 @@
     </p:spTree>
     <p:extLst>
       <p:ext uri="{BB962C8B-B14F-4D97-AF65-F5344CB8AC3E}">
-        <p14:creationId xmlns:p14="http://schemas.microsoft.com/office/powerpoint/2010/main" val="2717647758"/>
+        <p14:creationId xmlns:p14="http://schemas.microsoft.com/office/powerpoint/2010/main" val="3087042820"/>
       </p:ext>
     </p:extLst>
   </p:cSld>
@@ -20615,6 +23705,82 @@
           <a:bodyPr/>
           <a:lstStyle/>
           <a:p>
+            <a:r>
+              <a:rPr lang="en-US" altLang="zh-TW" dirty="0"/>
+              <a:t>circular </a:t>
+            </a:r>
+            <a:r>
+              <a:rPr lang="en-US" altLang="zh-TW" dirty="0" err="1"/>
+              <a:t>barplot</a:t>
+            </a:r>
+            <a:endParaRPr lang="zh-TW" altLang="en-US" dirty="0"/>
+          </a:p>
+        </p:txBody>
+      </p:sp>
+      <p:sp>
+        <p:nvSpPr>
+          <p:cNvPr id="3" name="內容版面配置區 2"/>
+          <p:cNvSpPr>
+            <a:spLocks noGrp="1"/>
+          </p:cNvSpPr>
+          <p:nvPr>
+            <p:ph idx="1"/>
+          </p:nvPr>
+        </p:nvSpPr>
+        <p:spPr/>
+        <p:txBody>
+          <a:bodyPr/>
+          <a:lstStyle/>
+          <a:p>
+            <a:endParaRPr lang="zh-TW" altLang="en-US"/>
+          </a:p>
+        </p:txBody>
+      </p:sp>
+    </p:spTree>
+    <p:extLst>
+      <p:ext uri="{BB962C8B-B14F-4D97-AF65-F5344CB8AC3E}">
+        <p14:creationId xmlns:p14="http://schemas.microsoft.com/office/powerpoint/2010/main" val="2717647758"/>
+      </p:ext>
+    </p:extLst>
+  </p:cSld>
+  <p:clrMapOvr>
+    <a:masterClrMapping/>
+  </p:clrMapOvr>
+</p:sld>
+</file>
+
+<file path=ppt/slides/slide41.xml><?xml version="1.0" encoding="utf-8"?>
+<p:sld xmlns:a="http://schemas.openxmlformats.org/drawingml/2006/main" xmlns:r="http://schemas.openxmlformats.org/officeDocument/2006/relationships" xmlns:p="http://schemas.openxmlformats.org/presentationml/2006/main">
+  <p:cSld>
+    <p:spTree>
+      <p:nvGrpSpPr>
+        <p:cNvPr id="1" name=""/>
+        <p:cNvGrpSpPr/>
+        <p:nvPr/>
+      </p:nvGrpSpPr>
+      <p:grpSpPr>
+        <a:xfrm>
+          <a:off x="0" y="0"/>
+          <a:ext cx="0" cy="0"/>
+          <a:chOff x="0" y="0"/>
+          <a:chExt cx="0" cy="0"/>
+        </a:xfrm>
+      </p:grpSpPr>
+      <p:sp>
+        <p:nvSpPr>
+          <p:cNvPr id="2" name="標題 1"/>
+          <p:cNvSpPr>
+            <a:spLocks noGrp="1"/>
+          </p:cNvSpPr>
+          <p:nvPr>
+            <p:ph type="title"/>
+          </p:nvPr>
+        </p:nvSpPr>
+        <p:spPr/>
+        <p:txBody>
+          <a:bodyPr/>
+          <a:lstStyle/>
+          <a:p>
             <a:endParaRPr lang="zh-TW" altLang="en-US"/>
           </a:p>
         </p:txBody>
@@ -20659,7 +23825,7 @@
 </p:sld>
 </file>
 
-<file path=ppt/slides/slide41.xml><?xml version="1.0" encoding="utf-8"?>
+<file path=ppt/slides/slide42.xml><?xml version="1.0" encoding="utf-8"?>
 <p:sld xmlns:a="http://schemas.openxmlformats.org/drawingml/2006/main" xmlns:r="http://schemas.openxmlformats.org/officeDocument/2006/relationships" xmlns:p="http://schemas.openxmlformats.org/presentationml/2006/main">
   <p:cSld>
     <p:spTree>
@@ -22981,7 +26147,7 @@
   <a:extraClrSchemeLst/>
   <a:extLst>
     <a:ext uri="{05A4C25C-085E-4340-85A3-A5531E510DB2}">
-      <thm15:themeFamily xmlns:thm15="http://schemas.microsoft.com/office/thememl/2012/main" xmlns="" name="Office Theme" id="{62F939B6-93AF-4DB8-9C6B-D6C7DFDC589F}" vid="{4A3C46E8-61CC-4603-A589-7422A47A8E4A}"/>
+      <thm15:themeFamily xmlns="" xmlns:thm15="http://schemas.microsoft.com/office/thememl/2012/main" name="Office Theme" id="{62F939B6-93AF-4DB8-9C6B-D6C7DFDC589F}" vid="{4A3C46E8-61CC-4603-A589-7422A47A8E4A}"/>
     </a:ext>
   </a:extLst>
 </a:theme>
@@ -23242,7 +26408,7 @@
   <a:extraClrSchemeLst/>
   <a:extLst>
     <a:ext uri="{05A4C25C-085E-4340-85A3-A5531E510DB2}">
-      <thm15:themeFamily xmlns:thm15="http://schemas.microsoft.com/office/thememl/2012/main" xmlns="" name="Office Theme" id="{62F939B6-93AF-4DB8-9C6B-D6C7DFDC589F}" vid="{4A3C46E8-61CC-4603-A589-7422A47A8E4A}"/>
+      <thm15:themeFamily xmlns="" xmlns:thm15="http://schemas.microsoft.com/office/thememl/2012/main" name="Office Theme" id="{62F939B6-93AF-4DB8-9C6B-D6C7DFDC589F}" vid="{4A3C46E8-61CC-4603-A589-7422A47A8E4A}"/>
     </a:ext>
   </a:extLst>
 </a:theme>
@@ -23503,7 +26669,7 @@
   <a:extraClrSchemeLst/>
   <a:extLst>
     <a:ext uri="{05A4C25C-085E-4340-85A3-A5531E510DB2}">
-      <thm15:themeFamily xmlns:thm15="http://schemas.microsoft.com/office/thememl/2012/main" xmlns="" name="Office Theme" id="{62F939B6-93AF-4DB8-9C6B-D6C7DFDC589F}" vid="{4A3C46E8-61CC-4603-A589-7422A47A8E4A}"/>
+      <thm15:themeFamily xmlns="" xmlns:thm15="http://schemas.microsoft.com/office/thememl/2012/main" name="Office Theme" id="{62F939B6-93AF-4DB8-9C6B-D6C7DFDC589F}" vid="{4A3C46E8-61CC-4603-A589-7422A47A8E4A}"/>
     </a:ext>
   </a:extLst>
 </a:theme>
